--- a/Web DB - Final Presentation.pptx
+++ b/Web DB - Final Presentation.pptx
@@ -1,49 +1,50 @@
 
 <file path=ppt/presentation.xml><?xml version="1.0" encoding="utf-8"?>
-<p:presentation xmlns:a="http://schemas.openxmlformats.org/drawingml/2006/main" xmlns:r="http://schemas.openxmlformats.org/officeDocument/2006/relationships" xmlns:mc="http://schemas.openxmlformats.org/markup-compatibility/2006" xmlns:mv="urn:schemas-microsoft-com:mac:vml" xmlns:p="http://schemas.openxmlformats.org/presentationml/2006/main" xmlns:c="http://schemas.openxmlformats.org/drawingml/2006/chart" xmlns:dgm="http://schemas.openxmlformats.org/drawingml/2006/diagram" xmlns:o="urn:schemas-microsoft-com:office:office" xmlns:v="urn:schemas-microsoft-com:vml" xmlns:pvml="urn:schemas-microsoft-com:office:powerpoint" xmlns:com="http://schemas.openxmlformats.org/drawingml/2006/compatibility" xmlns:p14="http://schemas.microsoft.com/office/powerpoint/2010/main" xmlns:p15="http://schemas.microsoft.com/office/powerpoint/2012/main" autoCompressPictures="0" embedTrueTypeFonts="1" strictFirstAndLastChars="0" saveSubsetFonts="1">
+<p:presentation xmlns:a="http://schemas.openxmlformats.org/drawingml/2006/main" xmlns:r="http://schemas.openxmlformats.org/officeDocument/2006/relationships" xmlns:p="http://schemas.openxmlformats.org/presentationml/2006/main" strictFirstAndLastChars="0" embedTrueTypeFonts="1" saveSubsetFonts="1" autoCompressPictures="0">
   <p:sldMasterIdLst>
-    <p:sldMasterId id="2147483659" r:id="rId5"/>
+    <p:sldMasterId id="2147483659" r:id="rId1"/>
   </p:sldMasterIdLst>
   <p:notesMasterIdLst>
-    <p:notesMasterId r:id="rId6"/>
+    <p:notesMasterId r:id="rId18"/>
   </p:notesMasterIdLst>
   <p:sldIdLst>
-    <p:sldId id="256" r:id="rId7"/>
-    <p:sldId id="257" r:id="rId8"/>
-    <p:sldId id="258" r:id="rId9"/>
-    <p:sldId id="259" r:id="rId10"/>
-    <p:sldId id="260" r:id="rId11"/>
-    <p:sldId id="261" r:id="rId12"/>
-    <p:sldId id="262" r:id="rId13"/>
-    <p:sldId id="263" r:id="rId14"/>
-    <p:sldId id="264" r:id="rId15"/>
-    <p:sldId id="265" r:id="rId16"/>
-    <p:sldId id="266" r:id="rId17"/>
-    <p:sldId id="267" r:id="rId18"/>
-    <p:sldId id="268" r:id="rId19"/>
-    <p:sldId id="269" r:id="rId20"/>
-    <p:sldId id="270" r:id="rId21"/>
+    <p:sldId id="256" r:id="rId2"/>
+    <p:sldId id="257" r:id="rId3"/>
+    <p:sldId id="258" r:id="rId4"/>
+    <p:sldId id="270" r:id="rId5"/>
+    <p:sldId id="259" r:id="rId6"/>
+    <p:sldId id="260" r:id="rId7"/>
+    <p:sldId id="261" r:id="rId8"/>
+    <p:sldId id="262" r:id="rId9"/>
+    <p:sldId id="263" r:id="rId10"/>
+    <p:sldId id="264" r:id="rId11"/>
+    <p:sldId id="265" r:id="rId12"/>
+    <p:sldId id="266" r:id="rId13"/>
+    <p:sldId id="267" r:id="rId14"/>
+    <p:sldId id="268" r:id="rId15"/>
+    <p:sldId id="269" r:id="rId16"/>
+    <p:sldId id="271" r:id="rId17"/>
   </p:sldIdLst>
-  <p:sldSz cy="5143500" cx="9144000"/>
+  <p:sldSz cx="9144000" cy="5143500" type="screen16x9"/>
   <p:notesSz cx="6858000" cy="9144000"/>
   <p:embeddedFontLst>
     <p:embeddedFont>
-      <p:font typeface="Economica"/>
-      <p:regular r:id="rId22"/>
-      <p:bold r:id="rId23"/>
-      <p:italic r:id="rId24"/>
-      <p:boldItalic r:id="rId25"/>
+      <p:font typeface="Economica" panose="020B0604020202020204" charset="0"/>
+      <p:regular r:id="rId19"/>
+      <p:bold r:id="rId20"/>
+      <p:italic r:id="rId21"/>
+      <p:boldItalic r:id="rId22"/>
     </p:embeddedFont>
     <p:embeddedFont>
-      <p:font typeface="Open Sans"/>
-      <p:regular r:id="rId26"/>
-      <p:bold r:id="rId27"/>
-      <p:italic r:id="rId28"/>
-      <p:boldItalic r:id="rId29"/>
+      <p:font typeface="Open Sans" panose="020B0604020202020204" charset="0"/>
+      <p:regular r:id="rId23"/>
+      <p:bold r:id="rId24"/>
+      <p:italic r:id="rId25"/>
+      <p:boldItalic r:id="rId26"/>
     </p:embeddedFont>
   </p:embeddedFontLst>
   <p:defaultTextStyle>
-    <a:defPPr lvl="0" marR="0" rtl="0" algn="l">
+    <a:defPPr marR="0" lvl="0" algn="l" rtl="0">
       <a:lnSpc>
         <a:spcPct val="100000"/>
       </a:lnSpc>
@@ -54,7 +55,7 @@
         <a:spcPts val="0"/>
       </a:spcAft>
     </a:defPPr>
-    <a:lvl1pPr lvl="0" marR="0" rtl="0" algn="l">
+    <a:lvl1pPr marR="0" lvl="0" algn="l" rtl="0">
       <a:lnSpc>
         <a:spcPct val="100000"/>
       </a:lnSpc>
@@ -68,7 +69,7 @@
         <a:srgbClr val="000000"/>
       </a:buClr>
       <a:buFont typeface="Arial"/>
-      <a:defRPr b="0" i="0" sz="1400" u="none" cap="none" strike="noStrike">
+      <a:defRPr sz="1400" b="0" i="0" u="none" strike="noStrike" cap="none">
         <a:solidFill>
           <a:srgbClr val="000000"/>
         </a:solidFill>
@@ -78,7 +79,7 @@
         <a:sym typeface="Arial"/>
       </a:defRPr>
     </a:lvl1pPr>
-    <a:lvl2pPr lvl="1" marR="0" rtl="0" algn="l">
+    <a:lvl2pPr marR="0" lvl="1" algn="l" rtl="0">
       <a:lnSpc>
         <a:spcPct val="100000"/>
       </a:lnSpc>
@@ -92,7 +93,7 @@
         <a:srgbClr val="000000"/>
       </a:buClr>
       <a:buFont typeface="Arial"/>
-      <a:defRPr b="0" i="0" sz="1400" u="none" cap="none" strike="noStrike">
+      <a:defRPr sz="1400" b="0" i="0" u="none" strike="noStrike" cap="none">
         <a:solidFill>
           <a:srgbClr val="000000"/>
         </a:solidFill>
@@ -102,7 +103,7 @@
         <a:sym typeface="Arial"/>
       </a:defRPr>
     </a:lvl2pPr>
-    <a:lvl3pPr lvl="2" marR="0" rtl="0" algn="l">
+    <a:lvl3pPr marR="0" lvl="2" algn="l" rtl="0">
       <a:lnSpc>
         <a:spcPct val="100000"/>
       </a:lnSpc>
@@ -116,7 +117,7 @@
         <a:srgbClr val="000000"/>
       </a:buClr>
       <a:buFont typeface="Arial"/>
-      <a:defRPr b="0" i="0" sz="1400" u="none" cap="none" strike="noStrike">
+      <a:defRPr sz="1400" b="0" i="0" u="none" strike="noStrike" cap="none">
         <a:solidFill>
           <a:srgbClr val="000000"/>
         </a:solidFill>
@@ -126,7 +127,7 @@
         <a:sym typeface="Arial"/>
       </a:defRPr>
     </a:lvl3pPr>
-    <a:lvl4pPr lvl="3" marR="0" rtl="0" algn="l">
+    <a:lvl4pPr marR="0" lvl="3" algn="l" rtl="0">
       <a:lnSpc>
         <a:spcPct val="100000"/>
       </a:lnSpc>
@@ -140,7 +141,7 @@
         <a:srgbClr val="000000"/>
       </a:buClr>
       <a:buFont typeface="Arial"/>
-      <a:defRPr b="0" i="0" sz="1400" u="none" cap="none" strike="noStrike">
+      <a:defRPr sz="1400" b="0" i="0" u="none" strike="noStrike" cap="none">
         <a:solidFill>
           <a:srgbClr val="000000"/>
         </a:solidFill>
@@ -150,7 +151,7 @@
         <a:sym typeface="Arial"/>
       </a:defRPr>
     </a:lvl4pPr>
-    <a:lvl5pPr lvl="4" marR="0" rtl="0" algn="l">
+    <a:lvl5pPr marR="0" lvl="4" algn="l" rtl="0">
       <a:lnSpc>
         <a:spcPct val="100000"/>
       </a:lnSpc>
@@ -164,7 +165,7 @@
         <a:srgbClr val="000000"/>
       </a:buClr>
       <a:buFont typeface="Arial"/>
-      <a:defRPr b="0" i="0" sz="1400" u="none" cap="none" strike="noStrike">
+      <a:defRPr sz="1400" b="0" i="0" u="none" strike="noStrike" cap="none">
         <a:solidFill>
           <a:srgbClr val="000000"/>
         </a:solidFill>
@@ -174,7 +175,7 @@
         <a:sym typeface="Arial"/>
       </a:defRPr>
     </a:lvl5pPr>
-    <a:lvl6pPr lvl="5" marR="0" rtl="0" algn="l">
+    <a:lvl6pPr marR="0" lvl="5" algn="l" rtl="0">
       <a:lnSpc>
         <a:spcPct val="100000"/>
       </a:lnSpc>
@@ -188,7 +189,7 @@
         <a:srgbClr val="000000"/>
       </a:buClr>
       <a:buFont typeface="Arial"/>
-      <a:defRPr b="0" i="0" sz="1400" u="none" cap="none" strike="noStrike">
+      <a:defRPr sz="1400" b="0" i="0" u="none" strike="noStrike" cap="none">
         <a:solidFill>
           <a:srgbClr val="000000"/>
         </a:solidFill>
@@ -198,7 +199,7 @@
         <a:sym typeface="Arial"/>
       </a:defRPr>
     </a:lvl6pPr>
-    <a:lvl7pPr lvl="6" marR="0" rtl="0" algn="l">
+    <a:lvl7pPr marR="0" lvl="6" algn="l" rtl="0">
       <a:lnSpc>
         <a:spcPct val="100000"/>
       </a:lnSpc>
@@ -212,7 +213,7 @@
         <a:srgbClr val="000000"/>
       </a:buClr>
       <a:buFont typeface="Arial"/>
-      <a:defRPr b="0" i="0" sz="1400" u="none" cap="none" strike="noStrike">
+      <a:defRPr sz="1400" b="0" i="0" u="none" strike="noStrike" cap="none">
         <a:solidFill>
           <a:srgbClr val="000000"/>
         </a:solidFill>
@@ -222,7 +223,7 @@
         <a:sym typeface="Arial"/>
       </a:defRPr>
     </a:lvl7pPr>
-    <a:lvl8pPr lvl="7" marR="0" rtl="0" algn="l">
+    <a:lvl8pPr marR="0" lvl="7" algn="l" rtl="0">
       <a:lnSpc>
         <a:spcPct val="100000"/>
       </a:lnSpc>
@@ -236,7 +237,7 @@
         <a:srgbClr val="000000"/>
       </a:buClr>
       <a:buFont typeface="Arial"/>
-      <a:defRPr b="0" i="0" sz="1400" u="none" cap="none" strike="noStrike">
+      <a:defRPr sz="1400" b="0" i="0" u="none" strike="noStrike" cap="none">
         <a:solidFill>
           <a:srgbClr val="000000"/>
         </a:solidFill>
@@ -246,7 +247,7 @@
         <a:sym typeface="Arial"/>
       </a:defRPr>
     </a:lvl8pPr>
-    <a:lvl9pPr lvl="8" marR="0" rtl="0" algn="l">
+    <a:lvl9pPr marR="0" lvl="8" algn="l" rtl="0">
       <a:lnSpc>
         <a:spcPct val="100000"/>
       </a:lnSpc>
@@ -260,7 +261,7 @@
         <a:srgbClr val="000000"/>
       </a:buClr>
       <a:buFont typeface="Arial"/>
-      <a:defRPr b="0" i="0" sz="1400" u="none" cap="none" strike="noStrike">
+      <a:defRPr sz="1400" b="0" i="0" u="none" strike="noStrike" cap="none">
         <a:solidFill>
           <a:srgbClr val="000000"/>
         </a:solidFill>
@@ -273,7 +274,7 @@
   </p:defaultTextStyle>
   <p:extLst>
     <p:ext uri="{EFAFB233-063F-42B5-8137-9DF3F51BA10A}">
-      <p15:sldGuideLst>
+      <p15:sldGuideLst xmlns:p15="http://schemas.microsoft.com/office/powerpoint/2012/main">
         <p15:guide id="1" orient="horz" pos="1620">
           <p15:clr>
             <a:srgbClr val="A4A3A4"/>
@@ -291,11 +292,16 @@
 </file>
 
 <file path=ppt/notesMasters/notesMaster1.xml><?xml version="1.0" encoding="utf-8"?>
-<p:notesMaster xmlns:a="http://schemas.openxmlformats.org/drawingml/2006/main" xmlns:r="http://schemas.openxmlformats.org/officeDocument/2006/relationships" xmlns:mc="http://schemas.openxmlformats.org/markup-compatibility/2006" xmlns:mv="urn:schemas-microsoft-com:mac:vml" xmlns:p="http://schemas.openxmlformats.org/presentationml/2006/main" xmlns:c="http://schemas.openxmlformats.org/drawingml/2006/chart" xmlns:dgm="http://schemas.openxmlformats.org/drawingml/2006/diagram" xmlns:o="urn:schemas-microsoft-com:office:office" xmlns:v="urn:schemas-microsoft-com:vml" xmlns:pvml="urn:schemas-microsoft-com:office:powerpoint" xmlns:com="http://schemas.openxmlformats.org/drawingml/2006/compatibility" xmlns:p14="http://schemas.microsoft.com/office/powerpoint/2010/main" xmlns:p15="http://schemas.microsoft.com/office/powerpoint/2012/main">
+<p:notesMaster xmlns:a="http://schemas.openxmlformats.org/drawingml/2006/main" xmlns:r="http://schemas.openxmlformats.org/officeDocument/2006/relationships" xmlns:p="http://schemas.openxmlformats.org/presentationml/2006/main">
   <p:cSld>
+    <p:bg>
+      <p:bgRef idx="1001">
+        <a:schemeClr val="bg1"/>
+      </p:bgRef>
+    </p:bg>
     <p:spTree>
       <p:nvGrpSpPr>
-        <p:cNvPr id="2" name="Shape 2"/>
+        <p:cNvPr id="1" name="Shape 2"/>
         <p:cNvGrpSpPr/>
         <p:nvPr/>
       </p:nvGrpSpPr>
@@ -310,9 +316,11 @@
       <p:sp>
         <p:nvSpPr>
           <p:cNvPr id="3" name="Google Shape;3;n"/>
-          <p:cNvSpPr/>
+          <p:cNvSpPr>
+            <a:spLocks noGrp="1" noRot="1" noChangeAspect="1"/>
+          </p:cNvSpPr>
           <p:nvPr>
-            <p:ph idx="2" type="sldImg"/>
+            <p:ph type="sldImg" idx="2"/>
           </p:nvPr>
         </p:nvSpPr>
         <p:spPr>
@@ -321,9 +329,13 @@
             <a:ext cx="6096075" cy="3429000"/>
           </a:xfrm>
           <a:custGeom>
-            <a:rect b="b" l="l" r="r" t="t"/>
+            <a:avLst/>
+            <a:gdLst/>
+            <a:ahLst/>
+            <a:cxnLst/>
+            <a:rect l="l" t="t" r="r" b="b"/>
             <a:pathLst>
-              <a:path extrusionOk="0" h="120000" w="120000">
+              <a:path w="120000" h="120000" extrusionOk="0">
                 <a:moveTo>
                   <a:pt x="0" y="0"/>
                 </a:moveTo>
@@ -341,23 +353,25 @@
             </a:pathLst>
           </a:custGeom>
           <a:noFill/>
-          <a:ln cap="flat" cmpd="sng" w="9525">
+          <a:ln w="9525" cap="flat" cmpd="sng">
             <a:solidFill>
               <a:srgbClr val="000000"/>
             </a:solidFill>
             <a:prstDash val="solid"/>
             <a:round/>
-            <a:headEnd len="sm" w="sm" type="none"/>
-            <a:tailEnd len="sm" w="sm" type="none"/>
+            <a:headEnd type="none" w="sm" len="sm"/>
+            <a:tailEnd type="none" w="sm" len="sm"/>
           </a:ln>
         </p:spPr>
       </p:sp>
       <p:sp>
         <p:nvSpPr>
           <p:cNvPr id="4" name="Google Shape;4;n"/>
-          <p:cNvSpPr txBox="1"/>
+          <p:cNvSpPr txBox="1">
+            <a:spLocks noGrp="1"/>
+          </p:cNvSpPr>
           <p:nvPr>
-            <p:ph idx="1" type="body"/>
+            <p:ph type="body" idx="1"/>
           </p:nvPr>
         </p:nvSpPr>
         <p:spPr>
@@ -374,11 +388,11 @@
           </a:ln>
         </p:spPr>
         <p:txBody>
-          <a:bodyPr anchorCtr="0" anchor="t" bIns="91425" lIns="91425" spcFirstLastPara="1" rIns="91425" wrap="square" tIns="91425">
+          <a:bodyPr spcFirstLastPara="1" wrap="square" lIns="91425" tIns="91425" rIns="91425" bIns="91425" anchor="t" anchorCtr="0">
             <a:noAutofit/>
           </a:bodyPr>
           <a:lstStyle>
-            <a:lvl1pPr indent="-298450" lvl="0" marL="457200">
+            <a:lvl1pPr marL="457200" lvl="0" indent="-298450">
               <a:spcBef>
                 <a:spcPts val="0"/>
               </a:spcBef>
@@ -389,7 +403,7 @@
               <a:buChar char="●"/>
               <a:defRPr sz="1100"/>
             </a:lvl1pPr>
-            <a:lvl2pPr indent="-298450" lvl="1" marL="914400">
+            <a:lvl2pPr marL="914400" lvl="1" indent="-298450">
               <a:spcBef>
                 <a:spcPts val="0"/>
               </a:spcBef>
@@ -400,7 +414,7 @@
               <a:buChar char="○"/>
               <a:defRPr sz="1100"/>
             </a:lvl2pPr>
-            <a:lvl3pPr indent="-298450" lvl="2" marL="1371600">
+            <a:lvl3pPr marL="1371600" lvl="2" indent="-298450">
               <a:spcBef>
                 <a:spcPts val="0"/>
               </a:spcBef>
@@ -411,7 +425,7 @@
               <a:buChar char="■"/>
               <a:defRPr sz="1100"/>
             </a:lvl3pPr>
-            <a:lvl4pPr indent="-298450" lvl="3" marL="1828800">
+            <a:lvl4pPr marL="1828800" lvl="3" indent="-298450">
               <a:spcBef>
                 <a:spcPts val="0"/>
               </a:spcBef>
@@ -422,7 +436,7 @@
               <a:buChar char="●"/>
               <a:defRPr sz="1100"/>
             </a:lvl4pPr>
-            <a:lvl5pPr indent="-298450" lvl="4" marL="2286000">
+            <a:lvl5pPr marL="2286000" lvl="4" indent="-298450">
               <a:spcBef>
                 <a:spcPts val="0"/>
               </a:spcBef>
@@ -433,7 +447,7 @@
               <a:buChar char="○"/>
               <a:defRPr sz="1100"/>
             </a:lvl5pPr>
-            <a:lvl6pPr indent="-298450" lvl="5" marL="2743200">
+            <a:lvl6pPr marL="2743200" lvl="5" indent="-298450">
               <a:spcBef>
                 <a:spcPts val="0"/>
               </a:spcBef>
@@ -444,7 +458,7 @@
               <a:buChar char="■"/>
               <a:defRPr sz="1100"/>
             </a:lvl6pPr>
-            <a:lvl7pPr indent="-298450" lvl="6" marL="3200400">
+            <a:lvl7pPr marL="3200400" lvl="6" indent="-298450">
               <a:spcBef>
                 <a:spcPts val="0"/>
               </a:spcBef>
@@ -455,7 +469,7 @@
               <a:buChar char="●"/>
               <a:defRPr sz="1100"/>
             </a:lvl7pPr>
-            <a:lvl8pPr indent="-298450" lvl="7" marL="3657600">
+            <a:lvl8pPr marL="3657600" lvl="7" indent="-298450">
               <a:spcBef>
                 <a:spcPts val="0"/>
               </a:spcBef>
@@ -466,7 +480,7 @@
               <a:buChar char="○"/>
               <a:defRPr sz="1100"/>
             </a:lvl8pPr>
-            <a:lvl9pPr indent="-298450" lvl="8" marL="4114800">
+            <a:lvl9pPr marL="4114800" lvl="8" indent="-298450">
               <a:spcBef>
                 <a:spcPts val="0"/>
               </a:spcBef>
@@ -478,14 +492,16 @@
               <a:defRPr sz="1100"/>
             </a:lvl9pPr>
           </a:lstStyle>
-          <a:p/>
+          <a:p>
+            <a:endParaRPr/>
+          </a:p>
         </p:txBody>
       </p:sp>
     </p:spTree>
   </p:cSld>
-  <p:clrMap accent1="accent1" accent2="accent2" accent3="accent3" accent4="accent4" accent5="accent5" accent6="accent6" bg1="lt1" bg2="dk2" tx1="dk1" tx2="lt2" folHlink="folHlink" hlink="hlink"/>
+  <p:clrMap bg1="lt1" tx1="dk1" bg2="dk2" tx2="lt2" accent1="accent1" accent2="accent2" accent3="accent3" accent4="accent4" accent5="accent5" accent6="accent6" hlink="hlink" folHlink="folHlink"/>
   <p:notesStyle>
-    <a:defPPr lvl="0" marR="0" rtl="0" algn="l">
+    <a:defPPr marR="0" lvl="0" algn="l" rtl="0">
       <a:lnSpc>
         <a:spcPct val="100000"/>
       </a:lnSpc>
@@ -496,7 +512,7 @@
         <a:spcPts val="0"/>
       </a:spcAft>
     </a:defPPr>
-    <a:lvl1pPr lvl="0" marR="0" rtl="0" algn="l">
+    <a:lvl1pPr marR="0" lvl="0" algn="l" rtl="0">
       <a:lnSpc>
         <a:spcPct val="100000"/>
       </a:lnSpc>
@@ -510,7 +526,7 @@
         <a:srgbClr val="000000"/>
       </a:buClr>
       <a:buFont typeface="Arial"/>
-      <a:defRPr b="0" i="0" sz="1400" u="none" cap="none" strike="noStrike">
+      <a:defRPr sz="1400" b="0" i="0" u="none" strike="noStrike" cap="none">
         <a:solidFill>
           <a:srgbClr val="000000"/>
         </a:solidFill>
@@ -520,7 +536,7 @@
         <a:sym typeface="Arial"/>
       </a:defRPr>
     </a:lvl1pPr>
-    <a:lvl2pPr lvl="1" marR="0" rtl="0" algn="l">
+    <a:lvl2pPr marR="0" lvl="1" algn="l" rtl="0">
       <a:lnSpc>
         <a:spcPct val="100000"/>
       </a:lnSpc>
@@ -534,7 +550,7 @@
         <a:srgbClr val="000000"/>
       </a:buClr>
       <a:buFont typeface="Arial"/>
-      <a:defRPr b="0" i="0" sz="1400" u="none" cap="none" strike="noStrike">
+      <a:defRPr sz="1400" b="0" i="0" u="none" strike="noStrike" cap="none">
         <a:solidFill>
           <a:srgbClr val="000000"/>
         </a:solidFill>
@@ -544,7 +560,7 @@
         <a:sym typeface="Arial"/>
       </a:defRPr>
     </a:lvl2pPr>
-    <a:lvl3pPr lvl="2" marR="0" rtl="0" algn="l">
+    <a:lvl3pPr marR="0" lvl="2" algn="l" rtl="0">
       <a:lnSpc>
         <a:spcPct val="100000"/>
       </a:lnSpc>
@@ -558,7 +574,7 @@
         <a:srgbClr val="000000"/>
       </a:buClr>
       <a:buFont typeface="Arial"/>
-      <a:defRPr b="0" i="0" sz="1400" u="none" cap="none" strike="noStrike">
+      <a:defRPr sz="1400" b="0" i="0" u="none" strike="noStrike" cap="none">
         <a:solidFill>
           <a:srgbClr val="000000"/>
         </a:solidFill>
@@ -568,7 +584,7 @@
         <a:sym typeface="Arial"/>
       </a:defRPr>
     </a:lvl3pPr>
-    <a:lvl4pPr lvl="3" marR="0" rtl="0" algn="l">
+    <a:lvl4pPr marR="0" lvl="3" algn="l" rtl="0">
       <a:lnSpc>
         <a:spcPct val="100000"/>
       </a:lnSpc>
@@ -582,7 +598,7 @@
         <a:srgbClr val="000000"/>
       </a:buClr>
       <a:buFont typeface="Arial"/>
-      <a:defRPr b="0" i="0" sz="1400" u="none" cap="none" strike="noStrike">
+      <a:defRPr sz="1400" b="0" i="0" u="none" strike="noStrike" cap="none">
         <a:solidFill>
           <a:srgbClr val="000000"/>
         </a:solidFill>
@@ -592,7 +608,7 @@
         <a:sym typeface="Arial"/>
       </a:defRPr>
     </a:lvl4pPr>
-    <a:lvl5pPr lvl="4" marR="0" rtl="0" algn="l">
+    <a:lvl5pPr marR="0" lvl="4" algn="l" rtl="0">
       <a:lnSpc>
         <a:spcPct val="100000"/>
       </a:lnSpc>
@@ -606,7 +622,7 @@
         <a:srgbClr val="000000"/>
       </a:buClr>
       <a:buFont typeface="Arial"/>
-      <a:defRPr b="0" i="0" sz="1400" u="none" cap="none" strike="noStrike">
+      <a:defRPr sz="1400" b="0" i="0" u="none" strike="noStrike" cap="none">
         <a:solidFill>
           <a:srgbClr val="000000"/>
         </a:solidFill>
@@ -616,7 +632,7 @@
         <a:sym typeface="Arial"/>
       </a:defRPr>
     </a:lvl5pPr>
-    <a:lvl6pPr lvl="5" marR="0" rtl="0" algn="l">
+    <a:lvl6pPr marR="0" lvl="5" algn="l" rtl="0">
       <a:lnSpc>
         <a:spcPct val="100000"/>
       </a:lnSpc>
@@ -630,7 +646,7 @@
         <a:srgbClr val="000000"/>
       </a:buClr>
       <a:buFont typeface="Arial"/>
-      <a:defRPr b="0" i="0" sz="1400" u="none" cap="none" strike="noStrike">
+      <a:defRPr sz="1400" b="0" i="0" u="none" strike="noStrike" cap="none">
         <a:solidFill>
           <a:srgbClr val="000000"/>
         </a:solidFill>
@@ -640,7 +656,7 @@
         <a:sym typeface="Arial"/>
       </a:defRPr>
     </a:lvl6pPr>
-    <a:lvl7pPr lvl="6" marR="0" rtl="0" algn="l">
+    <a:lvl7pPr marR="0" lvl="6" algn="l" rtl="0">
       <a:lnSpc>
         <a:spcPct val="100000"/>
       </a:lnSpc>
@@ -654,7 +670,7 @@
         <a:srgbClr val="000000"/>
       </a:buClr>
       <a:buFont typeface="Arial"/>
-      <a:defRPr b="0" i="0" sz="1400" u="none" cap="none" strike="noStrike">
+      <a:defRPr sz="1400" b="0" i="0" u="none" strike="noStrike" cap="none">
         <a:solidFill>
           <a:srgbClr val="000000"/>
         </a:solidFill>
@@ -664,7 +680,7 @@
         <a:sym typeface="Arial"/>
       </a:defRPr>
     </a:lvl7pPr>
-    <a:lvl8pPr lvl="7" marR="0" rtl="0" algn="l">
+    <a:lvl8pPr marR="0" lvl="7" algn="l" rtl="0">
       <a:lnSpc>
         <a:spcPct val="100000"/>
       </a:lnSpc>
@@ -678,7 +694,7 @@
         <a:srgbClr val="000000"/>
       </a:buClr>
       <a:buFont typeface="Arial"/>
-      <a:defRPr b="0" i="0" sz="1400" u="none" cap="none" strike="noStrike">
+      <a:defRPr sz="1400" b="0" i="0" u="none" strike="noStrike" cap="none">
         <a:solidFill>
           <a:srgbClr val="000000"/>
         </a:solidFill>
@@ -688,7 +704,7 @@
         <a:sym typeface="Arial"/>
       </a:defRPr>
     </a:lvl8pPr>
-    <a:lvl9pPr lvl="8" marR="0" rtl="0" algn="l">
+    <a:lvl9pPr marR="0" lvl="8" algn="l" rtl="0">
       <a:lnSpc>
         <a:spcPct val="100000"/>
       </a:lnSpc>
@@ -702,7 +718,7 @@
         <a:srgbClr val="000000"/>
       </a:buClr>
       <a:buFont typeface="Arial"/>
-      <a:defRPr b="0" i="0" sz="1400" u="none" cap="none" strike="noStrike">
+      <a:defRPr sz="1400" b="0" i="0" u="none" strike="noStrike" cap="none">
         <a:solidFill>
           <a:srgbClr val="000000"/>
         </a:solidFill>
@@ -717,11 +733,11 @@
 </file>
 
 <file path=ppt/notesSlides/notesSlide1.xml><?xml version="1.0" encoding="utf-8"?>
-<p:notes xmlns:a="http://schemas.openxmlformats.org/drawingml/2006/main" xmlns:r="http://schemas.openxmlformats.org/officeDocument/2006/relationships" xmlns:mc="http://schemas.openxmlformats.org/markup-compatibility/2006" xmlns:mv="urn:schemas-microsoft-com:mac:vml" xmlns:p="http://schemas.openxmlformats.org/presentationml/2006/main" xmlns:c="http://schemas.openxmlformats.org/drawingml/2006/chart" xmlns:dgm="http://schemas.openxmlformats.org/drawingml/2006/diagram" xmlns:o="urn:schemas-microsoft-com:office:office" xmlns:v="urn:schemas-microsoft-com:vml" xmlns:pvml="urn:schemas-microsoft-com:office:powerpoint" xmlns:com="http://schemas.openxmlformats.org/drawingml/2006/compatibility" xmlns:p14="http://schemas.microsoft.com/office/powerpoint/2010/main" xmlns:p15="http://schemas.microsoft.com/office/powerpoint/2012/main" showMasterPhAnim="0" showMasterSp="0">
+<p:notes xmlns:a="http://schemas.openxmlformats.org/drawingml/2006/main" xmlns:r="http://schemas.openxmlformats.org/officeDocument/2006/relationships" xmlns:p="http://schemas.openxmlformats.org/presentationml/2006/main" showMasterSp="0" showMasterPhAnim="0">
   <p:cSld>
     <p:spTree>
       <p:nvGrpSpPr>
-        <p:cNvPr id="58" name="Shape 58"/>
+        <p:cNvPr id="1" name="Shape 58"/>
         <p:cNvGrpSpPr/>
         <p:nvPr/>
       </p:nvGrpSpPr>
@@ -736,9 +752,11 @@
       <p:sp>
         <p:nvSpPr>
           <p:cNvPr id="59" name="Google Shape;59;p:notes"/>
-          <p:cNvSpPr/>
+          <p:cNvSpPr>
+            <a:spLocks noGrp="1" noRot="1" noChangeAspect="1"/>
+          </p:cNvSpPr>
           <p:nvPr>
-            <p:ph idx="2" type="sldImg"/>
+            <p:ph type="sldImg" idx="2"/>
           </p:nvPr>
         </p:nvSpPr>
         <p:spPr>
@@ -747,9 +765,13 @@
             <a:ext cx="6096075" cy="3429000"/>
           </a:xfrm>
           <a:custGeom>
-            <a:rect b="b" l="l" r="r" t="t"/>
+            <a:avLst/>
+            <a:gdLst/>
+            <a:ahLst/>
+            <a:cxnLst/>
+            <a:rect l="l" t="t" r="r" b="b"/>
             <a:pathLst>
-              <a:path extrusionOk="0" h="120000" w="120000">
+              <a:path w="120000" h="120000" extrusionOk="0">
                 <a:moveTo>
                   <a:pt x="0" y="0"/>
                 </a:moveTo>
@@ -771,9 +793,11 @@
       <p:sp>
         <p:nvSpPr>
           <p:cNvPr id="60" name="Google Shape;60;p:notes"/>
-          <p:cNvSpPr txBox="1"/>
+          <p:cNvSpPr txBox="1">
+            <a:spLocks noGrp="1"/>
+          </p:cNvSpPr>
           <p:nvPr>
-            <p:ph idx="1" type="body"/>
+            <p:ph type="body" idx="1"/>
           </p:nvPr>
         </p:nvSpPr>
         <p:spPr>
@@ -786,12 +810,12 @@
           </a:prstGeom>
         </p:spPr>
         <p:txBody>
-          <a:bodyPr anchorCtr="0" anchor="t" bIns="91425" lIns="91425" spcFirstLastPara="1" rIns="91425" wrap="square" tIns="91425">
+          <a:bodyPr spcFirstLastPara="1" wrap="square" lIns="91425" tIns="91425" rIns="91425" bIns="91425" anchor="t" anchorCtr="0">
             <a:noAutofit/>
           </a:bodyPr>
           <a:lstStyle/>
           <a:p>
-            <a:pPr indent="0" lvl="0" marL="0" rtl="0" algn="l">
+            <a:pPr marL="0" lvl="0" indent="0" algn="l" rtl="0">
               <a:spcBef>
                 <a:spcPts val="0"/>
               </a:spcBef>
@@ -800,9 +824,6 @@
               </a:spcAft>
               <a:buNone/>
             </a:pPr>
-            <a:r>
-              <a:t/>
-            </a:r>
             <a:endParaRPr/>
           </a:p>
         </p:txBody>
@@ -816,11 +837,115 @@
 </file>
 
 <file path=ppt/notesSlides/notesSlide10.xml><?xml version="1.0" encoding="utf-8"?>
-<p:notes xmlns:a="http://schemas.openxmlformats.org/drawingml/2006/main" xmlns:r="http://schemas.openxmlformats.org/officeDocument/2006/relationships" xmlns:mc="http://schemas.openxmlformats.org/markup-compatibility/2006" xmlns:mv="urn:schemas-microsoft-com:mac:vml" xmlns:p="http://schemas.openxmlformats.org/presentationml/2006/main" xmlns:c="http://schemas.openxmlformats.org/drawingml/2006/chart" xmlns:dgm="http://schemas.openxmlformats.org/drawingml/2006/diagram" xmlns:o="urn:schemas-microsoft-com:office:office" xmlns:v="urn:schemas-microsoft-com:vml" xmlns:pvml="urn:schemas-microsoft-com:office:powerpoint" xmlns:com="http://schemas.openxmlformats.org/drawingml/2006/compatibility" xmlns:p14="http://schemas.microsoft.com/office/powerpoint/2010/main" xmlns:p15="http://schemas.microsoft.com/office/powerpoint/2012/main" showMasterPhAnim="0" showMasterSp="0">
+<p:notes xmlns:a="http://schemas.openxmlformats.org/drawingml/2006/main" xmlns:r="http://schemas.openxmlformats.org/officeDocument/2006/relationships" xmlns:p="http://schemas.openxmlformats.org/presentationml/2006/main" showMasterSp="0" showMasterPhAnim="0">
   <p:cSld>
     <p:spTree>
       <p:nvGrpSpPr>
-        <p:cNvPr id="124" name="Shape 124"/>
+        <p:cNvPr id="1" name="Shape 118"/>
+        <p:cNvGrpSpPr/>
+        <p:nvPr/>
+      </p:nvGrpSpPr>
+      <p:grpSpPr>
+        <a:xfrm>
+          <a:off x="0" y="0"/>
+          <a:ext cx="0" cy="0"/>
+          <a:chOff x="0" y="0"/>
+          <a:chExt cx="0" cy="0"/>
+        </a:xfrm>
+      </p:grpSpPr>
+      <p:sp>
+        <p:nvSpPr>
+          <p:cNvPr id="119" name="Google Shape;119;g7115be020c_0_33:notes"/>
+          <p:cNvSpPr>
+            <a:spLocks noGrp="1" noRot="1" noChangeAspect="1"/>
+          </p:cNvSpPr>
+          <p:nvPr>
+            <p:ph type="sldImg" idx="2"/>
+          </p:nvPr>
+        </p:nvSpPr>
+        <p:spPr>
+          <a:xfrm>
+            <a:off x="381300" y="685800"/>
+            <a:ext cx="6096000" cy="3429000"/>
+          </a:xfrm>
+          <a:custGeom>
+            <a:avLst/>
+            <a:gdLst/>
+            <a:ahLst/>
+            <a:cxnLst/>
+            <a:rect l="l" t="t" r="r" b="b"/>
+            <a:pathLst>
+              <a:path w="120000" h="120000" extrusionOk="0">
+                <a:moveTo>
+                  <a:pt x="0" y="0"/>
+                </a:moveTo>
+                <a:lnTo>
+                  <a:pt x="120000" y="0"/>
+                </a:lnTo>
+                <a:lnTo>
+                  <a:pt x="120000" y="120000"/>
+                </a:lnTo>
+                <a:lnTo>
+                  <a:pt x="0" y="120000"/>
+                </a:lnTo>
+                <a:close/>
+              </a:path>
+            </a:pathLst>
+          </a:custGeom>
+        </p:spPr>
+      </p:sp>
+      <p:sp>
+        <p:nvSpPr>
+          <p:cNvPr id="120" name="Google Shape;120;g7115be020c_0_33:notes"/>
+          <p:cNvSpPr txBox="1">
+            <a:spLocks noGrp="1"/>
+          </p:cNvSpPr>
+          <p:nvPr>
+            <p:ph type="body" idx="1"/>
+          </p:nvPr>
+        </p:nvSpPr>
+        <p:spPr>
+          <a:xfrm>
+            <a:off x="685800" y="4343400"/>
+            <a:ext cx="5486400" cy="4114800"/>
+          </a:xfrm>
+          <a:prstGeom prst="rect">
+            <a:avLst/>
+          </a:prstGeom>
+        </p:spPr>
+        <p:txBody>
+          <a:bodyPr spcFirstLastPara="1" wrap="square" lIns="91425" tIns="91425" rIns="91425" bIns="91425" anchor="t" anchorCtr="0">
+            <a:noAutofit/>
+          </a:bodyPr>
+          <a:lstStyle/>
+          <a:p>
+            <a:pPr marL="0" lvl="0" indent="0" algn="l" rtl="0">
+              <a:spcBef>
+                <a:spcPts val="0"/>
+              </a:spcBef>
+              <a:spcAft>
+                <a:spcPts val="0"/>
+              </a:spcAft>
+              <a:buNone/>
+            </a:pPr>
+            <a:endParaRPr/>
+          </a:p>
+        </p:txBody>
+      </p:sp>
+    </p:spTree>
+  </p:cSld>
+  <p:clrMapOvr>
+    <a:masterClrMapping/>
+  </p:clrMapOvr>
+</p:notes>
+</file>
+
+<file path=ppt/notesSlides/notesSlide11.xml><?xml version="1.0" encoding="utf-8"?>
+<p:notes xmlns:a="http://schemas.openxmlformats.org/drawingml/2006/main" xmlns:r="http://schemas.openxmlformats.org/officeDocument/2006/relationships" xmlns:p="http://schemas.openxmlformats.org/presentationml/2006/main" showMasterSp="0" showMasterPhAnim="0">
+  <p:cSld>
+    <p:spTree>
+      <p:nvGrpSpPr>
+        <p:cNvPr id="1" name="Shape 124"/>
         <p:cNvGrpSpPr/>
         <p:nvPr/>
       </p:nvGrpSpPr>
@@ -835,9 +960,11 @@
       <p:sp>
         <p:nvSpPr>
           <p:cNvPr id="125" name="Google Shape;125;g7126355bf8_0_1:notes"/>
-          <p:cNvSpPr/>
+          <p:cNvSpPr>
+            <a:spLocks noGrp="1" noRot="1" noChangeAspect="1"/>
+          </p:cNvSpPr>
           <p:nvPr>
-            <p:ph idx="2" type="sldImg"/>
+            <p:ph type="sldImg" idx="2"/>
           </p:nvPr>
         </p:nvSpPr>
         <p:spPr>
@@ -846,9 +973,13 @@
             <a:ext cx="6096000" cy="3429000"/>
           </a:xfrm>
           <a:custGeom>
-            <a:rect b="b" l="l" r="r" t="t"/>
+            <a:avLst/>
+            <a:gdLst/>
+            <a:ahLst/>
+            <a:cxnLst/>
+            <a:rect l="l" t="t" r="r" b="b"/>
             <a:pathLst>
-              <a:path extrusionOk="0" h="120000" w="120000">
+              <a:path w="120000" h="120000" extrusionOk="0">
                 <a:moveTo>
                   <a:pt x="0" y="0"/>
                 </a:moveTo>
@@ -870,9 +1001,11 @@
       <p:sp>
         <p:nvSpPr>
           <p:cNvPr id="126" name="Google Shape;126;g7126355bf8_0_1:notes"/>
-          <p:cNvSpPr txBox="1"/>
+          <p:cNvSpPr txBox="1">
+            <a:spLocks noGrp="1"/>
+          </p:cNvSpPr>
           <p:nvPr>
-            <p:ph idx="1" type="body"/>
+            <p:ph type="body" idx="1"/>
           </p:nvPr>
         </p:nvSpPr>
         <p:spPr>
@@ -885,12 +1018,12 @@
           </a:prstGeom>
         </p:spPr>
         <p:txBody>
-          <a:bodyPr anchorCtr="0" anchor="t" bIns="91425" lIns="91425" spcFirstLastPara="1" rIns="91425" wrap="square" tIns="91425">
+          <a:bodyPr spcFirstLastPara="1" wrap="square" lIns="91425" tIns="91425" rIns="91425" bIns="91425" anchor="t" anchorCtr="0">
             <a:noAutofit/>
           </a:bodyPr>
           <a:lstStyle/>
           <a:p>
-            <a:pPr indent="0" lvl="0" marL="0" rtl="0" algn="l">
+            <a:pPr marL="0" lvl="0" indent="0" algn="l" rtl="0">
               <a:spcBef>
                 <a:spcPts val="0"/>
               </a:spcBef>
@@ -899,9 +1032,6 @@
               </a:spcAft>
               <a:buNone/>
             </a:pPr>
-            <a:r>
-              <a:t/>
-            </a:r>
             <a:endParaRPr/>
           </a:p>
         </p:txBody>
@@ -914,12 +1044,12 @@
 </p:notes>
 </file>
 
-<file path=ppt/notesSlides/notesSlide11.xml><?xml version="1.0" encoding="utf-8"?>
-<p:notes xmlns:a="http://schemas.openxmlformats.org/drawingml/2006/main" xmlns:r="http://schemas.openxmlformats.org/officeDocument/2006/relationships" xmlns:mc="http://schemas.openxmlformats.org/markup-compatibility/2006" xmlns:mv="urn:schemas-microsoft-com:mac:vml" xmlns:p="http://schemas.openxmlformats.org/presentationml/2006/main" xmlns:c="http://schemas.openxmlformats.org/drawingml/2006/chart" xmlns:dgm="http://schemas.openxmlformats.org/drawingml/2006/diagram" xmlns:o="urn:schemas-microsoft-com:office:office" xmlns:v="urn:schemas-microsoft-com:vml" xmlns:pvml="urn:schemas-microsoft-com:office:powerpoint" xmlns:com="http://schemas.openxmlformats.org/drawingml/2006/compatibility" xmlns:p14="http://schemas.microsoft.com/office/powerpoint/2010/main" xmlns:p15="http://schemas.microsoft.com/office/powerpoint/2012/main" showMasterPhAnim="0" showMasterSp="0">
+<file path=ppt/notesSlides/notesSlide12.xml><?xml version="1.0" encoding="utf-8"?>
+<p:notes xmlns:a="http://schemas.openxmlformats.org/drawingml/2006/main" xmlns:r="http://schemas.openxmlformats.org/officeDocument/2006/relationships" xmlns:p="http://schemas.openxmlformats.org/presentationml/2006/main" showMasterSp="0" showMasterPhAnim="0">
   <p:cSld>
     <p:spTree>
       <p:nvGrpSpPr>
-        <p:cNvPr id="130" name="Shape 130"/>
+        <p:cNvPr id="1" name="Shape 130"/>
         <p:cNvGrpSpPr/>
         <p:nvPr/>
       </p:nvGrpSpPr>
@@ -934,9 +1064,11 @@
       <p:sp>
         <p:nvSpPr>
           <p:cNvPr id="131" name="Google Shape;131;g7126355bf8_0_8:notes"/>
-          <p:cNvSpPr/>
+          <p:cNvSpPr>
+            <a:spLocks noGrp="1" noRot="1" noChangeAspect="1"/>
+          </p:cNvSpPr>
           <p:nvPr>
-            <p:ph idx="2" type="sldImg"/>
+            <p:ph type="sldImg" idx="2"/>
           </p:nvPr>
         </p:nvSpPr>
         <p:spPr>
@@ -945,9 +1077,13 @@
             <a:ext cx="6096000" cy="3429000"/>
           </a:xfrm>
           <a:custGeom>
-            <a:rect b="b" l="l" r="r" t="t"/>
+            <a:avLst/>
+            <a:gdLst/>
+            <a:ahLst/>
+            <a:cxnLst/>
+            <a:rect l="l" t="t" r="r" b="b"/>
             <a:pathLst>
-              <a:path extrusionOk="0" h="120000" w="120000">
+              <a:path w="120000" h="120000" extrusionOk="0">
                 <a:moveTo>
                   <a:pt x="0" y="0"/>
                 </a:moveTo>
@@ -969,9 +1105,11 @@
       <p:sp>
         <p:nvSpPr>
           <p:cNvPr id="132" name="Google Shape;132;g7126355bf8_0_8:notes"/>
-          <p:cNvSpPr txBox="1"/>
+          <p:cNvSpPr txBox="1">
+            <a:spLocks noGrp="1"/>
+          </p:cNvSpPr>
           <p:nvPr>
-            <p:ph idx="1" type="body"/>
+            <p:ph type="body" idx="1"/>
           </p:nvPr>
         </p:nvSpPr>
         <p:spPr>
@@ -984,12 +1122,12 @@
           </a:prstGeom>
         </p:spPr>
         <p:txBody>
-          <a:bodyPr anchorCtr="0" anchor="t" bIns="91425" lIns="91425" spcFirstLastPara="1" rIns="91425" wrap="square" tIns="91425">
+          <a:bodyPr spcFirstLastPara="1" wrap="square" lIns="91425" tIns="91425" rIns="91425" bIns="91425" anchor="t" anchorCtr="0">
             <a:noAutofit/>
           </a:bodyPr>
           <a:lstStyle/>
           <a:p>
-            <a:pPr indent="0" lvl="0" marL="0" rtl="0" algn="l">
+            <a:pPr marL="0" lvl="0" indent="0" algn="l" rtl="0">
               <a:spcBef>
                 <a:spcPts val="0"/>
               </a:spcBef>
@@ -998,9 +1136,6 @@
               </a:spcAft>
               <a:buNone/>
             </a:pPr>
-            <a:r>
-              <a:t/>
-            </a:r>
             <a:endParaRPr/>
           </a:p>
         </p:txBody>
@@ -1013,12 +1148,12 @@
 </p:notes>
 </file>
 
-<file path=ppt/notesSlides/notesSlide12.xml><?xml version="1.0" encoding="utf-8"?>
-<p:notes xmlns:a="http://schemas.openxmlformats.org/drawingml/2006/main" xmlns:r="http://schemas.openxmlformats.org/officeDocument/2006/relationships" xmlns:mc="http://schemas.openxmlformats.org/markup-compatibility/2006" xmlns:mv="urn:schemas-microsoft-com:mac:vml" xmlns:p="http://schemas.openxmlformats.org/presentationml/2006/main" xmlns:c="http://schemas.openxmlformats.org/drawingml/2006/chart" xmlns:dgm="http://schemas.openxmlformats.org/drawingml/2006/diagram" xmlns:o="urn:schemas-microsoft-com:office:office" xmlns:v="urn:schemas-microsoft-com:vml" xmlns:pvml="urn:schemas-microsoft-com:office:powerpoint" xmlns:com="http://schemas.openxmlformats.org/drawingml/2006/compatibility" xmlns:p14="http://schemas.microsoft.com/office/powerpoint/2010/main" xmlns:p15="http://schemas.microsoft.com/office/powerpoint/2012/main" showMasterPhAnim="0" showMasterSp="0">
+<file path=ppt/notesSlides/notesSlide13.xml><?xml version="1.0" encoding="utf-8"?>
+<p:notes xmlns:a="http://schemas.openxmlformats.org/drawingml/2006/main" xmlns:r="http://schemas.openxmlformats.org/officeDocument/2006/relationships" xmlns:p="http://schemas.openxmlformats.org/presentationml/2006/main" showMasterSp="0" showMasterPhAnim="0">
   <p:cSld>
     <p:spTree>
       <p:nvGrpSpPr>
-        <p:cNvPr id="136" name="Shape 136"/>
+        <p:cNvPr id="1" name="Shape 136"/>
         <p:cNvGrpSpPr/>
         <p:nvPr/>
       </p:nvGrpSpPr>
@@ -1033,9 +1168,11 @@
       <p:sp>
         <p:nvSpPr>
           <p:cNvPr id="137" name="Google Shape;137;g7115be020c_0_10:notes"/>
-          <p:cNvSpPr/>
+          <p:cNvSpPr>
+            <a:spLocks noGrp="1" noRot="1" noChangeAspect="1"/>
+          </p:cNvSpPr>
           <p:nvPr>
-            <p:ph idx="2" type="sldImg"/>
+            <p:ph type="sldImg" idx="2"/>
           </p:nvPr>
         </p:nvSpPr>
         <p:spPr>
@@ -1044,9 +1181,13 @@
             <a:ext cx="6096000" cy="3429000"/>
           </a:xfrm>
           <a:custGeom>
-            <a:rect b="b" l="l" r="r" t="t"/>
+            <a:avLst/>
+            <a:gdLst/>
+            <a:ahLst/>
+            <a:cxnLst/>
+            <a:rect l="l" t="t" r="r" b="b"/>
             <a:pathLst>
-              <a:path extrusionOk="0" h="120000" w="120000">
+              <a:path w="120000" h="120000" extrusionOk="0">
                 <a:moveTo>
                   <a:pt x="0" y="0"/>
                 </a:moveTo>
@@ -1068,9 +1209,11 @@
       <p:sp>
         <p:nvSpPr>
           <p:cNvPr id="138" name="Google Shape;138;g7115be020c_0_10:notes"/>
-          <p:cNvSpPr txBox="1"/>
+          <p:cNvSpPr txBox="1">
+            <a:spLocks noGrp="1"/>
+          </p:cNvSpPr>
           <p:nvPr>
-            <p:ph idx="1" type="body"/>
+            <p:ph type="body" idx="1"/>
           </p:nvPr>
         </p:nvSpPr>
         <p:spPr>
@@ -1083,12 +1226,12 @@
           </a:prstGeom>
         </p:spPr>
         <p:txBody>
-          <a:bodyPr anchorCtr="0" anchor="t" bIns="91425" lIns="91425" spcFirstLastPara="1" rIns="91425" wrap="square" tIns="91425">
+          <a:bodyPr spcFirstLastPara="1" wrap="square" lIns="91425" tIns="91425" rIns="91425" bIns="91425" anchor="t" anchorCtr="0">
             <a:noAutofit/>
           </a:bodyPr>
           <a:lstStyle/>
           <a:p>
-            <a:pPr indent="0" lvl="0" marL="0" rtl="0" algn="l">
+            <a:pPr marL="0" lvl="0" indent="0" algn="l" rtl="0">
               <a:spcBef>
                 <a:spcPts val="0"/>
               </a:spcBef>
@@ -1097,9 +1240,6 @@
               </a:spcAft>
               <a:buNone/>
             </a:pPr>
-            <a:r>
-              <a:t/>
-            </a:r>
             <a:endParaRPr/>
           </a:p>
         </p:txBody>
@@ -1112,12 +1252,12 @@
 </p:notes>
 </file>
 
-<file path=ppt/notesSlides/notesSlide13.xml><?xml version="1.0" encoding="utf-8"?>
-<p:notes xmlns:a="http://schemas.openxmlformats.org/drawingml/2006/main" xmlns:r="http://schemas.openxmlformats.org/officeDocument/2006/relationships" xmlns:mc="http://schemas.openxmlformats.org/markup-compatibility/2006" xmlns:mv="urn:schemas-microsoft-com:mac:vml" xmlns:p="http://schemas.openxmlformats.org/presentationml/2006/main" xmlns:c="http://schemas.openxmlformats.org/drawingml/2006/chart" xmlns:dgm="http://schemas.openxmlformats.org/drawingml/2006/diagram" xmlns:o="urn:schemas-microsoft-com:office:office" xmlns:v="urn:schemas-microsoft-com:vml" xmlns:pvml="urn:schemas-microsoft-com:office:powerpoint" xmlns:com="http://schemas.openxmlformats.org/drawingml/2006/compatibility" xmlns:p14="http://schemas.microsoft.com/office/powerpoint/2010/main" xmlns:p15="http://schemas.microsoft.com/office/powerpoint/2012/main" showMasterPhAnim="0" showMasterSp="0">
+<file path=ppt/notesSlides/notesSlide14.xml><?xml version="1.0" encoding="utf-8"?>
+<p:notes xmlns:a="http://schemas.openxmlformats.org/drawingml/2006/main" xmlns:r="http://schemas.openxmlformats.org/officeDocument/2006/relationships" xmlns:p="http://schemas.openxmlformats.org/presentationml/2006/main" showMasterSp="0" showMasterPhAnim="0">
   <p:cSld>
     <p:spTree>
       <p:nvGrpSpPr>
-        <p:cNvPr id="142" name="Shape 142"/>
+        <p:cNvPr id="1" name="Shape 142"/>
         <p:cNvGrpSpPr/>
         <p:nvPr/>
       </p:nvGrpSpPr>
@@ -1132,9 +1272,11 @@
       <p:sp>
         <p:nvSpPr>
           <p:cNvPr id="143" name="Google Shape;143;g7115be020c_0_62:notes"/>
-          <p:cNvSpPr/>
+          <p:cNvSpPr>
+            <a:spLocks noGrp="1" noRot="1" noChangeAspect="1"/>
+          </p:cNvSpPr>
           <p:nvPr>
-            <p:ph idx="2" type="sldImg"/>
+            <p:ph type="sldImg" idx="2"/>
           </p:nvPr>
         </p:nvSpPr>
         <p:spPr>
@@ -1143,9 +1285,13 @@
             <a:ext cx="6096000" cy="3429000"/>
           </a:xfrm>
           <a:custGeom>
-            <a:rect b="b" l="l" r="r" t="t"/>
+            <a:avLst/>
+            <a:gdLst/>
+            <a:ahLst/>
+            <a:cxnLst/>
+            <a:rect l="l" t="t" r="r" b="b"/>
             <a:pathLst>
-              <a:path extrusionOk="0" h="120000" w="120000">
+              <a:path w="120000" h="120000" extrusionOk="0">
                 <a:moveTo>
                   <a:pt x="0" y="0"/>
                 </a:moveTo>
@@ -1167,9 +1313,11 @@
       <p:sp>
         <p:nvSpPr>
           <p:cNvPr id="144" name="Google Shape;144;g7115be020c_0_62:notes"/>
-          <p:cNvSpPr txBox="1"/>
+          <p:cNvSpPr txBox="1">
+            <a:spLocks noGrp="1"/>
+          </p:cNvSpPr>
           <p:nvPr>
-            <p:ph idx="1" type="body"/>
+            <p:ph type="body" idx="1"/>
           </p:nvPr>
         </p:nvSpPr>
         <p:spPr>
@@ -1182,12 +1330,12 @@
           </a:prstGeom>
         </p:spPr>
         <p:txBody>
-          <a:bodyPr anchorCtr="0" anchor="t" bIns="91425" lIns="91425" spcFirstLastPara="1" rIns="91425" wrap="square" tIns="91425">
+          <a:bodyPr spcFirstLastPara="1" wrap="square" lIns="91425" tIns="91425" rIns="91425" bIns="91425" anchor="t" anchorCtr="0">
             <a:noAutofit/>
           </a:bodyPr>
           <a:lstStyle/>
           <a:p>
-            <a:pPr indent="0" lvl="0" marL="0" rtl="0" algn="l">
+            <a:pPr marL="0" lvl="0" indent="0" algn="l" rtl="0">
               <a:spcBef>
                 <a:spcPts val="0"/>
               </a:spcBef>
@@ -1196,9 +1344,6 @@
               </a:spcAft>
               <a:buNone/>
             </a:pPr>
-            <a:r>
-              <a:t/>
-            </a:r>
             <a:endParaRPr/>
           </a:p>
         </p:txBody>
@@ -1211,12 +1356,12 @@
 </p:notes>
 </file>
 
-<file path=ppt/notesSlides/notesSlide14.xml><?xml version="1.0" encoding="utf-8"?>
-<p:notes xmlns:a="http://schemas.openxmlformats.org/drawingml/2006/main" xmlns:r="http://schemas.openxmlformats.org/officeDocument/2006/relationships" xmlns:mc="http://schemas.openxmlformats.org/markup-compatibility/2006" xmlns:mv="urn:schemas-microsoft-com:mac:vml" xmlns:p="http://schemas.openxmlformats.org/presentationml/2006/main" xmlns:c="http://schemas.openxmlformats.org/drawingml/2006/chart" xmlns:dgm="http://schemas.openxmlformats.org/drawingml/2006/diagram" xmlns:o="urn:schemas-microsoft-com:office:office" xmlns:v="urn:schemas-microsoft-com:vml" xmlns:pvml="urn:schemas-microsoft-com:office:powerpoint" xmlns:com="http://schemas.openxmlformats.org/drawingml/2006/compatibility" xmlns:p14="http://schemas.microsoft.com/office/powerpoint/2010/main" xmlns:p15="http://schemas.microsoft.com/office/powerpoint/2012/main" showMasterPhAnim="0" showMasterSp="0">
+<file path=ppt/notesSlides/notesSlide15.xml><?xml version="1.0" encoding="utf-8"?>
+<p:notes xmlns:a="http://schemas.openxmlformats.org/drawingml/2006/main" xmlns:r="http://schemas.openxmlformats.org/officeDocument/2006/relationships" xmlns:p="http://schemas.openxmlformats.org/presentationml/2006/main" showMasterSp="0" showMasterPhAnim="0">
   <p:cSld>
     <p:spTree>
       <p:nvGrpSpPr>
-        <p:cNvPr id="148" name="Shape 148"/>
+        <p:cNvPr id="1" name="Shape 148"/>
         <p:cNvGrpSpPr/>
         <p:nvPr/>
       </p:nvGrpSpPr>
@@ -1231,9 +1376,11 @@
       <p:sp>
         <p:nvSpPr>
           <p:cNvPr id="149" name="Google Shape;149;g7115be020c_0_28:notes"/>
-          <p:cNvSpPr/>
+          <p:cNvSpPr>
+            <a:spLocks noGrp="1" noRot="1" noChangeAspect="1"/>
+          </p:cNvSpPr>
           <p:nvPr>
-            <p:ph idx="2" type="sldImg"/>
+            <p:ph type="sldImg" idx="2"/>
           </p:nvPr>
         </p:nvSpPr>
         <p:spPr>
@@ -1242,9 +1389,13 @@
             <a:ext cx="6096000" cy="3429000"/>
           </a:xfrm>
           <a:custGeom>
-            <a:rect b="b" l="l" r="r" t="t"/>
+            <a:avLst/>
+            <a:gdLst/>
+            <a:ahLst/>
+            <a:cxnLst/>
+            <a:rect l="l" t="t" r="r" b="b"/>
             <a:pathLst>
-              <a:path extrusionOk="0" h="120000" w="120000">
+              <a:path w="120000" h="120000" extrusionOk="0">
                 <a:moveTo>
                   <a:pt x="0" y="0"/>
                 </a:moveTo>
@@ -1266,9 +1417,11 @@
       <p:sp>
         <p:nvSpPr>
           <p:cNvPr id="150" name="Google Shape;150;g7115be020c_0_28:notes"/>
-          <p:cNvSpPr txBox="1"/>
+          <p:cNvSpPr txBox="1">
+            <a:spLocks noGrp="1"/>
+          </p:cNvSpPr>
           <p:nvPr>
-            <p:ph idx="1" type="body"/>
+            <p:ph type="body" idx="1"/>
           </p:nvPr>
         </p:nvSpPr>
         <p:spPr>
@@ -1281,12 +1434,220 @@
           </a:prstGeom>
         </p:spPr>
         <p:txBody>
-          <a:bodyPr anchorCtr="0" anchor="t" bIns="91425" lIns="91425" spcFirstLastPara="1" rIns="91425" wrap="square" tIns="91425">
+          <a:bodyPr spcFirstLastPara="1" wrap="square" lIns="91425" tIns="91425" rIns="91425" bIns="91425" anchor="t" anchorCtr="0">
             <a:noAutofit/>
           </a:bodyPr>
           <a:lstStyle/>
           <a:p>
-            <a:pPr indent="0" lvl="0" marL="0" rtl="0" algn="l">
+            <a:pPr marL="0" lvl="0" indent="0" algn="l" rtl="0">
+              <a:spcBef>
+                <a:spcPts val="0"/>
+              </a:spcBef>
+              <a:spcAft>
+                <a:spcPts val="0"/>
+              </a:spcAft>
+              <a:buNone/>
+            </a:pPr>
+            <a:endParaRPr/>
+          </a:p>
+        </p:txBody>
+      </p:sp>
+    </p:spTree>
+  </p:cSld>
+  <p:clrMapOvr>
+    <a:masterClrMapping/>
+  </p:clrMapOvr>
+</p:notes>
+</file>
+
+<file path=ppt/notesSlides/notesSlide2.xml><?xml version="1.0" encoding="utf-8"?>
+<p:notes xmlns:a="http://schemas.openxmlformats.org/drawingml/2006/main" xmlns:r="http://schemas.openxmlformats.org/officeDocument/2006/relationships" xmlns:p="http://schemas.openxmlformats.org/presentationml/2006/main" showMasterSp="0" showMasterPhAnim="0">
+  <p:cSld>
+    <p:spTree>
+      <p:nvGrpSpPr>
+        <p:cNvPr id="1" name="Shape 64"/>
+        <p:cNvGrpSpPr/>
+        <p:nvPr/>
+      </p:nvGrpSpPr>
+      <p:grpSpPr>
+        <a:xfrm>
+          <a:off x="0" y="0"/>
+          <a:ext cx="0" cy="0"/>
+          <a:chOff x="0" y="0"/>
+          <a:chExt cx="0" cy="0"/>
+        </a:xfrm>
+      </p:grpSpPr>
+      <p:sp>
+        <p:nvSpPr>
+          <p:cNvPr id="65" name="Google Shape;65;g7115be020c_0_0:notes"/>
+          <p:cNvSpPr>
+            <a:spLocks noGrp="1" noRot="1" noChangeAspect="1"/>
+          </p:cNvSpPr>
+          <p:nvPr>
+            <p:ph type="sldImg" idx="2"/>
+          </p:nvPr>
+        </p:nvSpPr>
+        <p:spPr>
+          <a:xfrm>
+            <a:off x="381300" y="685800"/>
+            <a:ext cx="6096000" cy="3429000"/>
+          </a:xfrm>
+          <a:custGeom>
+            <a:avLst/>
+            <a:gdLst/>
+            <a:ahLst/>
+            <a:cxnLst/>
+            <a:rect l="l" t="t" r="r" b="b"/>
+            <a:pathLst>
+              <a:path w="120000" h="120000" extrusionOk="0">
+                <a:moveTo>
+                  <a:pt x="0" y="0"/>
+                </a:moveTo>
+                <a:lnTo>
+                  <a:pt x="120000" y="0"/>
+                </a:lnTo>
+                <a:lnTo>
+                  <a:pt x="120000" y="120000"/>
+                </a:lnTo>
+                <a:lnTo>
+                  <a:pt x="0" y="120000"/>
+                </a:lnTo>
+                <a:close/>
+              </a:path>
+            </a:pathLst>
+          </a:custGeom>
+        </p:spPr>
+      </p:sp>
+      <p:sp>
+        <p:nvSpPr>
+          <p:cNvPr id="66" name="Google Shape;66;g7115be020c_0_0:notes"/>
+          <p:cNvSpPr txBox="1">
+            <a:spLocks noGrp="1"/>
+          </p:cNvSpPr>
+          <p:nvPr>
+            <p:ph type="body" idx="1"/>
+          </p:nvPr>
+        </p:nvSpPr>
+        <p:spPr>
+          <a:xfrm>
+            <a:off x="685800" y="4343400"/>
+            <a:ext cx="5486400" cy="4114800"/>
+          </a:xfrm>
+          <a:prstGeom prst="rect">
+            <a:avLst/>
+          </a:prstGeom>
+        </p:spPr>
+        <p:txBody>
+          <a:bodyPr spcFirstLastPara="1" wrap="square" lIns="91425" tIns="91425" rIns="91425" bIns="91425" anchor="t" anchorCtr="0">
+            <a:noAutofit/>
+          </a:bodyPr>
+          <a:lstStyle/>
+          <a:p>
+            <a:pPr marL="0" lvl="0" indent="0" algn="l" rtl="0">
+              <a:spcBef>
+                <a:spcPts val="0"/>
+              </a:spcBef>
+              <a:spcAft>
+                <a:spcPts val="0"/>
+              </a:spcAft>
+              <a:buNone/>
+            </a:pPr>
+            <a:endParaRPr/>
+          </a:p>
+        </p:txBody>
+      </p:sp>
+    </p:spTree>
+  </p:cSld>
+  <p:clrMapOvr>
+    <a:masterClrMapping/>
+  </p:clrMapOvr>
+</p:notes>
+</file>
+
+<file path=ppt/notesSlides/notesSlide3.xml><?xml version="1.0" encoding="utf-8"?>
+<p:notes xmlns:a="http://schemas.openxmlformats.org/drawingml/2006/main" xmlns:r="http://schemas.openxmlformats.org/officeDocument/2006/relationships" xmlns:p="http://schemas.openxmlformats.org/presentationml/2006/main" showMasterSp="0" showMasterPhAnim="0">
+  <p:cSld>
+    <p:spTree>
+      <p:nvGrpSpPr>
+        <p:cNvPr id="1" name="Shape 77"/>
+        <p:cNvGrpSpPr/>
+        <p:nvPr/>
+      </p:nvGrpSpPr>
+      <p:grpSpPr>
+        <a:xfrm>
+          <a:off x="0" y="0"/>
+          <a:ext cx="0" cy="0"/>
+          <a:chOff x="0" y="0"/>
+          <a:chExt cx="0" cy="0"/>
+        </a:xfrm>
+      </p:grpSpPr>
+      <p:sp>
+        <p:nvSpPr>
+          <p:cNvPr id="78" name="Google Shape;78;g7115be020c_0_5:notes"/>
+          <p:cNvSpPr>
+            <a:spLocks noGrp="1" noRot="1" noChangeAspect="1"/>
+          </p:cNvSpPr>
+          <p:nvPr>
+            <p:ph type="sldImg" idx="2"/>
+          </p:nvPr>
+        </p:nvSpPr>
+        <p:spPr>
+          <a:xfrm>
+            <a:off x="381300" y="685800"/>
+            <a:ext cx="6096000" cy="3429000"/>
+          </a:xfrm>
+          <a:custGeom>
+            <a:avLst/>
+            <a:gdLst/>
+            <a:ahLst/>
+            <a:cxnLst/>
+            <a:rect l="l" t="t" r="r" b="b"/>
+            <a:pathLst>
+              <a:path w="120000" h="120000" extrusionOk="0">
+                <a:moveTo>
+                  <a:pt x="0" y="0"/>
+                </a:moveTo>
+                <a:lnTo>
+                  <a:pt x="120000" y="0"/>
+                </a:lnTo>
+                <a:lnTo>
+                  <a:pt x="120000" y="120000"/>
+                </a:lnTo>
+                <a:lnTo>
+                  <a:pt x="0" y="120000"/>
+                </a:lnTo>
+                <a:close/>
+              </a:path>
+            </a:pathLst>
+          </a:custGeom>
+        </p:spPr>
+      </p:sp>
+      <p:sp>
+        <p:nvSpPr>
+          <p:cNvPr id="79" name="Google Shape;79;g7115be020c_0_5:notes"/>
+          <p:cNvSpPr txBox="1">
+            <a:spLocks noGrp="1"/>
+          </p:cNvSpPr>
+          <p:nvPr>
+            <p:ph type="body" idx="1"/>
+          </p:nvPr>
+        </p:nvSpPr>
+        <p:spPr>
+          <a:xfrm>
+            <a:off x="685800" y="4343400"/>
+            <a:ext cx="5486400" cy="4114800"/>
+          </a:xfrm>
+          <a:prstGeom prst="rect">
+            <a:avLst/>
+          </a:prstGeom>
+        </p:spPr>
+        <p:txBody>
+          <a:bodyPr spcFirstLastPara="1" wrap="square" lIns="91425" tIns="91425" rIns="91425" bIns="91425" anchor="t" anchorCtr="0">
+            <a:noAutofit/>
+          </a:bodyPr>
+          <a:lstStyle/>
+          <a:p>
+            <a:pPr marL="0" lvl="0" indent="0" algn="l" rtl="0">
               <a:spcBef>
                 <a:spcPts val="0"/>
               </a:spcBef>
@@ -1296,7 +1657,8 @@
               <a:buNone/>
             </a:pPr>
             <a:r>
-              <a:t/>
+              <a:rPr lang="pl"/>
+              <a:t>No websites data, no US Map</a:t>
             </a:r>
             <a:endParaRPr/>
           </a:p>
@@ -1310,12 +1672,12 @@
 </p:notes>
 </file>
 
-<file path=ppt/notesSlides/notesSlide15.xml><?xml version="1.0" encoding="utf-8"?>
-<p:notes xmlns:a="http://schemas.openxmlformats.org/drawingml/2006/main" xmlns:r="http://schemas.openxmlformats.org/officeDocument/2006/relationships" xmlns:mc="http://schemas.openxmlformats.org/markup-compatibility/2006" xmlns:mv="urn:schemas-microsoft-com:mac:vml" xmlns:p="http://schemas.openxmlformats.org/presentationml/2006/main" xmlns:c="http://schemas.openxmlformats.org/drawingml/2006/chart" xmlns:dgm="http://schemas.openxmlformats.org/drawingml/2006/diagram" xmlns:o="urn:schemas-microsoft-com:office:office" xmlns:v="urn:schemas-microsoft-com:vml" xmlns:pvml="urn:schemas-microsoft-com:office:powerpoint" xmlns:com="http://schemas.openxmlformats.org/drawingml/2006/compatibility" xmlns:p14="http://schemas.microsoft.com/office/powerpoint/2010/main" xmlns:p15="http://schemas.microsoft.com/office/powerpoint/2012/main" showMasterPhAnim="0" showMasterSp="0">
+<file path=ppt/notesSlides/notesSlide4.xml><?xml version="1.0" encoding="utf-8"?>
+<p:notes xmlns:a="http://schemas.openxmlformats.org/drawingml/2006/main" xmlns:r="http://schemas.openxmlformats.org/officeDocument/2006/relationships" xmlns:p="http://schemas.openxmlformats.org/presentationml/2006/main" showMasterSp="0" showMasterPhAnim="0">
   <p:cSld>
     <p:spTree>
       <p:nvGrpSpPr>
-        <p:cNvPr id="154" name="Shape 154"/>
+        <p:cNvPr id="1" name="Shape 154"/>
         <p:cNvGrpSpPr/>
         <p:nvPr/>
       </p:nvGrpSpPr>
@@ -1330,9 +1692,11 @@
       <p:sp>
         <p:nvSpPr>
           <p:cNvPr id="155" name="Google Shape;155;g7115be020c_0_44:notes"/>
-          <p:cNvSpPr/>
+          <p:cNvSpPr>
+            <a:spLocks noGrp="1" noRot="1" noChangeAspect="1"/>
+          </p:cNvSpPr>
           <p:nvPr>
-            <p:ph idx="2" type="sldImg"/>
+            <p:ph type="sldImg" idx="2"/>
           </p:nvPr>
         </p:nvSpPr>
         <p:spPr>
@@ -1341,9 +1705,13 @@
             <a:ext cx="6096000" cy="3429000"/>
           </a:xfrm>
           <a:custGeom>
-            <a:rect b="b" l="l" r="r" t="t"/>
+            <a:avLst/>
+            <a:gdLst/>
+            <a:ahLst/>
+            <a:cxnLst/>
+            <a:rect l="l" t="t" r="r" b="b"/>
             <a:pathLst>
-              <a:path extrusionOk="0" h="120000" w="120000">
+              <a:path w="120000" h="120000" extrusionOk="0">
                 <a:moveTo>
                   <a:pt x="0" y="0"/>
                 </a:moveTo>
@@ -1365,9 +1733,11 @@
       <p:sp>
         <p:nvSpPr>
           <p:cNvPr id="156" name="Google Shape;156;g7115be020c_0_44:notes"/>
-          <p:cNvSpPr txBox="1"/>
+          <p:cNvSpPr txBox="1">
+            <a:spLocks noGrp="1"/>
+          </p:cNvSpPr>
           <p:nvPr>
-            <p:ph idx="1" type="body"/>
+            <p:ph type="body" idx="1"/>
           </p:nvPr>
         </p:nvSpPr>
         <p:spPr>
@@ -1380,12 +1750,12 @@
           </a:prstGeom>
         </p:spPr>
         <p:txBody>
-          <a:bodyPr anchorCtr="0" anchor="t" bIns="91425" lIns="91425" spcFirstLastPara="1" rIns="91425" wrap="square" tIns="91425">
+          <a:bodyPr spcFirstLastPara="1" wrap="square" lIns="91425" tIns="91425" rIns="91425" bIns="91425" anchor="t" anchorCtr="0">
             <a:noAutofit/>
           </a:bodyPr>
           <a:lstStyle/>
           <a:p>
-            <a:pPr indent="0" lvl="0" marL="0" rtl="0" algn="l">
+            <a:pPr marL="0" lvl="0" indent="0" algn="l" rtl="0">
               <a:spcBef>
                 <a:spcPts val="0"/>
               </a:spcBef>
@@ -1394,9 +1764,6 @@
               </a:spcAft>
               <a:buNone/>
             </a:pPr>
-            <a:r>
-              <a:t/>
-            </a:r>
             <a:endParaRPr/>
           </a:p>
         </p:txBody>
@@ -1409,211 +1776,12 @@
 </p:notes>
 </file>
 
-<file path=ppt/notesSlides/notesSlide2.xml><?xml version="1.0" encoding="utf-8"?>
-<p:notes xmlns:a="http://schemas.openxmlformats.org/drawingml/2006/main" xmlns:r="http://schemas.openxmlformats.org/officeDocument/2006/relationships" xmlns:mc="http://schemas.openxmlformats.org/markup-compatibility/2006" xmlns:mv="urn:schemas-microsoft-com:mac:vml" xmlns:p="http://schemas.openxmlformats.org/presentationml/2006/main" xmlns:c="http://schemas.openxmlformats.org/drawingml/2006/chart" xmlns:dgm="http://schemas.openxmlformats.org/drawingml/2006/diagram" xmlns:o="urn:schemas-microsoft-com:office:office" xmlns:v="urn:schemas-microsoft-com:vml" xmlns:pvml="urn:schemas-microsoft-com:office:powerpoint" xmlns:com="http://schemas.openxmlformats.org/drawingml/2006/compatibility" xmlns:p14="http://schemas.microsoft.com/office/powerpoint/2010/main" xmlns:p15="http://schemas.microsoft.com/office/powerpoint/2012/main" showMasterPhAnim="0" showMasterSp="0">
+<file path=ppt/notesSlides/notesSlide5.xml><?xml version="1.0" encoding="utf-8"?>
+<p:notes xmlns:a="http://schemas.openxmlformats.org/drawingml/2006/main" xmlns:r="http://schemas.openxmlformats.org/officeDocument/2006/relationships" xmlns:p="http://schemas.openxmlformats.org/presentationml/2006/main" showMasterSp="0" showMasterPhAnim="0">
   <p:cSld>
     <p:spTree>
       <p:nvGrpSpPr>
-        <p:cNvPr id="64" name="Shape 64"/>
-        <p:cNvGrpSpPr/>
-        <p:nvPr/>
-      </p:nvGrpSpPr>
-      <p:grpSpPr>
-        <a:xfrm>
-          <a:off x="0" y="0"/>
-          <a:ext cx="0" cy="0"/>
-          <a:chOff x="0" y="0"/>
-          <a:chExt cx="0" cy="0"/>
-        </a:xfrm>
-      </p:grpSpPr>
-      <p:sp>
-        <p:nvSpPr>
-          <p:cNvPr id="65" name="Google Shape;65;g7115be020c_0_0:notes"/>
-          <p:cNvSpPr/>
-          <p:nvPr>
-            <p:ph idx="2" type="sldImg"/>
-          </p:nvPr>
-        </p:nvSpPr>
-        <p:spPr>
-          <a:xfrm>
-            <a:off x="381300" y="685800"/>
-            <a:ext cx="6096000" cy="3429000"/>
-          </a:xfrm>
-          <a:custGeom>
-            <a:rect b="b" l="l" r="r" t="t"/>
-            <a:pathLst>
-              <a:path extrusionOk="0" h="120000" w="120000">
-                <a:moveTo>
-                  <a:pt x="0" y="0"/>
-                </a:moveTo>
-                <a:lnTo>
-                  <a:pt x="120000" y="0"/>
-                </a:lnTo>
-                <a:lnTo>
-                  <a:pt x="120000" y="120000"/>
-                </a:lnTo>
-                <a:lnTo>
-                  <a:pt x="0" y="120000"/>
-                </a:lnTo>
-                <a:close/>
-              </a:path>
-            </a:pathLst>
-          </a:custGeom>
-        </p:spPr>
-      </p:sp>
-      <p:sp>
-        <p:nvSpPr>
-          <p:cNvPr id="66" name="Google Shape;66;g7115be020c_0_0:notes"/>
-          <p:cNvSpPr txBox="1"/>
-          <p:nvPr>
-            <p:ph idx="1" type="body"/>
-          </p:nvPr>
-        </p:nvSpPr>
-        <p:spPr>
-          <a:xfrm>
-            <a:off x="685800" y="4343400"/>
-            <a:ext cx="5486400" cy="4114800"/>
-          </a:xfrm>
-          <a:prstGeom prst="rect">
-            <a:avLst/>
-          </a:prstGeom>
-        </p:spPr>
-        <p:txBody>
-          <a:bodyPr anchorCtr="0" anchor="t" bIns="91425" lIns="91425" spcFirstLastPara="1" rIns="91425" wrap="square" tIns="91425">
-            <a:noAutofit/>
-          </a:bodyPr>
-          <a:lstStyle/>
-          <a:p>
-            <a:pPr indent="0" lvl="0" marL="0" rtl="0" algn="l">
-              <a:spcBef>
-                <a:spcPts val="0"/>
-              </a:spcBef>
-              <a:spcAft>
-                <a:spcPts val="0"/>
-              </a:spcAft>
-              <a:buNone/>
-            </a:pPr>
-            <a:r>
-              <a:t/>
-            </a:r>
-            <a:endParaRPr/>
-          </a:p>
-        </p:txBody>
-      </p:sp>
-    </p:spTree>
-  </p:cSld>
-  <p:clrMapOvr>
-    <a:masterClrMapping/>
-  </p:clrMapOvr>
-</p:notes>
-</file>
-
-<file path=ppt/notesSlides/notesSlide3.xml><?xml version="1.0" encoding="utf-8"?>
-<p:notes xmlns:a="http://schemas.openxmlformats.org/drawingml/2006/main" xmlns:r="http://schemas.openxmlformats.org/officeDocument/2006/relationships" xmlns:mc="http://schemas.openxmlformats.org/markup-compatibility/2006" xmlns:mv="urn:schemas-microsoft-com:mac:vml" xmlns:p="http://schemas.openxmlformats.org/presentationml/2006/main" xmlns:c="http://schemas.openxmlformats.org/drawingml/2006/chart" xmlns:dgm="http://schemas.openxmlformats.org/drawingml/2006/diagram" xmlns:o="urn:schemas-microsoft-com:office:office" xmlns:v="urn:schemas-microsoft-com:vml" xmlns:pvml="urn:schemas-microsoft-com:office:powerpoint" xmlns:com="http://schemas.openxmlformats.org/drawingml/2006/compatibility" xmlns:p14="http://schemas.microsoft.com/office/powerpoint/2010/main" xmlns:p15="http://schemas.microsoft.com/office/powerpoint/2012/main" showMasterPhAnim="0" showMasterSp="0">
-  <p:cSld>
-    <p:spTree>
-      <p:nvGrpSpPr>
-        <p:cNvPr id="77" name="Shape 77"/>
-        <p:cNvGrpSpPr/>
-        <p:nvPr/>
-      </p:nvGrpSpPr>
-      <p:grpSpPr>
-        <a:xfrm>
-          <a:off x="0" y="0"/>
-          <a:ext cx="0" cy="0"/>
-          <a:chOff x="0" y="0"/>
-          <a:chExt cx="0" cy="0"/>
-        </a:xfrm>
-      </p:grpSpPr>
-      <p:sp>
-        <p:nvSpPr>
-          <p:cNvPr id="78" name="Google Shape;78;g7115be020c_0_5:notes"/>
-          <p:cNvSpPr/>
-          <p:nvPr>
-            <p:ph idx="2" type="sldImg"/>
-          </p:nvPr>
-        </p:nvSpPr>
-        <p:spPr>
-          <a:xfrm>
-            <a:off x="381300" y="685800"/>
-            <a:ext cx="6096000" cy="3429000"/>
-          </a:xfrm>
-          <a:custGeom>
-            <a:rect b="b" l="l" r="r" t="t"/>
-            <a:pathLst>
-              <a:path extrusionOk="0" h="120000" w="120000">
-                <a:moveTo>
-                  <a:pt x="0" y="0"/>
-                </a:moveTo>
-                <a:lnTo>
-                  <a:pt x="120000" y="0"/>
-                </a:lnTo>
-                <a:lnTo>
-                  <a:pt x="120000" y="120000"/>
-                </a:lnTo>
-                <a:lnTo>
-                  <a:pt x="0" y="120000"/>
-                </a:lnTo>
-                <a:close/>
-              </a:path>
-            </a:pathLst>
-          </a:custGeom>
-        </p:spPr>
-      </p:sp>
-      <p:sp>
-        <p:nvSpPr>
-          <p:cNvPr id="79" name="Google Shape;79;g7115be020c_0_5:notes"/>
-          <p:cNvSpPr txBox="1"/>
-          <p:nvPr>
-            <p:ph idx="1" type="body"/>
-          </p:nvPr>
-        </p:nvSpPr>
-        <p:spPr>
-          <a:xfrm>
-            <a:off x="685800" y="4343400"/>
-            <a:ext cx="5486400" cy="4114800"/>
-          </a:xfrm>
-          <a:prstGeom prst="rect">
-            <a:avLst/>
-          </a:prstGeom>
-        </p:spPr>
-        <p:txBody>
-          <a:bodyPr anchorCtr="0" anchor="t" bIns="91425" lIns="91425" spcFirstLastPara="1" rIns="91425" wrap="square" tIns="91425">
-            <a:noAutofit/>
-          </a:bodyPr>
-          <a:lstStyle/>
-          <a:p>
-            <a:pPr indent="0" lvl="0" marL="0" rtl="0" algn="l">
-              <a:spcBef>
-                <a:spcPts val="0"/>
-              </a:spcBef>
-              <a:spcAft>
-                <a:spcPts val="0"/>
-              </a:spcAft>
-              <a:buNone/>
-            </a:pPr>
-            <a:r>
-              <a:rPr lang="pl"/>
-              <a:t>No websites data, no US Map</a:t>
-            </a:r>
-            <a:endParaRPr/>
-          </a:p>
-        </p:txBody>
-      </p:sp>
-    </p:spTree>
-  </p:cSld>
-  <p:clrMapOvr>
-    <a:masterClrMapping/>
-  </p:clrMapOvr>
-</p:notes>
-</file>
-
-<file path=ppt/notesSlides/notesSlide4.xml><?xml version="1.0" encoding="utf-8"?>
-<p:notes xmlns:a="http://schemas.openxmlformats.org/drawingml/2006/main" xmlns:r="http://schemas.openxmlformats.org/officeDocument/2006/relationships" xmlns:mc="http://schemas.openxmlformats.org/markup-compatibility/2006" xmlns:mv="urn:schemas-microsoft-com:mac:vml" xmlns:p="http://schemas.openxmlformats.org/presentationml/2006/main" xmlns:c="http://schemas.openxmlformats.org/drawingml/2006/chart" xmlns:dgm="http://schemas.openxmlformats.org/drawingml/2006/diagram" xmlns:o="urn:schemas-microsoft-com:office:office" xmlns:v="urn:schemas-microsoft-com:vml" xmlns:pvml="urn:schemas-microsoft-com:office:powerpoint" xmlns:com="http://schemas.openxmlformats.org/drawingml/2006/compatibility" xmlns:p14="http://schemas.microsoft.com/office/powerpoint/2010/main" xmlns:p15="http://schemas.microsoft.com/office/powerpoint/2012/main" showMasterPhAnim="0" showMasterSp="0">
-  <p:cSld>
-    <p:spTree>
-      <p:nvGrpSpPr>
-        <p:cNvPr id="88" name="Shape 88"/>
+        <p:cNvPr id="1" name="Shape 88"/>
         <p:cNvGrpSpPr/>
         <p:nvPr/>
       </p:nvGrpSpPr>
@@ -1628,9 +1796,11 @@
       <p:sp>
         <p:nvSpPr>
           <p:cNvPr id="89" name="Google Shape;89;g7115be020c_0_54:notes"/>
-          <p:cNvSpPr/>
+          <p:cNvSpPr>
+            <a:spLocks noGrp="1" noRot="1" noChangeAspect="1"/>
+          </p:cNvSpPr>
           <p:nvPr>
-            <p:ph idx="2" type="sldImg"/>
+            <p:ph type="sldImg" idx="2"/>
           </p:nvPr>
         </p:nvSpPr>
         <p:spPr>
@@ -1639,9 +1809,13 @@
             <a:ext cx="6096000" cy="3429000"/>
           </a:xfrm>
           <a:custGeom>
-            <a:rect b="b" l="l" r="r" t="t"/>
+            <a:avLst/>
+            <a:gdLst/>
+            <a:ahLst/>
+            <a:cxnLst/>
+            <a:rect l="l" t="t" r="r" b="b"/>
             <a:pathLst>
-              <a:path extrusionOk="0" h="120000" w="120000">
+              <a:path w="120000" h="120000" extrusionOk="0">
                 <a:moveTo>
                   <a:pt x="0" y="0"/>
                 </a:moveTo>
@@ -1663,9 +1837,11 @@
       <p:sp>
         <p:nvSpPr>
           <p:cNvPr id="90" name="Google Shape;90;g7115be020c_0_54:notes"/>
-          <p:cNvSpPr txBox="1"/>
+          <p:cNvSpPr txBox="1">
+            <a:spLocks noGrp="1"/>
+          </p:cNvSpPr>
           <p:nvPr>
-            <p:ph idx="1" type="body"/>
+            <p:ph type="body" idx="1"/>
           </p:nvPr>
         </p:nvSpPr>
         <p:spPr>
@@ -1678,12 +1854,12 @@
           </a:prstGeom>
         </p:spPr>
         <p:txBody>
-          <a:bodyPr anchorCtr="0" anchor="t" bIns="91425" lIns="91425" spcFirstLastPara="1" rIns="91425" wrap="square" tIns="91425">
+          <a:bodyPr spcFirstLastPara="1" wrap="square" lIns="91425" tIns="91425" rIns="91425" bIns="91425" anchor="t" anchorCtr="0">
             <a:noAutofit/>
           </a:bodyPr>
           <a:lstStyle/>
           <a:p>
-            <a:pPr indent="0" lvl="0" marL="0" rtl="0" algn="l">
+            <a:pPr marL="0" lvl="0" indent="0" algn="l" rtl="0">
               <a:spcBef>
                 <a:spcPts val="0"/>
               </a:spcBef>
@@ -1692,9 +1868,6 @@
               </a:spcAft>
               <a:buNone/>
             </a:pPr>
-            <a:r>
-              <a:t/>
-            </a:r>
             <a:endParaRPr/>
           </a:p>
         </p:txBody>
@@ -1707,12 +1880,12 @@
 </p:notes>
 </file>
 
-<file path=ppt/notesSlides/notesSlide5.xml><?xml version="1.0" encoding="utf-8"?>
-<p:notes xmlns:a="http://schemas.openxmlformats.org/drawingml/2006/main" xmlns:r="http://schemas.openxmlformats.org/officeDocument/2006/relationships" xmlns:mc="http://schemas.openxmlformats.org/markup-compatibility/2006" xmlns:mv="urn:schemas-microsoft-com:mac:vml" xmlns:p="http://schemas.openxmlformats.org/presentationml/2006/main" xmlns:c="http://schemas.openxmlformats.org/drawingml/2006/chart" xmlns:dgm="http://schemas.openxmlformats.org/drawingml/2006/diagram" xmlns:o="urn:schemas-microsoft-com:office:office" xmlns:v="urn:schemas-microsoft-com:vml" xmlns:pvml="urn:schemas-microsoft-com:office:powerpoint" xmlns:com="http://schemas.openxmlformats.org/drawingml/2006/compatibility" xmlns:p14="http://schemas.microsoft.com/office/powerpoint/2010/main" xmlns:p15="http://schemas.microsoft.com/office/powerpoint/2012/main" showMasterPhAnim="0" showMasterSp="0">
+<file path=ppt/notesSlides/notesSlide6.xml><?xml version="1.0" encoding="utf-8"?>
+<p:notes xmlns:a="http://schemas.openxmlformats.org/drawingml/2006/main" xmlns:r="http://schemas.openxmlformats.org/officeDocument/2006/relationships" xmlns:p="http://schemas.openxmlformats.org/presentationml/2006/main" showMasterSp="0" showMasterPhAnim="0">
   <p:cSld>
     <p:spTree>
       <p:nvGrpSpPr>
-        <p:cNvPr id="94" name="Shape 94"/>
+        <p:cNvPr id="1" name="Shape 94"/>
         <p:cNvGrpSpPr/>
         <p:nvPr/>
       </p:nvGrpSpPr>
@@ -1727,9 +1900,11 @@
       <p:sp>
         <p:nvSpPr>
           <p:cNvPr id="95" name="Google Shape;95;g7115be020c_0_49:notes"/>
-          <p:cNvSpPr/>
+          <p:cNvSpPr>
+            <a:spLocks noGrp="1" noRot="1" noChangeAspect="1"/>
+          </p:cNvSpPr>
           <p:nvPr>
-            <p:ph idx="2" type="sldImg"/>
+            <p:ph type="sldImg" idx="2"/>
           </p:nvPr>
         </p:nvSpPr>
         <p:spPr>
@@ -1738,9 +1913,13 @@
             <a:ext cx="6096000" cy="3429000"/>
           </a:xfrm>
           <a:custGeom>
-            <a:rect b="b" l="l" r="r" t="t"/>
+            <a:avLst/>
+            <a:gdLst/>
+            <a:ahLst/>
+            <a:cxnLst/>
+            <a:rect l="l" t="t" r="r" b="b"/>
             <a:pathLst>
-              <a:path extrusionOk="0" h="120000" w="120000">
+              <a:path w="120000" h="120000" extrusionOk="0">
                 <a:moveTo>
                   <a:pt x="0" y="0"/>
                 </a:moveTo>
@@ -1762,9 +1941,11 @@
       <p:sp>
         <p:nvSpPr>
           <p:cNvPr id="96" name="Google Shape;96;g7115be020c_0_49:notes"/>
-          <p:cNvSpPr txBox="1"/>
+          <p:cNvSpPr txBox="1">
+            <a:spLocks noGrp="1"/>
+          </p:cNvSpPr>
           <p:nvPr>
-            <p:ph idx="1" type="body"/>
+            <p:ph type="body" idx="1"/>
           </p:nvPr>
         </p:nvSpPr>
         <p:spPr>
@@ -1777,12 +1958,12 @@
           </a:prstGeom>
         </p:spPr>
         <p:txBody>
-          <a:bodyPr anchorCtr="0" anchor="t" bIns="91425" lIns="91425" spcFirstLastPara="1" rIns="91425" wrap="square" tIns="91425">
+          <a:bodyPr spcFirstLastPara="1" wrap="square" lIns="91425" tIns="91425" rIns="91425" bIns="91425" anchor="t" anchorCtr="0">
             <a:noAutofit/>
           </a:bodyPr>
           <a:lstStyle/>
           <a:p>
-            <a:pPr indent="0" lvl="0" marL="0" rtl="0" algn="l">
+            <a:pPr marL="0" lvl="0" indent="0" algn="l" rtl="0">
               <a:spcBef>
                 <a:spcPts val="0"/>
               </a:spcBef>
@@ -1791,9 +1972,6 @@
               </a:spcAft>
               <a:buNone/>
             </a:pPr>
-            <a:r>
-              <a:t/>
-            </a:r>
             <a:endParaRPr/>
           </a:p>
         </p:txBody>
@@ -1806,12 +1984,12 @@
 </p:notes>
 </file>
 
-<file path=ppt/notesSlides/notesSlide6.xml><?xml version="1.0" encoding="utf-8"?>
-<p:notes xmlns:a="http://schemas.openxmlformats.org/drawingml/2006/main" xmlns:r="http://schemas.openxmlformats.org/officeDocument/2006/relationships" xmlns:mc="http://schemas.openxmlformats.org/markup-compatibility/2006" xmlns:mv="urn:schemas-microsoft-com:mac:vml" xmlns:p="http://schemas.openxmlformats.org/presentationml/2006/main" xmlns:c="http://schemas.openxmlformats.org/drawingml/2006/chart" xmlns:dgm="http://schemas.openxmlformats.org/drawingml/2006/diagram" xmlns:o="urn:schemas-microsoft-com:office:office" xmlns:v="urn:schemas-microsoft-com:vml" xmlns:pvml="urn:schemas-microsoft-com:office:powerpoint" xmlns:com="http://schemas.openxmlformats.org/drawingml/2006/compatibility" xmlns:p14="http://schemas.microsoft.com/office/powerpoint/2010/main" xmlns:p15="http://schemas.microsoft.com/office/powerpoint/2012/main" showMasterPhAnim="0" showMasterSp="0">
+<file path=ppt/notesSlides/notesSlide7.xml><?xml version="1.0" encoding="utf-8"?>
+<p:notes xmlns:a="http://schemas.openxmlformats.org/drawingml/2006/main" xmlns:r="http://schemas.openxmlformats.org/officeDocument/2006/relationships" xmlns:p="http://schemas.openxmlformats.org/presentationml/2006/main" showMasterSp="0" showMasterPhAnim="0">
   <p:cSld>
     <p:spTree>
       <p:nvGrpSpPr>
-        <p:cNvPr id="100" name="Shape 100"/>
+        <p:cNvPr id="1" name="Shape 100"/>
         <p:cNvGrpSpPr/>
         <p:nvPr/>
       </p:nvGrpSpPr>
@@ -1826,9 +2004,11 @@
       <p:sp>
         <p:nvSpPr>
           <p:cNvPr id="101" name="Google Shape;101;g7115be020c_0_15:notes"/>
-          <p:cNvSpPr/>
+          <p:cNvSpPr>
+            <a:spLocks noGrp="1" noRot="1" noChangeAspect="1"/>
+          </p:cNvSpPr>
           <p:nvPr>
-            <p:ph idx="2" type="sldImg"/>
+            <p:ph type="sldImg" idx="2"/>
           </p:nvPr>
         </p:nvSpPr>
         <p:spPr>
@@ -1837,9 +2017,13 @@
             <a:ext cx="6096000" cy="3429000"/>
           </a:xfrm>
           <a:custGeom>
-            <a:rect b="b" l="l" r="r" t="t"/>
+            <a:avLst/>
+            <a:gdLst/>
+            <a:ahLst/>
+            <a:cxnLst/>
+            <a:rect l="l" t="t" r="r" b="b"/>
             <a:pathLst>
-              <a:path extrusionOk="0" h="120000" w="120000">
+              <a:path w="120000" h="120000" extrusionOk="0">
                 <a:moveTo>
                   <a:pt x="0" y="0"/>
                 </a:moveTo>
@@ -1861,9 +2045,11 @@
       <p:sp>
         <p:nvSpPr>
           <p:cNvPr id="102" name="Google Shape;102;g7115be020c_0_15:notes"/>
-          <p:cNvSpPr txBox="1"/>
+          <p:cNvSpPr txBox="1">
+            <a:spLocks noGrp="1"/>
+          </p:cNvSpPr>
           <p:nvPr>
-            <p:ph idx="1" type="body"/>
+            <p:ph type="body" idx="1"/>
           </p:nvPr>
         </p:nvSpPr>
         <p:spPr>
@@ -1876,12 +2062,12 @@
           </a:prstGeom>
         </p:spPr>
         <p:txBody>
-          <a:bodyPr anchorCtr="0" anchor="t" bIns="91425" lIns="91425" spcFirstLastPara="1" rIns="91425" wrap="square" tIns="91425">
+          <a:bodyPr spcFirstLastPara="1" wrap="square" lIns="91425" tIns="91425" rIns="91425" bIns="91425" anchor="t" anchorCtr="0">
             <a:noAutofit/>
           </a:bodyPr>
           <a:lstStyle/>
           <a:p>
-            <a:pPr indent="0" lvl="0" marL="0" rtl="0" algn="l">
+            <a:pPr marL="0" lvl="0" indent="0" algn="l" rtl="0">
               <a:spcBef>
                 <a:spcPts val="0"/>
               </a:spcBef>
@@ -1890,9 +2076,6 @@
               </a:spcAft>
               <a:buNone/>
             </a:pPr>
-            <a:r>
-              <a:t/>
-            </a:r>
             <a:endParaRPr/>
           </a:p>
         </p:txBody>
@@ -1905,12 +2088,12 @@
 </p:notes>
 </file>
 
-<file path=ppt/notesSlides/notesSlide7.xml><?xml version="1.0" encoding="utf-8"?>
-<p:notes xmlns:a="http://schemas.openxmlformats.org/drawingml/2006/main" xmlns:r="http://schemas.openxmlformats.org/officeDocument/2006/relationships" xmlns:mc="http://schemas.openxmlformats.org/markup-compatibility/2006" xmlns:mv="urn:schemas-microsoft-com:mac:vml" xmlns:p="http://schemas.openxmlformats.org/presentationml/2006/main" xmlns:c="http://schemas.openxmlformats.org/drawingml/2006/chart" xmlns:dgm="http://schemas.openxmlformats.org/drawingml/2006/diagram" xmlns:o="urn:schemas-microsoft-com:office:office" xmlns:v="urn:schemas-microsoft-com:vml" xmlns:pvml="urn:schemas-microsoft-com:office:powerpoint" xmlns:com="http://schemas.openxmlformats.org/drawingml/2006/compatibility" xmlns:p14="http://schemas.microsoft.com/office/powerpoint/2010/main" xmlns:p15="http://schemas.microsoft.com/office/powerpoint/2012/main" showMasterPhAnim="0" showMasterSp="0">
+<file path=ppt/notesSlides/notesSlide8.xml><?xml version="1.0" encoding="utf-8"?>
+<p:notes xmlns:a="http://schemas.openxmlformats.org/drawingml/2006/main" xmlns:r="http://schemas.openxmlformats.org/officeDocument/2006/relationships" xmlns:p="http://schemas.openxmlformats.org/presentationml/2006/main" showMasterSp="0" showMasterPhAnim="0">
   <p:cSld>
     <p:spTree>
       <p:nvGrpSpPr>
-        <p:cNvPr id="106" name="Shape 106"/>
+        <p:cNvPr id="1" name="Shape 106"/>
         <p:cNvGrpSpPr/>
         <p:nvPr/>
       </p:nvGrpSpPr>
@@ -1925,9 +2108,11 @@
       <p:sp>
         <p:nvSpPr>
           <p:cNvPr id="107" name="Google Shape;107;g7115be020c_0_88:notes"/>
-          <p:cNvSpPr/>
+          <p:cNvSpPr>
+            <a:spLocks noGrp="1" noRot="1" noChangeAspect="1"/>
+          </p:cNvSpPr>
           <p:nvPr>
-            <p:ph idx="2" type="sldImg"/>
+            <p:ph type="sldImg" idx="2"/>
           </p:nvPr>
         </p:nvSpPr>
         <p:spPr>
@@ -1936,9 +2121,13 @@
             <a:ext cx="6096000" cy="3429000"/>
           </a:xfrm>
           <a:custGeom>
-            <a:rect b="b" l="l" r="r" t="t"/>
+            <a:avLst/>
+            <a:gdLst/>
+            <a:ahLst/>
+            <a:cxnLst/>
+            <a:rect l="l" t="t" r="r" b="b"/>
             <a:pathLst>
-              <a:path extrusionOk="0" h="120000" w="120000">
+              <a:path w="120000" h="120000" extrusionOk="0">
                 <a:moveTo>
                   <a:pt x="0" y="0"/>
                 </a:moveTo>
@@ -1960,9 +2149,11 @@
       <p:sp>
         <p:nvSpPr>
           <p:cNvPr id="108" name="Google Shape;108;g7115be020c_0_88:notes"/>
-          <p:cNvSpPr txBox="1"/>
+          <p:cNvSpPr txBox="1">
+            <a:spLocks noGrp="1"/>
+          </p:cNvSpPr>
           <p:nvPr>
-            <p:ph idx="1" type="body"/>
+            <p:ph type="body" idx="1"/>
           </p:nvPr>
         </p:nvSpPr>
         <p:spPr>
@@ -1975,12 +2166,12 @@
           </a:prstGeom>
         </p:spPr>
         <p:txBody>
-          <a:bodyPr anchorCtr="0" anchor="t" bIns="91425" lIns="91425" spcFirstLastPara="1" rIns="91425" wrap="square" tIns="91425">
+          <a:bodyPr spcFirstLastPara="1" wrap="square" lIns="91425" tIns="91425" rIns="91425" bIns="91425" anchor="t" anchorCtr="0">
             <a:noAutofit/>
           </a:bodyPr>
           <a:lstStyle/>
           <a:p>
-            <a:pPr indent="0" lvl="0" marL="0" rtl="0" algn="l">
+            <a:pPr marL="0" lvl="0" indent="0" algn="l" rtl="0">
               <a:spcBef>
                 <a:spcPts val="0"/>
               </a:spcBef>
@@ -1989,9 +2180,6 @@
               </a:spcAft>
               <a:buNone/>
             </a:pPr>
-            <a:r>
-              <a:t/>
-            </a:r>
             <a:endParaRPr/>
           </a:p>
         </p:txBody>
@@ -2004,12 +2192,12 @@
 </p:notes>
 </file>
 
-<file path=ppt/notesSlides/notesSlide8.xml><?xml version="1.0" encoding="utf-8"?>
-<p:notes xmlns:a="http://schemas.openxmlformats.org/drawingml/2006/main" xmlns:r="http://schemas.openxmlformats.org/officeDocument/2006/relationships" xmlns:mc="http://schemas.openxmlformats.org/markup-compatibility/2006" xmlns:mv="urn:schemas-microsoft-com:mac:vml" xmlns:p="http://schemas.openxmlformats.org/presentationml/2006/main" xmlns:c="http://schemas.openxmlformats.org/drawingml/2006/chart" xmlns:dgm="http://schemas.openxmlformats.org/drawingml/2006/diagram" xmlns:o="urn:schemas-microsoft-com:office:office" xmlns:v="urn:schemas-microsoft-com:vml" xmlns:pvml="urn:schemas-microsoft-com:office:powerpoint" xmlns:com="http://schemas.openxmlformats.org/drawingml/2006/compatibility" xmlns:p14="http://schemas.microsoft.com/office/powerpoint/2010/main" xmlns:p15="http://schemas.microsoft.com/office/powerpoint/2012/main" showMasterPhAnim="0" showMasterSp="0">
+<file path=ppt/notesSlides/notesSlide9.xml><?xml version="1.0" encoding="utf-8"?>
+<p:notes xmlns:a="http://schemas.openxmlformats.org/drawingml/2006/main" xmlns:r="http://schemas.openxmlformats.org/officeDocument/2006/relationships" xmlns:p="http://schemas.openxmlformats.org/presentationml/2006/main" showMasterSp="0" showMasterPhAnim="0">
   <p:cSld>
     <p:spTree>
       <p:nvGrpSpPr>
-        <p:cNvPr id="112" name="Shape 112"/>
+        <p:cNvPr id="1" name="Shape 112"/>
         <p:cNvGrpSpPr/>
         <p:nvPr/>
       </p:nvGrpSpPr>
@@ -2024,20 +2212,26 @@
       <p:sp>
         <p:nvSpPr>
           <p:cNvPr id="113" name="Google Shape;113;g7115be020c_0_39:notes"/>
-          <p:cNvSpPr/>
+          <p:cNvSpPr>
+            <a:spLocks noGrp="1" noRot="1" noChangeAspect="1"/>
+          </p:cNvSpPr>
           <p:nvPr>
-            <p:ph idx="2" type="sldImg"/>
+            <p:ph type="sldImg" idx="2"/>
           </p:nvPr>
         </p:nvSpPr>
         <p:spPr>
           <a:xfrm>
-            <a:off x="381300" y="685800"/>
+            <a:off x="381000" y="685800"/>
             <a:ext cx="6096000" cy="3429000"/>
           </a:xfrm>
           <a:custGeom>
-            <a:rect b="b" l="l" r="r" t="t"/>
+            <a:avLst/>
+            <a:gdLst/>
+            <a:ahLst/>
+            <a:cxnLst/>
+            <a:rect l="l" t="t" r="r" b="b"/>
             <a:pathLst>
-              <a:path extrusionOk="0" h="120000" w="120000">
+              <a:path w="120000" h="120000" extrusionOk="0">
                 <a:moveTo>
                   <a:pt x="0" y="0"/>
                 </a:moveTo>
@@ -2059,9 +2253,11 @@
       <p:sp>
         <p:nvSpPr>
           <p:cNvPr id="114" name="Google Shape;114;g7115be020c_0_39:notes"/>
-          <p:cNvSpPr txBox="1"/>
+          <p:cNvSpPr txBox="1">
+            <a:spLocks noGrp="1"/>
+          </p:cNvSpPr>
           <p:nvPr>
-            <p:ph idx="1" type="body"/>
+            <p:ph type="body" idx="1"/>
           </p:nvPr>
         </p:nvSpPr>
         <p:spPr>
@@ -2074,12 +2270,12 @@
           </a:prstGeom>
         </p:spPr>
         <p:txBody>
-          <a:bodyPr anchorCtr="0" anchor="t" bIns="91425" lIns="91425" spcFirstLastPara="1" rIns="91425" wrap="square" tIns="91425">
+          <a:bodyPr spcFirstLastPara="1" wrap="square" lIns="91425" tIns="91425" rIns="91425" bIns="91425" anchor="t" anchorCtr="0">
             <a:noAutofit/>
           </a:bodyPr>
           <a:lstStyle/>
           <a:p>
-            <a:pPr indent="0" lvl="0" marL="0" rtl="0" algn="l">
+            <a:pPr marL="0" lvl="0" indent="0" algn="l" rtl="0">
               <a:spcBef>
                 <a:spcPts val="0"/>
               </a:spcBef>
@@ -2088,108 +2284,6 @@
               </a:spcAft>
               <a:buNone/>
             </a:pPr>
-            <a:r>
-              <a:t/>
-            </a:r>
-            <a:endParaRPr/>
-          </a:p>
-        </p:txBody>
-      </p:sp>
-    </p:spTree>
-  </p:cSld>
-  <p:clrMapOvr>
-    <a:masterClrMapping/>
-  </p:clrMapOvr>
-</p:notes>
-</file>
-
-<file path=ppt/notesSlides/notesSlide9.xml><?xml version="1.0" encoding="utf-8"?>
-<p:notes xmlns:a="http://schemas.openxmlformats.org/drawingml/2006/main" xmlns:r="http://schemas.openxmlformats.org/officeDocument/2006/relationships" xmlns:mc="http://schemas.openxmlformats.org/markup-compatibility/2006" xmlns:mv="urn:schemas-microsoft-com:mac:vml" xmlns:p="http://schemas.openxmlformats.org/presentationml/2006/main" xmlns:c="http://schemas.openxmlformats.org/drawingml/2006/chart" xmlns:dgm="http://schemas.openxmlformats.org/drawingml/2006/diagram" xmlns:o="urn:schemas-microsoft-com:office:office" xmlns:v="urn:schemas-microsoft-com:vml" xmlns:pvml="urn:schemas-microsoft-com:office:powerpoint" xmlns:com="http://schemas.openxmlformats.org/drawingml/2006/compatibility" xmlns:p14="http://schemas.microsoft.com/office/powerpoint/2010/main" xmlns:p15="http://schemas.microsoft.com/office/powerpoint/2012/main" showMasterPhAnim="0" showMasterSp="0">
-  <p:cSld>
-    <p:spTree>
-      <p:nvGrpSpPr>
-        <p:cNvPr id="118" name="Shape 118"/>
-        <p:cNvGrpSpPr/>
-        <p:nvPr/>
-      </p:nvGrpSpPr>
-      <p:grpSpPr>
-        <a:xfrm>
-          <a:off x="0" y="0"/>
-          <a:ext cx="0" cy="0"/>
-          <a:chOff x="0" y="0"/>
-          <a:chExt cx="0" cy="0"/>
-        </a:xfrm>
-      </p:grpSpPr>
-      <p:sp>
-        <p:nvSpPr>
-          <p:cNvPr id="119" name="Google Shape;119;g7115be020c_0_33:notes"/>
-          <p:cNvSpPr/>
-          <p:nvPr>
-            <p:ph idx="2" type="sldImg"/>
-          </p:nvPr>
-        </p:nvSpPr>
-        <p:spPr>
-          <a:xfrm>
-            <a:off x="381300" y="685800"/>
-            <a:ext cx="6096000" cy="3429000"/>
-          </a:xfrm>
-          <a:custGeom>
-            <a:rect b="b" l="l" r="r" t="t"/>
-            <a:pathLst>
-              <a:path extrusionOk="0" h="120000" w="120000">
-                <a:moveTo>
-                  <a:pt x="0" y="0"/>
-                </a:moveTo>
-                <a:lnTo>
-                  <a:pt x="120000" y="0"/>
-                </a:lnTo>
-                <a:lnTo>
-                  <a:pt x="120000" y="120000"/>
-                </a:lnTo>
-                <a:lnTo>
-                  <a:pt x="0" y="120000"/>
-                </a:lnTo>
-                <a:close/>
-              </a:path>
-            </a:pathLst>
-          </a:custGeom>
-        </p:spPr>
-      </p:sp>
-      <p:sp>
-        <p:nvSpPr>
-          <p:cNvPr id="120" name="Google Shape;120;g7115be020c_0_33:notes"/>
-          <p:cNvSpPr txBox="1"/>
-          <p:nvPr>
-            <p:ph idx="1" type="body"/>
-          </p:nvPr>
-        </p:nvSpPr>
-        <p:spPr>
-          <a:xfrm>
-            <a:off x="685800" y="4343400"/>
-            <a:ext cx="5486400" cy="4114800"/>
-          </a:xfrm>
-          <a:prstGeom prst="rect">
-            <a:avLst/>
-          </a:prstGeom>
-        </p:spPr>
-        <p:txBody>
-          <a:bodyPr anchorCtr="0" anchor="t" bIns="91425" lIns="91425" spcFirstLastPara="1" rIns="91425" wrap="square" tIns="91425">
-            <a:noAutofit/>
-          </a:bodyPr>
-          <a:lstStyle/>
-          <a:p>
-            <a:pPr indent="0" lvl="0" marL="0" rtl="0" algn="l">
-              <a:spcBef>
-                <a:spcPts val="0"/>
-              </a:spcBef>
-              <a:spcAft>
-                <a:spcPts val="0"/>
-              </a:spcAft>
-              <a:buNone/>
-            </a:pPr>
-            <a:r>
-              <a:t/>
-            </a:r>
             <a:endParaRPr/>
           </a:p>
         </p:txBody>
@@ -2203,11 +2297,11 @@
 </file>
 
 <file path=ppt/slideLayouts/slideLayout1.xml><?xml version="1.0" encoding="utf-8"?>
-<p:sldLayout xmlns:a="http://schemas.openxmlformats.org/drawingml/2006/main" xmlns:r="http://schemas.openxmlformats.org/officeDocument/2006/relationships" xmlns:mc="http://schemas.openxmlformats.org/markup-compatibility/2006" xmlns:mv="urn:schemas-microsoft-com:mac:vml" xmlns:p="http://schemas.openxmlformats.org/presentationml/2006/main" xmlns:c="http://schemas.openxmlformats.org/drawingml/2006/chart" xmlns:dgm="http://schemas.openxmlformats.org/drawingml/2006/diagram" xmlns:o="urn:schemas-microsoft-com:office:office" xmlns:v="urn:schemas-microsoft-com:vml" xmlns:pvml="urn:schemas-microsoft-com:office:powerpoint" xmlns:com="http://schemas.openxmlformats.org/drawingml/2006/compatibility" xmlns:p14="http://schemas.microsoft.com/office/powerpoint/2010/main" xmlns:p15="http://schemas.microsoft.com/office/powerpoint/2012/main" matchingName="Title slide" type="title">
+<p:sldLayout xmlns:a="http://schemas.openxmlformats.org/drawingml/2006/main" xmlns:r="http://schemas.openxmlformats.org/officeDocument/2006/relationships" xmlns:p="http://schemas.openxmlformats.org/presentationml/2006/main" matchingName="Title slide" type="title">
   <p:cSld name="TITLE">
     <p:spTree>
       <p:nvGrpSpPr>
-        <p:cNvPr id="9" name="Shape 9"/>
+        <p:cNvPr id="1" name="Shape 9"/>
         <p:cNvGrpSpPr/>
         <p:nvPr/>
       </p:nvGrpSpPr>
@@ -2231,9 +2325,13 @@
             <a:ext cx="1081625" cy="1124950"/>
           </a:xfrm>
           <a:custGeom>
-            <a:rect b="b" l="l" r="r" t="t"/>
+            <a:avLst/>
+            <a:gdLst/>
+            <a:ahLst/>
+            <a:cxnLst/>
+            <a:rect l="l" t="t" r="r" b="b"/>
             <a:pathLst>
-              <a:path extrusionOk="0" h="44998" w="43265">
+              <a:path w="43265" h="44998" extrusionOk="0">
                 <a:moveTo>
                   <a:pt x="0" y="44998"/>
                 </a:moveTo>
@@ -2247,14 +2345,14 @@
             </a:pathLst>
           </a:custGeom>
           <a:noFill/>
-          <a:ln cap="flat" cmpd="sng" w="28575">
+          <a:ln w="28575" cap="flat" cmpd="sng">
             <a:solidFill>
               <a:schemeClr val="lt2"/>
             </a:solidFill>
             <a:prstDash val="solid"/>
             <a:miter lim="8000"/>
-            <a:headEnd len="sm" w="sm" type="none"/>
-            <a:tailEnd len="sm" w="sm" type="none"/>
+            <a:headEnd type="none" w="sm" len="sm"/>
+            <a:tailEnd type="none" w="sm" len="sm"/>
           </a:ln>
         </p:spPr>
       </p:sp>
@@ -2270,9 +2368,13 @@
             <a:ext cx="1081625" cy="1124950"/>
           </a:xfrm>
           <a:custGeom>
-            <a:rect b="b" l="l" r="r" t="t"/>
+            <a:avLst/>
+            <a:gdLst/>
+            <a:ahLst/>
+            <a:cxnLst/>
+            <a:rect l="l" t="t" r="r" b="b"/>
             <a:pathLst>
-              <a:path extrusionOk="0" h="44998" w="43265">
+              <a:path w="43265" h="44998" extrusionOk="0">
                 <a:moveTo>
                   <a:pt x="0" y="44998"/>
                 </a:moveTo>
@@ -2286,21 +2388,23 @@
             </a:pathLst>
           </a:custGeom>
           <a:noFill/>
-          <a:ln cap="flat" cmpd="sng" w="28575">
+          <a:ln w="28575" cap="flat" cmpd="sng">
             <a:solidFill>
               <a:schemeClr val="lt2"/>
             </a:solidFill>
             <a:prstDash val="solid"/>
             <a:miter lim="8000"/>
-            <a:headEnd len="sm" w="sm" type="none"/>
-            <a:tailEnd len="sm" w="sm" type="none"/>
+            <a:headEnd type="none" w="sm" len="sm"/>
+            <a:tailEnd type="none" w="sm" len="sm"/>
           </a:ln>
         </p:spPr>
       </p:sp>
       <p:sp>
         <p:nvSpPr>
           <p:cNvPr id="12" name="Google Shape;12;p2"/>
-          <p:cNvSpPr txBox="1"/>
+          <p:cNvSpPr txBox="1">
+            <a:spLocks noGrp="1"/>
+          </p:cNvSpPr>
           <p:nvPr>
             <p:ph type="ctrTitle"/>
           </p:nvPr>
@@ -2315,7 +2419,7 @@
           </a:prstGeom>
         </p:spPr>
         <p:txBody>
-          <a:bodyPr anchorCtr="0" anchor="b" bIns="91425" lIns="91425" spcFirstLastPara="1" rIns="91425" wrap="square" tIns="91425">
+          <a:bodyPr spcFirstLastPara="1" wrap="square" lIns="91425" tIns="91425" rIns="91425" bIns="91425" anchor="b" anchorCtr="0">
             <a:noAutofit/>
           </a:bodyPr>
           <a:lstStyle>
@@ -2419,15 +2523,19 @@
               <a:defRPr/>
             </a:lvl9pPr>
           </a:lstStyle>
-          <a:p/>
+          <a:p>
+            <a:endParaRPr/>
+          </a:p>
         </p:txBody>
       </p:sp>
       <p:sp>
         <p:nvSpPr>
           <p:cNvPr id="13" name="Google Shape;13;p2"/>
-          <p:cNvSpPr txBox="1"/>
+          <p:cNvSpPr txBox="1">
+            <a:spLocks noGrp="1"/>
+          </p:cNvSpPr>
           <p:nvPr>
-            <p:ph idx="1" type="subTitle"/>
+            <p:ph type="subTitle" idx="1"/>
           </p:nvPr>
         </p:nvSpPr>
         <p:spPr>
@@ -2440,7 +2548,7 @@
           </a:prstGeom>
         </p:spPr>
         <p:txBody>
-          <a:bodyPr anchorCtr="0" anchor="t" bIns="91425" lIns="91425" spcFirstLastPara="1" rIns="91425" wrap="square" tIns="91425">
+          <a:bodyPr spcFirstLastPara="1" wrap="square" lIns="91425" tIns="91425" rIns="91425" bIns="91425" anchor="t" anchorCtr="0">
             <a:noAutofit/>
           </a:bodyPr>
           <a:lstStyle>
@@ -2625,15 +2733,19 @@
               </a:defRPr>
             </a:lvl9pPr>
           </a:lstStyle>
-          <a:p/>
+          <a:p>
+            <a:endParaRPr/>
+          </a:p>
         </p:txBody>
       </p:sp>
       <p:sp>
         <p:nvSpPr>
           <p:cNvPr id="14" name="Google Shape;14;p2"/>
-          <p:cNvSpPr txBox="1"/>
+          <p:cNvSpPr txBox="1">
+            <a:spLocks noGrp="1"/>
+          </p:cNvSpPr>
           <p:nvPr>
-            <p:ph idx="12" type="sldNum"/>
+            <p:ph type="sldNum" idx="12"/>
           </p:nvPr>
         </p:nvSpPr>
         <p:spPr>
@@ -2646,7 +2758,7 @@
           </a:prstGeom>
         </p:spPr>
         <p:txBody>
-          <a:bodyPr anchorCtr="0" anchor="ctr" bIns="91425" lIns="91425" spcFirstLastPara="1" rIns="91425" wrap="square" tIns="91425">
+          <a:bodyPr spcFirstLastPara="1" wrap="square" lIns="91425" tIns="91425" rIns="91425" bIns="91425" anchor="ctr" anchorCtr="0">
             <a:noAutofit/>
           </a:bodyPr>
           <a:lstStyle>
@@ -2688,7 +2800,7 @@
             </a:lvl9pPr>
           </a:lstStyle>
           <a:p>
-            <a:pPr indent="0" lvl="0" marL="0" rtl="0" algn="r">
+            <a:pPr marL="0" lvl="0" indent="0" algn="r" rtl="0">
               <a:spcBef>
                 <a:spcPts val="0"/>
               </a:spcBef>
@@ -2699,7 +2811,7 @@
             </a:pPr>
             <a:fld id="{00000000-1234-1234-1234-123412341234}" type="slidenum">
               <a:rPr lang="pl"/>
-              <a:t>‹#›</a:t>
+              <a:t>‹Nr.›</a:t>
             </a:fld>
             <a:endParaRPr/>
           </a:p>
@@ -2714,11 +2826,11 @@
 </file>
 
 <file path=ppt/slideLayouts/slideLayout10.xml><?xml version="1.0" encoding="utf-8"?>
-<p:sldLayout xmlns:a="http://schemas.openxmlformats.org/drawingml/2006/main" xmlns:r="http://schemas.openxmlformats.org/officeDocument/2006/relationships" xmlns:mc="http://schemas.openxmlformats.org/markup-compatibility/2006" xmlns:mv="urn:schemas-microsoft-com:mac:vml" xmlns:p="http://schemas.openxmlformats.org/presentationml/2006/main" xmlns:c="http://schemas.openxmlformats.org/drawingml/2006/chart" xmlns:dgm="http://schemas.openxmlformats.org/drawingml/2006/diagram" xmlns:o="urn:schemas-microsoft-com:office:office" xmlns:v="urn:schemas-microsoft-com:vml" xmlns:pvml="urn:schemas-microsoft-com:office:powerpoint" xmlns:com="http://schemas.openxmlformats.org/drawingml/2006/compatibility" xmlns:p14="http://schemas.microsoft.com/office/powerpoint/2010/main" xmlns:p15="http://schemas.microsoft.com/office/powerpoint/2012/main" matchingName="Big number">
+<p:sldLayout xmlns:a="http://schemas.openxmlformats.org/drawingml/2006/main" xmlns:r="http://schemas.openxmlformats.org/officeDocument/2006/relationships" xmlns:p="http://schemas.openxmlformats.org/presentationml/2006/main" matchingName="Big number">
   <p:cSld name="BIG_NUMBER">
     <p:spTree>
       <p:nvGrpSpPr>
-        <p:cNvPr id="51" name="Shape 51"/>
+        <p:cNvPr id="1" name="Shape 51"/>
         <p:cNvGrpSpPr/>
         <p:nvPr/>
       </p:nvGrpSpPr>
@@ -2752,12 +2864,12 @@
           </a:ln>
         </p:spPr>
         <p:txBody>
-          <a:bodyPr anchorCtr="0" anchor="ctr" bIns="91425" lIns="91425" spcFirstLastPara="1" rIns="91425" wrap="square" tIns="91425">
+          <a:bodyPr spcFirstLastPara="1" wrap="square" lIns="91425" tIns="91425" rIns="91425" bIns="91425" anchor="ctr" anchorCtr="0">
             <a:noAutofit/>
           </a:bodyPr>
           <a:lstStyle/>
           <a:p>
-            <a:pPr indent="0" lvl="0" marL="0" rtl="0" algn="l">
+            <a:pPr marL="0" lvl="0" indent="0" algn="l" rtl="0">
               <a:spcBef>
                 <a:spcPts val="0"/>
               </a:spcBef>
@@ -2766,9 +2878,6 @@
               </a:spcAft>
               <a:buNone/>
             </a:pPr>
-            <a:r>
-              <a:t/>
-            </a:r>
             <a:endParaRPr/>
           </a:p>
         </p:txBody>
@@ -2776,9 +2885,11 @@
       <p:sp>
         <p:nvSpPr>
           <p:cNvPr id="53" name="Google Shape;53;p11"/>
-          <p:cNvSpPr txBox="1"/>
+          <p:cNvSpPr txBox="1">
+            <a:spLocks noGrp="1"/>
+          </p:cNvSpPr>
           <p:nvPr>
-            <p:ph hasCustomPrompt="1" type="title"/>
+            <p:ph type="title" hasCustomPrompt="1"/>
           </p:nvPr>
         </p:nvSpPr>
         <p:spPr>
@@ -2791,7 +2902,7 @@
           </a:prstGeom>
         </p:spPr>
         <p:txBody>
-          <a:bodyPr anchorCtr="0" anchor="ctr" bIns="91425" lIns="91425" spcFirstLastPara="1" rIns="91425" wrap="square" tIns="91425">
+          <a:bodyPr spcFirstLastPara="1" wrap="square" lIns="91425" tIns="91425" rIns="91425" bIns="91425" anchor="ctr" anchorCtr="0">
             <a:noAutofit/>
           </a:bodyPr>
           <a:lstStyle>
@@ -2968,9 +3079,11 @@
       <p:sp>
         <p:nvSpPr>
           <p:cNvPr id="54" name="Google Shape;54;p11"/>
-          <p:cNvSpPr txBox="1"/>
+          <p:cNvSpPr txBox="1">
+            <a:spLocks noGrp="1"/>
+          </p:cNvSpPr>
           <p:nvPr>
-            <p:ph idx="1" type="body"/>
+            <p:ph type="body" idx="1"/>
           </p:nvPr>
         </p:nvSpPr>
         <p:spPr>
@@ -2983,11 +3096,11 @@
           </a:prstGeom>
         </p:spPr>
         <p:txBody>
-          <a:bodyPr anchorCtr="0" anchor="t" bIns="91425" lIns="91425" spcFirstLastPara="1" rIns="91425" wrap="square" tIns="91425">
+          <a:bodyPr spcFirstLastPara="1" wrap="square" lIns="91425" tIns="91425" rIns="91425" bIns="91425" anchor="t" anchorCtr="0">
             <a:noAutofit/>
           </a:bodyPr>
           <a:lstStyle>
-            <a:lvl1pPr indent="-342900" lvl="0" marL="457200" algn="ctr">
+            <a:lvl1pPr marL="457200" lvl="0" indent="-342900" algn="ctr">
               <a:spcBef>
                 <a:spcPts val="0"/>
               </a:spcBef>
@@ -2998,7 +3111,7 @@
               <a:buChar char="●"/>
               <a:defRPr/>
             </a:lvl1pPr>
-            <a:lvl2pPr indent="-317500" lvl="1" marL="914400" algn="ctr">
+            <a:lvl2pPr marL="914400" lvl="1" indent="-317500" algn="ctr">
               <a:spcBef>
                 <a:spcPts val="1600"/>
               </a:spcBef>
@@ -3009,7 +3122,7 @@
               <a:buChar char="○"/>
               <a:defRPr/>
             </a:lvl2pPr>
-            <a:lvl3pPr indent="-317500" lvl="2" marL="1371600" algn="ctr">
+            <a:lvl3pPr marL="1371600" lvl="2" indent="-317500" algn="ctr">
               <a:spcBef>
                 <a:spcPts val="1600"/>
               </a:spcBef>
@@ -3020,7 +3133,7 @@
               <a:buChar char="■"/>
               <a:defRPr/>
             </a:lvl3pPr>
-            <a:lvl4pPr indent="-317500" lvl="3" marL="1828800" algn="ctr">
+            <a:lvl4pPr marL="1828800" lvl="3" indent="-317500" algn="ctr">
               <a:spcBef>
                 <a:spcPts val="1600"/>
               </a:spcBef>
@@ -3031,7 +3144,7 @@
               <a:buChar char="●"/>
               <a:defRPr/>
             </a:lvl4pPr>
-            <a:lvl5pPr indent="-317500" lvl="4" marL="2286000" algn="ctr">
+            <a:lvl5pPr marL="2286000" lvl="4" indent="-317500" algn="ctr">
               <a:spcBef>
                 <a:spcPts val="1600"/>
               </a:spcBef>
@@ -3042,7 +3155,7 @@
               <a:buChar char="○"/>
               <a:defRPr/>
             </a:lvl5pPr>
-            <a:lvl6pPr indent="-317500" lvl="5" marL="2743200" algn="ctr">
+            <a:lvl6pPr marL="2743200" lvl="5" indent="-317500" algn="ctr">
               <a:spcBef>
                 <a:spcPts val="1600"/>
               </a:spcBef>
@@ -3053,7 +3166,7 @@
               <a:buChar char="■"/>
               <a:defRPr/>
             </a:lvl6pPr>
-            <a:lvl7pPr indent="-317500" lvl="6" marL="3200400" algn="ctr">
+            <a:lvl7pPr marL="3200400" lvl="6" indent="-317500" algn="ctr">
               <a:spcBef>
                 <a:spcPts val="1600"/>
               </a:spcBef>
@@ -3064,7 +3177,7 @@
               <a:buChar char="●"/>
               <a:defRPr/>
             </a:lvl7pPr>
-            <a:lvl8pPr indent="-317500" lvl="7" marL="3657600" algn="ctr">
+            <a:lvl8pPr marL="3657600" lvl="7" indent="-317500" algn="ctr">
               <a:spcBef>
                 <a:spcPts val="1600"/>
               </a:spcBef>
@@ -3075,7 +3188,7 @@
               <a:buChar char="○"/>
               <a:defRPr/>
             </a:lvl8pPr>
-            <a:lvl9pPr indent="-317500" lvl="8" marL="4114800" algn="ctr">
+            <a:lvl9pPr marL="4114800" lvl="8" indent="-317500" algn="ctr">
               <a:spcBef>
                 <a:spcPts val="1600"/>
               </a:spcBef>
@@ -3087,15 +3200,19 @@
               <a:defRPr/>
             </a:lvl9pPr>
           </a:lstStyle>
-          <a:p/>
+          <a:p>
+            <a:endParaRPr/>
+          </a:p>
         </p:txBody>
       </p:sp>
       <p:sp>
         <p:nvSpPr>
           <p:cNvPr id="55" name="Google Shape;55;p11"/>
-          <p:cNvSpPr txBox="1"/>
+          <p:cNvSpPr txBox="1">
+            <a:spLocks noGrp="1"/>
+          </p:cNvSpPr>
           <p:nvPr>
-            <p:ph idx="12" type="sldNum"/>
+            <p:ph type="sldNum" idx="12"/>
           </p:nvPr>
         </p:nvSpPr>
         <p:spPr>
@@ -3108,7 +3225,7 @@
           </a:prstGeom>
         </p:spPr>
         <p:txBody>
-          <a:bodyPr anchorCtr="0" anchor="ctr" bIns="91425" lIns="91425" spcFirstLastPara="1" rIns="91425" wrap="square" tIns="91425">
+          <a:bodyPr spcFirstLastPara="1" wrap="square" lIns="91425" tIns="91425" rIns="91425" bIns="91425" anchor="ctr" anchorCtr="0">
             <a:noAutofit/>
           </a:bodyPr>
           <a:lstStyle>
@@ -3150,7 +3267,7 @@
             </a:lvl9pPr>
           </a:lstStyle>
           <a:p>
-            <a:pPr indent="0" lvl="0" marL="0" rtl="0" algn="r">
+            <a:pPr marL="0" lvl="0" indent="0" algn="r" rtl="0">
               <a:spcBef>
                 <a:spcPts val="0"/>
               </a:spcBef>
@@ -3161,7 +3278,7 @@
             </a:pPr>
             <a:fld id="{00000000-1234-1234-1234-123412341234}" type="slidenum">
               <a:rPr lang="pl"/>
-              <a:t>‹#›</a:t>
+              <a:t>‹Nr.›</a:t>
             </a:fld>
             <a:endParaRPr/>
           </a:p>
@@ -3176,11 +3293,11 @@
 </file>
 
 <file path=ppt/slideLayouts/slideLayout11.xml><?xml version="1.0" encoding="utf-8"?>
-<p:sldLayout xmlns:a="http://schemas.openxmlformats.org/drawingml/2006/main" xmlns:r="http://schemas.openxmlformats.org/officeDocument/2006/relationships" xmlns:mc="http://schemas.openxmlformats.org/markup-compatibility/2006" xmlns:mv="urn:schemas-microsoft-com:mac:vml" xmlns:p="http://schemas.openxmlformats.org/presentationml/2006/main" xmlns:c="http://schemas.openxmlformats.org/drawingml/2006/chart" xmlns:dgm="http://schemas.openxmlformats.org/drawingml/2006/diagram" xmlns:o="urn:schemas-microsoft-com:office:office" xmlns:v="urn:schemas-microsoft-com:vml" xmlns:pvml="urn:schemas-microsoft-com:office:powerpoint" xmlns:com="http://schemas.openxmlformats.org/drawingml/2006/compatibility" xmlns:p14="http://schemas.microsoft.com/office/powerpoint/2010/main" xmlns:p15="http://schemas.microsoft.com/office/powerpoint/2012/main" matchingName="Blank" type="blank">
+<p:sldLayout xmlns:a="http://schemas.openxmlformats.org/drawingml/2006/main" xmlns:r="http://schemas.openxmlformats.org/officeDocument/2006/relationships" xmlns:p="http://schemas.openxmlformats.org/presentationml/2006/main" matchingName="Blank" type="blank">
   <p:cSld name="BLANK">
     <p:spTree>
       <p:nvGrpSpPr>
-        <p:cNvPr id="56" name="Shape 56"/>
+        <p:cNvPr id="1" name="Shape 56"/>
         <p:cNvGrpSpPr/>
         <p:nvPr/>
       </p:nvGrpSpPr>
@@ -3195,9 +3312,11 @@
       <p:sp>
         <p:nvSpPr>
           <p:cNvPr id="57" name="Google Shape;57;p12"/>
-          <p:cNvSpPr txBox="1"/>
+          <p:cNvSpPr txBox="1">
+            <a:spLocks noGrp="1"/>
+          </p:cNvSpPr>
           <p:nvPr>
-            <p:ph idx="12" type="sldNum"/>
+            <p:ph type="sldNum" idx="12"/>
           </p:nvPr>
         </p:nvSpPr>
         <p:spPr>
@@ -3210,7 +3329,7 @@
           </a:prstGeom>
         </p:spPr>
         <p:txBody>
-          <a:bodyPr anchorCtr="0" anchor="ctr" bIns="91425" lIns="91425" spcFirstLastPara="1" rIns="91425" wrap="square" tIns="91425">
+          <a:bodyPr spcFirstLastPara="1" wrap="square" lIns="91425" tIns="91425" rIns="91425" bIns="91425" anchor="ctr" anchorCtr="0">
             <a:noAutofit/>
           </a:bodyPr>
           <a:lstStyle>
@@ -3252,7 +3371,7 @@
             </a:lvl9pPr>
           </a:lstStyle>
           <a:p>
-            <a:pPr indent="0" lvl="0" marL="0" rtl="0" algn="r">
+            <a:pPr marL="0" lvl="0" indent="0" algn="r" rtl="0">
               <a:spcBef>
                 <a:spcPts val="0"/>
               </a:spcBef>
@@ -3263,7 +3382,7 @@
             </a:pPr>
             <a:fld id="{00000000-1234-1234-1234-123412341234}" type="slidenum">
               <a:rPr lang="pl"/>
-              <a:t>‹#›</a:t>
+              <a:t>‹Nr.›</a:t>
             </a:fld>
             <a:endParaRPr/>
           </a:p>
@@ -3278,11 +3397,11 @@
 </file>
 
 <file path=ppt/slideLayouts/slideLayout2.xml><?xml version="1.0" encoding="utf-8"?>
-<p:sldLayout xmlns:a="http://schemas.openxmlformats.org/drawingml/2006/main" xmlns:r="http://schemas.openxmlformats.org/officeDocument/2006/relationships" xmlns:mc="http://schemas.openxmlformats.org/markup-compatibility/2006" xmlns:mv="urn:schemas-microsoft-com:mac:vml" xmlns:p="http://schemas.openxmlformats.org/presentationml/2006/main" xmlns:c="http://schemas.openxmlformats.org/drawingml/2006/chart" xmlns:dgm="http://schemas.openxmlformats.org/drawingml/2006/diagram" xmlns:o="urn:schemas-microsoft-com:office:office" xmlns:v="urn:schemas-microsoft-com:vml" xmlns:pvml="urn:schemas-microsoft-com:office:powerpoint" xmlns:com="http://schemas.openxmlformats.org/drawingml/2006/compatibility" xmlns:p14="http://schemas.microsoft.com/office/powerpoint/2010/main" xmlns:p15="http://schemas.microsoft.com/office/powerpoint/2012/main" matchingName="Section header" type="secHead">
+<p:sldLayout xmlns:a="http://schemas.openxmlformats.org/drawingml/2006/main" xmlns:r="http://schemas.openxmlformats.org/officeDocument/2006/relationships" xmlns:p="http://schemas.openxmlformats.org/presentationml/2006/main" matchingName="Section header" type="secHead">
   <p:cSld name="SECTION_HEADER">
     <p:spTree>
       <p:nvGrpSpPr>
-        <p:cNvPr id="15" name="Shape 15"/>
+        <p:cNvPr id="1" name="Shape 15"/>
         <p:cNvGrpSpPr/>
         <p:nvPr/>
       </p:nvGrpSpPr>
@@ -3306,9 +3425,13 @@
             <a:ext cx="1081625" cy="1124950"/>
           </a:xfrm>
           <a:custGeom>
-            <a:rect b="b" l="l" r="r" t="t"/>
+            <a:avLst/>
+            <a:gdLst/>
+            <a:ahLst/>
+            <a:cxnLst/>
+            <a:rect l="l" t="t" r="r" b="b"/>
             <a:pathLst>
-              <a:path extrusionOk="0" h="44998" w="43265">
+              <a:path w="43265" h="44998" extrusionOk="0">
                 <a:moveTo>
                   <a:pt x="0" y="44998"/>
                 </a:moveTo>
@@ -3322,14 +3445,14 @@
             </a:pathLst>
           </a:custGeom>
           <a:noFill/>
-          <a:ln cap="flat" cmpd="sng" w="28575">
+          <a:ln w="28575" cap="flat" cmpd="sng">
             <a:solidFill>
               <a:schemeClr val="lt2"/>
             </a:solidFill>
             <a:prstDash val="solid"/>
             <a:miter lim="8000"/>
-            <a:headEnd len="sm" w="sm" type="none"/>
-            <a:tailEnd len="sm" w="sm" type="none"/>
+            <a:headEnd type="none" w="sm" len="sm"/>
+            <a:tailEnd type="none" w="sm" len="sm"/>
           </a:ln>
         </p:spPr>
       </p:sp>
@@ -3340,14 +3463,18 @@
           <p:nvPr/>
         </p:nvSpPr>
         <p:spPr>
-          <a:xfrm flipH="1" rot="10800000">
+          <a:xfrm rot="10800000" flipH="1">
             <a:off x="466425" y="3558325"/>
             <a:ext cx="1081625" cy="1124950"/>
           </a:xfrm>
           <a:custGeom>
-            <a:rect b="b" l="l" r="r" t="t"/>
+            <a:avLst/>
+            <a:gdLst/>
+            <a:ahLst/>
+            <a:cxnLst/>
+            <a:rect l="l" t="t" r="r" b="b"/>
             <a:pathLst>
-              <a:path extrusionOk="0" h="44998" w="43265">
+              <a:path w="43265" h="44998" extrusionOk="0">
                 <a:moveTo>
                   <a:pt x="0" y="44998"/>
                 </a:moveTo>
@@ -3361,21 +3488,23 @@
             </a:pathLst>
           </a:custGeom>
           <a:noFill/>
-          <a:ln cap="flat" cmpd="sng" w="28575">
+          <a:ln w="28575" cap="flat" cmpd="sng">
             <a:solidFill>
               <a:schemeClr val="lt2"/>
             </a:solidFill>
             <a:prstDash val="solid"/>
             <a:miter lim="8000"/>
-            <a:headEnd len="sm" w="sm" type="none"/>
-            <a:tailEnd len="sm" w="sm" type="none"/>
+            <a:headEnd type="none" w="sm" len="sm"/>
+            <a:tailEnd type="none" w="sm" len="sm"/>
           </a:ln>
         </p:spPr>
       </p:sp>
       <p:sp>
         <p:nvSpPr>
           <p:cNvPr id="18" name="Google Shape;18;p3"/>
-          <p:cNvSpPr txBox="1"/>
+          <p:cNvSpPr txBox="1">
+            <a:spLocks noGrp="1"/>
+          </p:cNvSpPr>
           <p:nvPr>
             <p:ph type="title"/>
           </p:nvPr>
@@ -3390,7 +3519,7 @@
           </a:prstGeom>
         </p:spPr>
         <p:txBody>
-          <a:bodyPr anchorCtr="0" anchor="ctr" bIns="91425" lIns="91425" spcFirstLastPara="1" rIns="91425" wrap="square" tIns="91425">
+          <a:bodyPr spcFirstLastPara="1" wrap="square" lIns="91425" tIns="91425" rIns="91425" bIns="91425" anchor="ctr" anchorCtr="0">
             <a:noAutofit/>
           </a:bodyPr>
           <a:lstStyle>
@@ -3494,15 +3623,19 @@
               <a:defRPr/>
             </a:lvl9pPr>
           </a:lstStyle>
-          <a:p/>
+          <a:p>
+            <a:endParaRPr/>
+          </a:p>
         </p:txBody>
       </p:sp>
       <p:sp>
         <p:nvSpPr>
           <p:cNvPr id="19" name="Google Shape;19;p3"/>
-          <p:cNvSpPr txBox="1"/>
+          <p:cNvSpPr txBox="1">
+            <a:spLocks noGrp="1"/>
+          </p:cNvSpPr>
           <p:nvPr>
-            <p:ph idx="12" type="sldNum"/>
+            <p:ph type="sldNum" idx="12"/>
           </p:nvPr>
         </p:nvSpPr>
         <p:spPr>
@@ -3515,7 +3648,7 @@
           </a:prstGeom>
         </p:spPr>
         <p:txBody>
-          <a:bodyPr anchorCtr="0" anchor="ctr" bIns="91425" lIns="91425" spcFirstLastPara="1" rIns="91425" wrap="square" tIns="91425">
+          <a:bodyPr spcFirstLastPara="1" wrap="square" lIns="91425" tIns="91425" rIns="91425" bIns="91425" anchor="ctr" anchorCtr="0">
             <a:noAutofit/>
           </a:bodyPr>
           <a:lstStyle>
@@ -3557,7 +3690,7 @@
             </a:lvl9pPr>
           </a:lstStyle>
           <a:p>
-            <a:pPr indent="0" lvl="0" marL="0" rtl="0" algn="r">
+            <a:pPr marL="0" lvl="0" indent="0" algn="r" rtl="0">
               <a:spcBef>
                 <a:spcPts val="0"/>
               </a:spcBef>
@@ -3568,7 +3701,7 @@
             </a:pPr>
             <a:fld id="{00000000-1234-1234-1234-123412341234}" type="slidenum">
               <a:rPr lang="pl"/>
-              <a:t>‹#›</a:t>
+              <a:t>‹Nr.›</a:t>
             </a:fld>
             <a:endParaRPr/>
           </a:p>
@@ -3583,11 +3716,11 @@
 </file>
 
 <file path=ppt/slideLayouts/slideLayout3.xml><?xml version="1.0" encoding="utf-8"?>
-<p:sldLayout xmlns:a="http://schemas.openxmlformats.org/drawingml/2006/main" xmlns:r="http://schemas.openxmlformats.org/officeDocument/2006/relationships" xmlns:mc="http://schemas.openxmlformats.org/markup-compatibility/2006" xmlns:mv="urn:schemas-microsoft-com:mac:vml" xmlns:p="http://schemas.openxmlformats.org/presentationml/2006/main" xmlns:c="http://schemas.openxmlformats.org/drawingml/2006/chart" xmlns:dgm="http://schemas.openxmlformats.org/drawingml/2006/diagram" xmlns:o="urn:schemas-microsoft-com:office:office" xmlns:v="urn:schemas-microsoft-com:vml" xmlns:pvml="urn:schemas-microsoft-com:office:powerpoint" xmlns:com="http://schemas.openxmlformats.org/drawingml/2006/compatibility" xmlns:p14="http://schemas.microsoft.com/office/powerpoint/2010/main" xmlns:p15="http://schemas.microsoft.com/office/powerpoint/2012/main" matchingName="Title and body" type="tx">
+<p:sldLayout xmlns:a="http://schemas.openxmlformats.org/drawingml/2006/main" xmlns:r="http://schemas.openxmlformats.org/officeDocument/2006/relationships" xmlns:p="http://schemas.openxmlformats.org/presentationml/2006/main" matchingName="Title and body" type="tx">
   <p:cSld name="TITLE_AND_BODY">
     <p:spTree>
       <p:nvGrpSpPr>
-        <p:cNvPr id="20" name="Shape 20"/>
+        <p:cNvPr id="1" name="Shape 20"/>
         <p:cNvGrpSpPr/>
         <p:nvPr/>
       </p:nvGrpSpPr>
@@ -3621,12 +3754,12 @@
           </a:ln>
         </p:spPr>
         <p:txBody>
-          <a:bodyPr anchorCtr="0" anchor="ctr" bIns="91425" lIns="91425" spcFirstLastPara="1" rIns="91425" wrap="square" tIns="91425">
+          <a:bodyPr spcFirstLastPara="1" wrap="square" lIns="91425" tIns="91425" rIns="91425" bIns="91425" anchor="ctr" anchorCtr="0">
             <a:noAutofit/>
           </a:bodyPr>
           <a:lstStyle/>
           <a:p>
-            <a:pPr indent="0" lvl="0" marL="0" rtl="0" algn="l">
+            <a:pPr marL="0" lvl="0" indent="0" algn="l" rtl="0">
               <a:spcBef>
                 <a:spcPts val="0"/>
               </a:spcBef>
@@ -3635,9 +3768,6 @@
               </a:spcAft>
               <a:buNone/>
             </a:pPr>
-            <a:r>
-              <a:t/>
-            </a:r>
             <a:endParaRPr/>
           </a:p>
         </p:txBody>
@@ -3645,7 +3775,9 @@
       <p:sp>
         <p:nvSpPr>
           <p:cNvPr id="22" name="Google Shape;22;p4"/>
-          <p:cNvSpPr txBox="1"/>
+          <p:cNvSpPr txBox="1">
+            <a:spLocks noGrp="1"/>
+          </p:cNvSpPr>
           <p:nvPr>
             <p:ph type="title"/>
           </p:nvPr>
@@ -3660,7 +3792,7 @@
           </a:prstGeom>
         </p:spPr>
         <p:txBody>
-          <a:bodyPr anchorCtr="0" anchor="b" bIns="91425" lIns="91425" spcFirstLastPara="1" rIns="91425" wrap="square" tIns="91425">
+          <a:bodyPr spcFirstLastPara="1" wrap="square" lIns="91425" tIns="91425" rIns="91425" bIns="91425" anchor="b" anchorCtr="0">
             <a:noAutofit/>
           </a:bodyPr>
           <a:lstStyle>
@@ -3764,15 +3896,19 @@
               <a:defRPr/>
             </a:lvl9pPr>
           </a:lstStyle>
-          <a:p/>
+          <a:p>
+            <a:endParaRPr/>
+          </a:p>
         </p:txBody>
       </p:sp>
       <p:sp>
         <p:nvSpPr>
           <p:cNvPr id="23" name="Google Shape;23;p4"/>
-          <p:cNvSpPr txBox="1"/>
+          <p:cNvSpPr txBox="1">
+            <a:spLocks noGrp="1"/>
+          </p:cNvSpPr>
           <p:nvPr>
-            <p:ph idx="1" type="body"/>
+            <p:ph type="body" idx="1"/>
           </p:nvPr>
         </p:nvSpPr>
         <p:spPr>
@@ -3785,11 +3921,11 @@
           </a:prstGeom>
         </p:spPr>
         <p:txBody>
-          <a:bodyPr anchorCtr="0" anchor="t" bIns="91425" lIns="91425" spcFirstLastPara="1" rIns="91425" wrap="square" tIns="91425">
+          <a:bodyPr spcFirstLastPara="1" wrap="square" lIns="91425" tIns="91425" rIns="91425" bIns="91425" anchor="t" anchorCtr="0">
             <a:noAutofit/>
           </a:bodyPr>
           <a:lstStyle>
-            <a:lvl1pPr indent="-342900" lvl="0" marL="457200">
+            <a:lvl1pPr marL="457200" lvl="0" indent="-342900">
               <a:spcBef>
                 <a:spcPts val="0"/>
               </a:spcBef>
@@ -3800,7 +3936,7 @@
               <a:buChar char="●"/>
               <a:defRPr/>
             </a:lvl1pPr>
-            <a:lvl2pPr indent="-317500" lvl="1" marL="914400">
+            <a:lvl2pPr marL="914400" lvl="1" indent="-317500">
               <a:spcBef>
                 <a:spcPts val="1600"/>
               </a:spcBef>
@@ -3811,7 +3947,7 @@
               <a:buChar char="○"/>
               <a:defRPr/>
             </a:lvl2pPr>
-            <a:lvl3pPr indent="-317500" lvl="2" marL="1371600">
+            <a:lvl3pPr marL="1371600" lvl="2" indent="-317500">
               <a:spcBef>
                 <a:spcPts val="1600"/>
               </a:spcBef>
@@ -3822,7 +3958,7 @@
               <a:buChar char="■"/>
               <a:defRPr/>
             </a:lvl3pPr>
-            <a:lvl4pPr indent="-317500" lvl="3" marL="1828800">
+            <a:lvl4pPr marL="1828800" lvl="3" indent="-317500">
               <a:spcBef>
                 <a:spcPts val="1600"/>
               </a:spcBef>
@@ -3833,7 +3969,7 @@
               <a:buChar char="●"/>
               <a:defRPr/>
             </a:lvl4pPr>
-            <a:lvl5pPr indent="-317500" lvl="4" marL="2286000">
+            <a:lvl5pPr marL="2286000" lvl="4" indent="-317500">
               <a:spcBef>
                 <a:spcPts val="1600"/>
               </a:spcBef>
@@ -3844,7 +3980,7 @@
               <a:buChar char="○"/>
               <a:defRPr/>
             </a:lvl5pPr>
-            <a:lvl6pPr indent="-317500" lvl="5" marL="2743200">
+            <a:lvl6pPr marL="2743200" lvl="5" indent="-317500">
               <a:spcBef>
                 <a:spcPts val="1600"/>
               </a:spcBef>
@@ -3855,7 +3991,7 @@
               <a:buChar char="■"/>
               <a:defRPr/>
             </a:lvl6pPr>
-            <a:lvl7pPr indent="-317500" lvl="6" marL="3200400">
+            <a:lvl7pPr marL="3200400" lvl="6" indent="-317500">
               <a:spcBef>
                 <a:spcPts val="1600"/>
               </a:spcBef>
@@ -3866,7 +4002,7 @@
               <a:buChar char="●"/>
               <a:defRPr/>
             </a:lvl7pPr>
-            <a:lvl8pPr indent="-317500" lvl="7" marL="3657600">
+            <a:lvl8pPr marL="3657600" lvl="7" indent="-317500">
               <a:spcBef>
                 <a:spcPts val="1600"/>
               </a:spcBef>
@@ -3877,7 +4013,7 @@
               <a:buChar char="○"/>
               <a:defRPr/>
             </a:lvl8pPr>
-            <a:lvl9pPr indent="-317500" lvl="8" marL="4114800">
+            <a:lvl9pPr marL="4114800" lvl="8" indent="-317500">
               <a:spcBef>
                 <a:spcPts val="1600"/>
               </a:spcBef>
@@ -3889,15 +4025,19 @@
               <a:defRPr/>
             </a:lvl9pPr>
           </a:lstStyle>
-          <a:p/>
+          <a:p>
+            <a:endParaRPr/>
+          </a:p>
         </p:txBody>
       </p:sp>
       <p:sp>
         <p:nvSpPr>
           <p:cNvPr id="24" name="Google Shape;24;p4"/>
-          <p:cNvSpPr txBox="1"/>
+          <p:cNvSpPr txBox="1">
+            <a:spLocks noGrp="1"/>
+          </p:cNvSpPr>
           <p:nvPr>
-            <p:ph idx="12" type="sldNum"/>
+            <p:ph type="sldNum" idx="12"/>
           </p:nvPr>
         </p:nvSpPr>
         <p:spPr>
@@ -3910,7 +4050,7 @@
           </a:prstGeom>
         </p:spPr>
         <p:txBody>
-          <a:bodyPr anchorCtr="0" anchor="ctr" bIns="91425" lIns="91425" spcFirstLastPara="1" rIns="91425" wrap="square" tIns="91425">
+          <a:bodyPr spcFirstLastPara="1" wrap="square" lIns="91425" tIns="91425" rIns="91425" bIns="91425" anchor="ctr" anchorCtr="0">
             <a:noAutofit/>
           </a:bodyPr>
           <a:lstStyle>
@@ -3952,7 +4092,7 @@
             </a:lvl9pPr>
           </a:lstStyle>
           <a:p>
-            <a:pPr indent="0" lvl="0" marL="0" rtl="0" algn="r">
+            <a:pPr marL="0" lvl="0" indent="0" algn="r" rtl="0">
               <a:spcBef>
                 <a:spcPts val="0"/>
               </a:spcBef>
@@ -3963,7 +4103,7 @@
             </a:pPr>
             <a:fld id="{00000000-1234-1234-1234-123412341234}" type="slidenum">
               <a:rPr lang="pl"/>
-              <a:t>‹#›</a:t>
+              <a:t>‹Nr.›</a:t>
             </a:fld>
             <a:endParaRPr/>
           </a:p>
@@ -3978,11 +4118,11 @@
 </file>
 
 <file path=ppt/slideLayouts/slideLayout4.xml><?xml version="1.0" encoding="utf-8"?>
-<p:sldLayout xmlns:a="http://schemas.openxmlformats.org/drawingml/2006/main" xmlns:r="http://schemas.openxmlformats.org/officeDocument/2006/relationships" xmlns:mc="http://schemas.openxmlformats.org/markup-compatibility/2006" xmlns:mv="urn:schemas-microsoft-com:mac:vml" xmlns:p="http://schemas.openxmlformats.org/presentationml/2006/main" xmlns:c="http://schemas.openxmlformats.org/drawingml/2006/chart" xmlns:dgm="http://schemas.openxmlformats.org/drawingml/2006/diagram" xmlns:o="urn:schemas-microsoft-com:office:office" xmlns:v="urn:schemas-microsoft-com:vml" xmlns:pvml="urn:schemas-microsoft-com:office:powerpoint" xmlns:com="http://schemas.openxmlformats.org/drawingml/2006/compatibility" xmlns:p14="http://schemas.microsoft.com/office/powerpoint/2010/main" xmlns:p15="http://schemas.microsoft.com/office/powerpoint/2012/main" matchingName="Title and two columns" type="twoColTx">
+<p:sldLayout xmlns:a="http://schemas.openxmlformats.org/drawingml/2006/main" xmlns:r="http://schemas.openxmlformats.org/officeDocument/2006/relationships" xmlns:p="http://schemas.openxmlformats.org/presentationml/2006/main" matchingName="Title and two columns" type="twoColTx">
   <p:cSld name="TITLE_AND_TWO_COLUMNS">
     <p:spTree>
       <p:nvGrpSpPr>
-        <p:cNvPr id="25" name="Shape 25"/>
+        <p:cNvPr id="1" name="Shape 25"/>
         <p:cNvGrpSpPr/>
         <p:nvPr/>
       </p:nvGrpSpPr>
@@ -3997,7 +4137,9 @@
       <p:sp>
         <p:nvSpPr>
           <p:cNvPr id="26" name="Google Shape;26;p5"/>
-          <p:cNvSpPr txBox="1"/>
+          <p:cNvSpPr txBox="1">
+            <a:spLocks noGrp="1"/>
+          </p:cNvSpPr>
           <p:nvPr>
             <p:ph type="title"/>
           </p:nvPr>
@@ -4012,7 +4154,7 @@
           </a:prstGeom>
         </p:spPr>
         <p:txBody>
-          <a:bodyPr anchorCtr="0" anchor="b" bIns="91425" lIns="91425" spcFirstLastPara="1" rIns="91425" wrap="square" tIns="91425">
+          <a:bodyPr spcFirstLastPara="1" wrap="square" lIns="91425" tIns="91425" rIns="91425" bIns="91425" anchor="b" anchorCtr="0">
             <a:noAutofit/>
           </a:bodyPr>
           <a:lstStyle>
@@ -4116,15 +4258,19 @@
               <a:defRPr/>
             </a:lvl9pPr>
           </a:lstStyle>
-          <a:p/>
+          <a:p>
+            <a:endParaRPr/>
+          </a:p>
         </p:txBody>
       </p:sp>
       <p:sp>
         <p:nvSpPr>
           <p:cNvPr id="27" name="Google Shape;27;p5"/>
-          <p:cNvSpPr txBox="1"/>
+          <p:cNvSpPr txBox="1">
+            <a:spLocks noGrp="1"/>
+          </p:cNvSpPr>
           <p:nvPr>
-            <p:ph idx="1" type="body"/>
+            <p:ph type="body" idx="1"/>
           </p:nvPr>
         </p:nvSpPr>
         <p:spPr>
@@ -4137,11 +4283,11 @@
           </a:prstGeom>
         </p:spPr>
         <p:txBody>
-          <a:bodyPr anchorCtr="0" anchor="t" bIns="91425" lIns="91425" spcFirstLastPara="1" rIns="91425" wrap="square" tIns="91425">
+          <a:bodyPr spcFirstLastPara="1" wrap="square" lIns="91425" tIns="91425" rIns="91425" bIns="91425" anchor="t" anchorCtr="0">
             <a:noAutofit/>
           </a:bodyPr>
           <a:lstStyle>
-            <a:lvl1pPr indent="-317500" lvl="0" marL="457200">
+            <a:lvl1pPr marL="457200" lvl="0" indent="-317500">
               <a:spcBef>
                 <a:spcPts val="0"/>
               </a:spcBef>
@@ -4152,7 +4298,7 @@
               <a:buChar char="●"/>
               <a:defRPr sz="1400"/>
             </a:lvl1pPr>
-            <a:lvl2pPr indent="-304800" lvl="1" marL="914400">
+            <a:lvl2pPr marL="914400" lvl="1" indent="-304800">
               <a:spcBef>
                 <a:spcPts val="1600"/>
               </a:spcBef>
@@ -4163,7 +4309,7 @@
               <a:buChar char="○"/>
               <a:defRPr sz="1200"/>
             </a:lvl2pPr>
-            <a:lvl3pPr indent="-304800" lvl="2" marL="1371600">
+            <a:lvl3pPr marL="1371600" lvl="2" indent="-304800">
               <a:spcBef>
                 <a:spcPts val="1600"/>
               </a:spcBef>
@@ -4174,7 +4320,7 @@
               <a:buChar char="■"/>
               <a:defRPr sz="1200"/>
             </a:lvl3pPr>
-            <a:lvl4pPr indent="-304800" lvl="3" marL="1828800">
+            <a:lvl4pPr marL="1828800" lvl="3" indent="-304800">
               <a:spcBef>
                 <a:spcPts val="1600"/>
               </a:spcBef>
@@ -4185,7 +4331,7 @@
               <a:buChar char="●"/>
               <a:defRPr sz="1200"/>
             </a:lvl4pPr>
-            <a:lvl5pPr indent="-304800" lvl="4" marL="2286000">
+            <a:lvl5pPr marL="2286000" lvl="4" indent="-304800">
               <a:spcBef>
                 <a:spcPts val="1600"/>
               </a:spcBef>
@@ -4196,7 +4342,7 @@
               <a:buChar char="○"/>
               <a:defRPr sz="1200"/>
             </a:lvl5pPr>
-            <a:lvl6pPr indent="-304800" lvl="5" marL="2743200">
+            <a:lvl6pPr marL="2743200" lvl="5" indent="-304800">
               <a:spcBef>
                 <a:spcPts val="1600"/>
               </a:spcBef>
@@ -4207,7 +4353,7 @@
               <a:buChar char="■"/>
               <a:defRPr sz="1200"/>
             </a:lvl6pPr>
-            <a:lvl7pPr indent="-304800" lvl="6" marL="3200400">
+            <a:lvl7pPr marL="3200400" lvl="6" indent="-304800">
               <a:spcBef>
                 <a:spcPts val="1600"/>
               </a:spcBef>
@@ -4218,7 +4364,7 @@
               <a:buChar char="●"/>
               <a:defRPr sz="1200"/>
             </a:lvl7pPr>
-            <a:lvl8pPr indent="-304800" lvl="7" marL="3657600">
+            <a:lvl8pPr marL="3657600" lvl="7" indent="-304800">
               <a:spcBef>
                 <a:spcPts val="1600"/>
               </a:spcBef>
@@ -4229,7 +4375,7 @@
               <a:buChar char="○"/>
               <a:defRPr sz="1200"/>
             </a:lvl8pPr>
-            <a:lvl9pPr indent="-304800" lvl="8" marL="4114800">
+            <a:lvl9pPr marL="4114800" lvl="8" indent="-304800">
               <a:spcBef>
                 <a:spcPts val="1600"/>
               </a:spcBef>
@@ -4241,15 +4387,19 @@
               <a:defRPr sz="1200"/>
             </a:lvl9pPr>
           </a:lstStyle>
-          <a:p/>
+          <a:p>
+            <a:endParaRPr/>
+          </a:p>
         </p:txBody>
       </p:sp>
       <p:sp>
         <p:nvSpPr>
           <p:cNvPr id="28" name="Google Shape;28;p5"/>
-          <p:cNvSpPr txBox="1"/>
+          <p:cNvSpPr txBox="1">
+            <a:spLocks noGrp="1"/>
+          </p:cNvSpPr>
           <p:nvPr>
-            <p:ph idx="2" type="body"/>
+            <p:ph type="body" idx="2"/>
           </p:nvPr>
         </p:nvSpPr>
         <p:spPr>
@@ -4262,11 +4412,11 @@
           </a:prstGeom>
         </p:spPr>
         <p:txBody>
-          <a:bodyPr anchorCtr="0" anchor="t" bIns="91425" lIns="91425" spcFirstLastPara="1" rIns="91425" wrap="square" tIns="91425">
+          <a:bodyPr spcFirstLastPara="1" wrap="square" lIns="91425" tIns="91425" rIns="91425" bIns="91425" anchor="t" anchorCtr="0">
             <a:noAutofit/>
           </a:bodyPr>
           <a:lstStyle>
-            <a:lvl1pPr indent="-317500" lvl="0" marL="457200">
+            <a:lvl1pPr marL="457200" lvl="0" indent="-317500">
               <a:spcBef>
                 <a:spcPts val="0"/>
               </a:spcBef>
@@ -4277,7 +4427,7 @@
               <a:buChar char="●"/>
               <a:defRPr sz="1400"/>
             </a:lvl1pPr>
-            <a:lvl2pPr indent="-304800" lvl="1" marL="914400">
+            <a:lvl2pPr marL="914400" lvl="1" indent="-304800">
               <a:spcBef>
                 <a:spcPts val="1600"/>
               </a:spcBef>
@@ -4288,7 +4438,7 @@
               <a:buChar char="○"/>
               <a:defRPr sz="1200"/>
             </a:lvl2pPr>
-            <a:lvl3pPr indent="-304800" lvl="2" marL="1371600">
+            <a:lvl3pPr marL="1371600" lvl="2" indent="-304800">
               <a:spcBef>
                 <a:spcPts val="1600"/>
               </a:spcBef>
@@ -4299,7 +4449,7 @@
               <a:buChar char="■"/>
               <a:defRPr sz="1200"/>
             </a:lvl3pPr>
-            <a:lvl4pPr indent="-304800" lvl="3" marL="1828800">
+            <a:lvl4pPr marL="1828800" lvl="3" indent="-304800">
               <a:spcBef>
                 <a:spcPts val="1600"/>
               </a:spcBef>
@@ -4310,7 +4460,7 @@
               <a:buChar char="●"/>
               <a:defRPr sz="1200"/>
             </a:lvl4pPr>
-            <a:lvl5pPr indent="-304800" lvl="4" marL="2286000">
+            <a:lvl5pPr marL="2286000" lvl="4" indent="-304800">
               <a:spcBef>
                 <a:spcPts val="1600"/>
               </a:spcBef>
@@ -4321,7 +4471,7 @@
               <a:buChar char="○"/>
               <a:defRPr sz="1200"/>
             </a:lvl5pPr>
-            <a:lvl6pPr indent="-304800" lvl="5" marL="2743200">
+            <a:lvl6pPr marL="2743200" lvl="5" indent="-304800">
               <a:spcBef>
                 <a:spcPts val="1600"/>
               </a:spcBef>
@@ -4332,7 +4482,7 @@
               <a:buChar char="■"/>
               <a:defRPr sz="1200"/>
             </a:lvl6pPr>
-            <a:lvl7pPr indent="-304800" lvl="6" marL="3200400">
+            <a:lvl7pPr marL="3200400" lvl="6" indent="-304800">
               <a:spcBef>
                 <a:spcPts val="1600"/>
               </a:spcBef>
@@ -4343,7 +4493,7 @@
               <a:buChar char="●"/>
               <a:defRPr sz="1200"/>
             </a:lvl7pPr>
-            <a:lvl8pPr indent="-304800" lvl="7" marL="3657600">
+            <a:lvl8pPr marL="3657600" lvl="7" indent="-304800">
               <a:spcBef>
                 <a:spcPts val="1600"/>
               </a:spcBef>
@@ -4354,7 +4504,7 @@
               <a:buChar char="○"/>
               <a:defRPr sz="1200"/>
             </a:lvl8pPr>
-            <a:lvl9pPr indent="-304800" lvl="8" marL="4114800">
+            <a:lvl9pPr marL="4114800" lvl="8" indent="-304800">
               <a:spcBef>
                 <a:spcPts val="1600"/>
               </a:spcBef>
@@ -4366,15 +4516,19 @@
               <a:defRPr sz="1200"/>
             </a:lvl9pPr>
           </a:lstStyle>
-          <a:p/>
+          <a:p>
+            <a:endParaRPr/>
+          </a:p>
         </p:txBody>
       </p:sp>
       <p:sp>
         <p:nvSpPr>
           <p:cNvPr id="29" name="Google Shape;29;p5"/>
-          <p:cNvSpPr txBox="1"/>
+          <p:cNvSpPr txBox="1">
+            <a:spLocks noGrp="1"/>
+          </p:cNvSpPr>
           <p:nvPr>
-            <p:ph idx="12" type="sldNum"/>
+            <p:ph type="sldNum" idx="12"/>
           </p:nvPr>
         </p:nvSpPr>
         <p:spPr>
@@ -4387,7 +4541,7 @@
           </a:prstGeom>
         </p:spPr>
         <p:txBody>
-          <a:bodyPr anchorCtr="0" anchor="ctr" bIns="91425" lIns="91425" spcFirstLastPara="1" rIns="91425" wrap="square" tIns="91425">
+          <a:bodyPr spcFirstLastPara="1" wrap="square" lIns="91425" tIns="91425" rIns="91425" bIns="91425" anchor="ctr" anchorCtr="0">
             <a:noAutofit/>
           </a:bodyPr>
           <a:lstStyle>
@@ -4429,7 +4583,7 @@
             </a:lvl9pPr>
           </a:lstStyle>
           <a:p>
-            <a:pPr indent="0" lvl="0" marL="0" rtl="0" algn="r">
+            <a:pPr marL="0" lvl="0" indent="0" algn="r" rtl="0">
               <a:spcBef>
                 <a:spcPts val="0"/>
               </a:spcBef>
@@ -4440,7 +4594,7 @@
             </a:pPr>
             <a:fld id="{00000000-1234-1234-1234-123412341234}" type="slidenum">
               <a:rPr lang="pl"/>
-              <a:t>‹#›</a:t>
+              <a:t>‹Nr.›</a:t>
             </a:fld>
             <a:endParaRPr/>
           </a:p>
@@ -4455,11 +4609,11 @@
 </file>
 
 <file path=ppt/slideLayouts/slideLayout5.xml><?xml version="1.0" encoding="utf-8"?>
-<p:sldLayout xmlns:a="http://schemas.openxmlformats.org/drawingml/2006/main" xmlns:r="http://schemas.openxmlformats.org/officeDocument/2006/relationships" xmlns:mc="http://schemas.openxmlformats.org/markup-compatibility/2006" xmlns:mv="urn:schemas-microsoft-com:mac:vml" xmlns:p="http://schemas.openxmlformats.org/presentationml/2006/main" xmlns:c="http://schemas.openxmlformats.org/drawingml/2006/chart" xmlns:dgm="http://schemas.openxmlformats.org/drawingml/2006/diagram" xmlns:o="urn:schemas-microsoft-com:office:office" xmlns:v="urn:schemas-microsoft-com:vml" xmlns:pvml="urn:schemas-microsoft-com:office:powerpoint" xmlns:com="http://schemas.openxmlformats.org/drawingml/2006/compatibility" xmlns:p14="http://schemas.microsoft.com/office/powerpoint/2010/main" xmlns:p15="http://schemas.microsoft.com/office/powerpoint/2012/main" matchingName="Title only" type="titleOnly">
+<p:sldLayout xmlns:a="http://schemas.openxmlformats.org/drawingml/2006/main" xmlns:r="http://schemas.openxmlformats.org/officeDocument/2006/relationships" xmlns:p="http://schemas.openxmlformats.org/presentationml/2006/main" matchingName="Title only" type="titleOnly">
   <p:cSld name="TITLE_ONLY">
     <p:spTree>
       <p:nvGrpSpPr>
-        <p:cNvPr id="30" name="Shape 30"/>
+        <p:cNvPr id="1" name="Shape 30"/>
         <p:cNvGrpSpPr/>
         <p:nvPr/>
       </p:nvGrpSpPr>
@@ -4474,7 +4628,9 @@
       <p:sp>
         <p:nvSpPr>
           <p:cNvPr id="31" name="Google Shape;31;p6"/>
-          <p:cNvSpPr txBox="1"/>
+          <p:cNvSpPr txBox="1">
+            <a:spLocks noGrp="1"/>
+          </p:cNvSpPr>
           <p:nvPr>
             <p:ph type="title"/>
           </p:nvPr>
@@ -4489,7 +4645,7 @@
           </a:prstGeom>
         </p:spPr>
         <p:txBody>
-          <a:bodyPr anchorCtr="0" anchor="b" bIns="91425" lIns="91425" spcFirstLastPara="1" rIns="91425" wrap="square" tIns="91425">
+          <a:bodyPr spcFirstLastPara="1" wrap="square" lIns="91425" tIns="91425" rIns="91425" bIns="91425" anchor="b" anchorCtr="0">
             <a:noAutofit/>
           </a:bodyPr>
           <a:lstStyle>
@@ -4593,15 +4749,19 @@
               <a:defRPr/>
             </a:lvl9pPr>
           </a:lstStyle>
-          <a:p/>
+          <a:p>
+            <a:endParaRPr/>
+          </a:p>
         </p:txBody>
       </p:sp>
       <p:sp>
         <p:nvSpPr>
           <p:cNvPr id="32" name="Google Shape;32;p6"/>
-          <p:cNvSpPr txBox="1"/>
+          <p:cNvSpPr txBox="1">
+            <a:spLocks noGrp="1"/>
+          </p:cNvSpPr>
           <p:nvPr>
-            <p:ph idx="12" type="sldNum"/>
+            <p:ph type="sldNum" idx="12"/>
           </p:nvPr>
         </p:nvSpPr>
         <p:spPr>
@@ -4614,7 +4774,7 @@
           </a:prstGeom>
         </p:spPr>
         <p:txBody>
-          <a:bodyPr anchorCtr="0" anchor="ctr" bIns="91425" lIns="91425" spcFirstLastPara="1" rIns="91425" wrap="square" tIns="91425">
+          <a:bodyPr spcFirstLastPara="1" wrap="square" lIns="91425" tIns="91425" rIns="91425" bIns="91425" anchor="ctr" anchorCtr="0">
             <a:noAutofit/>
           </a:bodyPr>
           <a:lstStyle>
@@ -4656,7 +4816,7 @@
             </a:lvl9pPr>
           </a:lstStyle>
           <a:p>
-            <a:pPr indent="0" lvl="0" marL="0" rtl="0" algn="r">
+            <a:pPr marL="0" lvl="0" indent="0" algn="r" rtl="0">
               <a:spcBef>
                 <a:spcPts val="0"/>
               </a:spcBef>
@@ -4667,7 +4827,7 @@
             </a:pPr>
             <a:fld id="{00000000-1234-1234-1234-123412341234}" type="slidenum">
               <a:rPr lang="pl"/>
-              <a:t>‹#›</a:t>
+              <a:t>‹Nr.›</a:t>
             </a:fld>
             <a:endParaRPr/>
           </a:p>
@@ -4682,11 +4842,11 @@
 </file>
 
 <file path=ppt/slideLayouts/slideLayout6.xml><?xml version="1.0" encoding="utf-8"?>
-<p:sldLayout xmlns:a="http://schemas.openxmlformats.org/drawingml/2006/main" xmlns:r="http://schemas.openxmlformats.org/officeDocument/2006/relationships" xmlns:mc="http://schemas.openxmlformats.org/markup-compatibility/2006" xmlns:mv="urn:schemas-microsoft-com:mac:vml" xmlns:p="http://schemas.openxmlformats.org/presentationml/2006/main" xmlns:c="http://schemas.openxmlformats.org/drawingml/2006/chart" xmlns:dgm="http://schemas.openxmlformats.org/drawingml/2006/diagram" xmlns:o="urn:schemas-microsoft-com:office:office" xmlns:v="urn:schemas-microsoft-com:vml" xmlns:pvml="urn:schemas-microsoft-com:office:powerpoint" xmlns:com="http://schemas.openxmlformats.org/drawingml/2006/compatibility" xmlns:p14="http://schemas.microsoft.com/office/powerpoint/2010/main" xmlns:p15="http://schemas.microsoft.com/office/powerpoint/2012/main" matchingName="One column text">
+<p:sldLayout xmlns:a="http://schemas.openxmlformats.org/drawingml/2006/main" xmlns:r="http://schemas.openxmlformats.org/officeDocument/2006/relationships" xmlns:p="http://schemas.openxmlformats.org/presentationml/2006/main" matchingName="One column text">
   <p:cSld name="ONE_COLUMN_TEXT">
     <p:spTree>
       <p:nvGrpSpPr>
-        <p:cNvPr id="33" name="Shape 33"/>
+        <p:cNvPr id="1" name="Shape 33"/>
         <p:cNvGrpSpPr/>
         <p:nvPr/>
       </p:nvGrpSpPr>
@@ -4701,7 +4861,9 @@
       <p:sp>
         <p:nvSpPr>
           <p:cNvPr id="34" name="Google Shape;34;p7"/>
-          <p:cNvSpPr txBox="1"/>
+          <p:cNvSpPr txBox="1">
+            <a:spLocks noGrp="1"/>
+          </p:cNvSpPr>
           <p:nvPr>
             <p:ph type="title"/>
           </p:nvPr>
@@ -4716,7 +4878,7 @@
           </a:prstGeom>
         </p:spPr>
         <p:txBody>
-          <a:bodyPr anchorCtr="0" anchor="b" bIns="91425" lIns="91425" spcFirstLastPara="1" rIns="91425" wrap="square" tIns="91425">
+          <a:bodyPr spcFirstLastPara="1" wrap="square" lIns="91425" tIns="91425" rIns="91425" bIns="91425" anchor="b" anchorCtr="0">
             <a:noAutofit/>
           </a:bodyPr>
           <a:lstStyle>
@@ -4820,15 +4982,19 @@
               <a:defRPr sz="3000"/>
             </a:lvl9pPr>
           </a:lstStyle>
-          <a:p/>
+          <a:p>
+            <a:endParaRPr/>
+          </a:p>
         </p:txBody>
       </p:sp>
       <p:sp>
         <p:nvSpPr>
           <p:cNvPr id="35" name="Google Shape;35;p7"/>
-          <p:cNvSpPr txBox="1"/>
+          <p:cNvSpPr txBox="1">
+            <a:spLocks noGrp="1"/>
+          </p:cNvSpPr>
           <p:nvPr>
-            <p:ph idx="1" type="body"/>
+            <p:ph type="body" idx="1"/>
           </p:nvPr>
         </p:nvSpPr>
         <p:spPr>
@@ -4841,11 +5007,11 @@
           </a:prstGeom>
         </p:spPr>
         <p:txBody>
-          <a:bodyPr anchorCtr="0" anchor="t" bIns="91425" lIns="91425" spcFirstLastPara="1" rIns="91425" wrap="square" tIns="91425">
+          <a:bodyPr spcFirstLastPara="1" wrap="square" lIns="91425" tIns="91425" rIns="91425" bIns="91425" anchor="t" anchorCtr="0">
             <a:noAutofit/>
           </a:bodyPr>
           <a:lstStyle>
-            <a:lvl1pPr indent="-304800" lvl="0" marL="457200">
+            <a:lvl1pPr marL="457200" lvl="0" indent="-304800">
               <a:spcBef>
                 <a:spcPts val="0"/>
               </a:spcBef>
@@ -4856,7 +5022,7 @@
               <a:buChar char="●"/>
               <a:defRPr sz="1200"/>
             </a:lvl1pPr>
-            <a:lvl2pPr indent="-304800" lvl="1" marL="914400">
+            <a:lvl2pPr marL="914400" lvl="1" indent="-304800">
               <a:spcBef>
                 <a:spcPts val="1600"/>
               </a:spcBef>
@@ -4867,7 +5033,7 @@
               <a:buChar char="○"/>
               <a:defRPr sz="1200"/>
             </a:lvl2pPr>
-            <a:lvl3pPr indent="-304800" lvl="2" marL="1371600">
+            <a:lvl3pPr marL="1371600" lvl="2" indent="-304800">
               <a:spcBef>
                 <a:spcPts val="1600"/>
               </a:spcBef>
@@ -4878,7 +5044,7 @@
               <a:buChar char="■"/>
               <a:defRPr sz="1200"/>
             </a:lvl3pPr>
-            <a:lvl4pPr indent="-304800" lvl="3" marL="1828800">
+            <a:lvl4pPr marL="1828800" lvl="3" indent="-304800">
               <a:spcBef>
                 <a:spcPts val="1600"/>
               </a:spcBef>
@@ -4889,7 +5055,7 @@
               <a:buChar char="●"/>
               <a:defRPr sz="1200"/>
             </a:lvl4pPr>
-            <a:lvl5pPr indent="-304800" lvl="4" marL="2286000">
+            <a:lvl5pPr marL="2286000" lvl="4" indent="-304800">
               <a:spcBef>
                 <a:spcPts val="1600"/>
               </a:spcBef>
@@ -4900,7 +5066,7 @@
               <a:buChar char="○"/>
               <a:defRPr sz="1200"/>
             </a:lvl5pPr>
-            <a:lvl6pPr indent="-304800" lvl="5" marL="2743200">
+            <a:lvl6pPr marL="2743200" lvl="5" indent="-304800">
               <a:spcBef>
                 <a:spcPts val="1600"/>
               </a:spcBef>
@@ -4911,7 +5077,7 @@
               <a:buChar char="■"/>
               <a:defRPr sz="1200"/>
             </a:lvl6pPr>
-            <a:lvl7pPr indent="-304800" lvl="6" marL="3200400">
+            <a:lvl7pPr marL="3200400" lvl="6" indent="-304800">
               <a:spcBef>
                 <a:spcPts val="1600"/>
               </a:spcBef>
@@ -4922,7 +5088,7 @@
               <a:buChar char="●"/>
               <a:defRPr sz="1200"/>
             </a:lvl7pPr>
-            <a:lvl8pPr indent="-304800" lvl="7" marL="3657600">
+            <a:lvl8pPr marL="3657600" lvl="7" indent="-304800">
               <a:spcBef>
                 <a:spcPts val="1600"/>
               </a:spcBef>
@@ -4933,7 +5099,7 @@
               <a:buChar char="○"/>
               <a:defRPr sz="1200"/>
             </a:lvl8pPr>
-            <a:lvl9pPr indent="-304800" lvl="8" marL="4114800">
+            <a:lvl9pPr marL="4114800" lvl="8" indent="-304800">
               <a:spcBef>
                 <a:spcPts val="1600"/>
               </a:spcBef>
@@ -4945,15 +5111,19 @@
               <a:defRPr sz="1200"/>
             </a:lvl9pPr>
           </a:lstStyle>
-          <a:p/>
+          <a:p>
+            <a:endParaRPr/>
+          </a:p>
         </p:txBody>
       </p:sp>
       <p:sp>
         <p:nvSpPr>
           <p:cNvPr id="36" name="Google Shape;36;p7"/>
-          <p:cNvSpPr txBox="1"/>
+          <p:cNvSpPr txBox="1">
+            <a:spLocks noGrp="1"/>
+          </p:cNvSpPr>
           <p:nvPr>
-            <p:ph idx="12" type="sldNum"/>
+            <p:ph type="sldNum" idx="12"/>
           </p:nvPr>
         </p:nvSpPr>
         <p:spPr>
@@ -4966,7 +5136,7 @@
           </a:prstGeom>
         </p:spPr>
         <p:txBody>
-          <a:bodyPr anchorCtr="0" anchor="ctr" bIns="91425" lIns="91425" spcFirstLastPara="1" rIns="91425" wrap="square" tIns="91425">
+          <a:bodyPr spcFirstLastPara="1" wrap="square" lIns="91425" tIns="91425" rIns="91425" bIns="91425" anchor="ctr" anchorCtr="0">
             <a:noAutofit/>
           </a:bodyPr>
           <a:lstStyle>
@@ -5008,7 +5178,7 @@
             </a:lvl9pPr>
           </a:lstStyle>
           <a:p>
-            <a:pPr indent="0" lvl="0" marL="0" rtl="0" algn="r">
+            <a:pPr marL="0" lvl="0" indent="0" algn="r" rtl="0">
               <a:spcBef>
                 <a:spcPts val="0"/>
               </a:spcBef>
@@ -5019,7 +5189,7 @@
             </a:pPr>
             <a:fld id="{00000000-1234-1234-1234-123412341234}" type="slidenum">
               <a:rPr lang="pl"/>
-              <a:t>‹#›</a:t>
+              <a:t>‹Nr.›</a:t>
             </a:fld>
             <a:endParaRPr/>
           </a:p>
@@ -5034,11 +5204,11 @@
 </file>
 
 <file path=ppt/slideLayouts/slideLayout7.xml><?xml version="1.0" encoding="utf-8"?>
-<p:sldLayout xmlns:a="http://schemas.openxmlformats.org/drawingml/2006/main" xmlns:r="http://schemas.openxmlformats.org/officeDocument/2006/relationships" xmlns:mc="http://schemas.openxmlformats.org/markup-compatibility/2006" xmlns:mv="urn:schemas-microsoft-com:mac:vml" xmlns:p="http://schemas.openxmlformats.org/presentationml/2006/main" xmlns:c="http://schemas.openxmlformats.org/drawingml/2006/chart" xmlns:dgm="http://schemas.openxmlformats.org/drawingml/2006/diagram" xmlns:o="urn:schemas-microsoft-com:office:office" xmlns:v="urn:schemas-microsoft-com:vml" xmlns:pvml="urn:schemas-microsoft-com:office:powerpoint" xmlns:com="http://schemas.openxmlformats.org/drawingml/2006/compatibility" xmlns:p14="http://schemas.microsoft.com/office/powerpoint/2010/main" xmlns:p15="http://schemas.microsoft.com/office/powerpoint/2012/main" matchingName="Main point">
+<p:sldLayout xmlns:a="http://schemas.openxmlformats.org/drawingml/2006/main" xmlns:r="http://schemas.openxmlformats.org/officeDocument/2006/relationships" xmlns:p="http://schemas.openxmlformats.org/presentationml/2006/main" matchingName="Main point">
   <p:cSld name="MAIN_POINT">
     <p:spTree>
       <p:nvGrpSpPr>
-        <p:cNvPr id="37" name="Shape 37"/>
+        <p:cNvPr id="1" name="Shape 37"/>
         <p:cNvGrpSpPr/>
         <p:nvPr/>
       </p:nvGrpSpPr>
@@ -5072,12 +5242,12 @@
           </a:ln>
         </p:spPr>
         <p:txBody>
-          <a:bodyPr anchorCtr="0" anchor="ctr" bIns="91425" lIns="91425" spcFirstLastPara="1" rIns="91425" wrap="square" tIns="91425">
+          <a:bodyPr spcFirstLastPara="1" wrap="square" lIns="91425" tIns="91425" rIns="91425" bIns="91425" anchor="ctr" anchorCtr="0">
             <a:noAutofit/>
           </a:bodyPr>
           <a:lstStyle/>
           <a:p>
-            <a:pPr indent="0" lvl="0" marL="0" rtl="0" algn="l">
+            <a:pPr marL="0" lvl="0" indent="0" algn="l" rtl="0">
               <a:spcBef>
                 <a:spcPts val="0"/>
               </a:spcBef>
@@ -5086,9 +5256,6 @@
               </a:spcAft>
               <a:buNone/>
             </a:pPr>
-            <a:r>
-              <a:t/>
-            </a:r>
             <a:endParaRPr/>
           </a:p>
         </p:txBody>
@@ -5096,7 +5263,9 @@
       <p:sp>
         <p:nvSpPr>
           <p:cNvPr id="39" name="Google Shape;39;p8"/>
-          <p:cNvSpPr txBox="1"/>
+          <p:cNvSpPr txBox="1">
+            <a:spLocks noGrp="1"/>
+          </p:cNvSpPr>
           <p:nvPr>
             <p:ph type="title"/>
           </p:nvPr>
@@ -5111,7 +5280,7 @@
           </a:prstGeom>
         </p:spPr>
         <p:txBody>
-          <a:bodyPr anchorCtr="0" anchor="ctr" bIns="91425" lIns="91425" spcFirstLastPara="1" rIns="91425" wrap="square" tIns="91425">
+          <a:bodyPr spcFirstLastPara="1" wrap="square" lIns="91425" tIns="91425" rIns="91425" bIns="91425" anchor="ctr" anchorCtr="0">
             <a:noAutofit/>
           </a:bodyPr>
           <a:lstStyle>
@@ -5215,15 +5384,19 @@
               <a:defRPr sz="4800"/>
             </a:lvl9pPr>
           </a:lstStyle>
-          <a:p/>
+          <a:p>
+            <a:endParaRPr/>
+          </a:p>
         </p:txBody>
       </p:sp>
       <p:sp>
         <p:nvSpPr>
           <p:cNvPr id="40" name="Google Shape;40;p8"/>
-          <p:cNvSpPr txBox="1"/>
+          <p:cNvSpPr txBox="1">
+            <a:spLocks noGrp="1"/>
+          </p:cNvSpPr>
           <p:nvPr>
-            <p:ph idx="12" type="sldNum"/>
+            <p:ph type="sldNum" idx="12"/>
           </p:nvPr>
         </p:nvSpPr>
         <p:spPr>
@@ -5236,7 +5409,7 @@
           </a:prstGeom>
         </p:spPr>
         <p:txBody>
-          <a:bodyPr anchorCtr="0" anchor="ctr" bIns="91425" lIns="91425" spcFirstLastPara="1" rIns="91425" wrap="square" tIns="91425">
+          <a:bodyPr spcFirstLastPara="1" wrap="square" lIns="91425" tIns="91425" rIns="91425" bIns="91425" anchor="ctr" anchorCtr="0">
             <a:noAutofit/>
           </a:bodyPr>
           <a:lstStyle>
@@ -5278,7 +5451,7 @@
             </a:lvl9pPr>
           </a:lstStyle>
           <a:p>
-            <a:pPr indent="0" lvl="0" marL="0" rtl="0" algn="r">
+            <a:pPr marL="0" lvl="0" indent="0" algn="r" rtl="0">
               <a:spcBef>
                 <a:spcPts val="0"/>
               </a:spcBef>
@@ -5289,7 +5462,7 @@
             </a:pPr>
             <a:fld id="{00000000-1234-1234-1234-123412341234}" type="slidenum">
               <a:rPr lang="pl"/>
-              <a:t>‹#›</a:t>
+              <a:t>‹Nr.›</a:t>
             </a:fld>
             <a:endParaRPr/>
           </a:p>
@@ -5304,11 +5477,11 @@
 </file>
 
 <file path=ppt/slideLayouts/slideLayout8.xml><?xml version="1.0" encoding="utf-8"?>
-<p:sldLayout xmlns:a="http://schemas.openxmlformats.org/drawingml/2006/main" xmlns:r="http://schemas.openxmlformats.org/officeDocument/2006/relationships" xmlns:mc="http://schemas.openxmlformats.org/markup-compatibility/2006" xmlns:mv="urn:schemas-microsoft-com:mac:vml" xmlns:p="http://schemas.openxmlformats.org/presentationml/2006/main" xmlns:c="http://schemas.openxmlformats.org/drawingml/2006/chart" xmlns:dgm="http://schemas.openxmlformats.org/drawingml/2006/diagram" xmlns:o="urn:schemas-microsoft-com:office:office" xmlns:v="urn:schemas-microsoft-com:vml" xmlns:pvml="urn:schemas-microsoft-com:office:powerpoint" xmlns:com="http://schemas.openxmlformats.org/drawingml/2006/compatibility" xmlns:p14="http://schemas.microsoft.com/office/powerpoint/2010/main" xmlns:p15="http://schemas.microsoft.com/office/powerpoint/2012/main" matchingName="Section title and description">
+<p:sldLayout xmlns:a="http://schemas.openxmlformats.org/drawingml/2006/main" xmlns:r="http://schemas.openxmlformats.org/officeDocument/2006/relationships" xmlns:p="http://schemas.openxmlformats.org/presentationml/2006/main" matchingName="Section title and description">
   <p:cSld name="SECTION_TITLE_AND_DESCRIPTION">
     <p:spTree>
       <p:nvGrpSpPr>
-        <p:cNvPr id="41" name="Shape 41"/>
+        <p:cNvPr id="1" name="Shape 41"/>
         <p:cNvGrpSpPr/>
         <p:nvPr/>
       </p:nvGrpSpPr>
@@ -5342,12 +5515,12 @@
           </a:ln>
         </p:spPr>
         <p:txBody>
-          <a:bodyPr anchorCtr="0" anchor="ctr" bIns="91425" lIns="91425" spcFirstLastPara="1" rIns="91425" wrap="square" tIns="91425">
+          <a:bodyPr spcFirstLastPara="1" wrap="square" lIns="91425" tIns="91425" rIns="91425" bIns="91425" anchor="ctr" anchorCtr="0">
             <a:noAutofit/>
           </a:bodyPr>
           <a:lstStyle/>
           <a:p>
-            <a:pPr indent="0" lvl="0" marL="0" rtl="0" algn="l">
+            <a:pPr marL="0" lvl="0" indent="0" algn="l" rtl="0">
               <a:spcBef>
                 <a:spcPts val="0"/>
               </a:spcBef>
@@ -5356,9 +5529,6 @@
               </a:spcAft>
               <a:buNone/>
             </a:pPr>
-            <a:r>
-              <a:t/>
-            </a:r>
             <a:endParaRPr/>
           </a:p>
         </p:txBody>
@@ -5378,21 +5548,23 @@
             <a:avLst/>
           </a:prstGeom>
           <a:noFill/>
-          <a:ln cap="flat" cmpd="sng" w="19050">
+          <a:ln w="19050" cap="flat" cmpd="sng">
             <a:solidFill>
               <a:schemeClr val="lt1"/>
             </a:solidFill>
             <a:prstDash val="solid"/>
             <a:round/>
-            <a:headEnd len="sm" w="sm" type="none"/>
-            <a:tailEnd len="sm" w="sm" type="none"/>
+            <a:headEnd type="none" w="sm" len="sm"/>
+            <a:tailEnd type="none" w="sm" len="sm"/>
           </a:ln>
         </p:spPr>
       </p:cxnSp>
       <p:sp>
         <p:nvSpPr>
           <p:cNvPr id="44" name="Google Shape;44;p9"/>
-          <p:cNvSpPr txBox="1"/>
+          <p:cNvSpPr txBox="1">
+            <a:spLocks noGrp="1"/>
+          </p:cNvSpPr>
           <p:nvPr>
             <p:ph type="title"/>
           </p:nvPr>
@@ -5407,7 +5579,7 @@
           </a:prstGeom>
         </p:spPr>
         <p:txBody>
-          <a:bodyPr anchorCtr="0" anchor="b" bIns="91425" lIns="91425" spcFirstLastPara="1" rIns="91425" wrap="square" tIns="91425">
+          <a:bodyPr spcFirstLastPara="1" wrap="square" lIns="91425" tIns="91425" rIns="91425" bIns="91425" anchor="b" anchorCtr="0">
             <a:noAutofit/>
           </a:bodyPr>
           <a:lstStyle>
@@ -5574,15 +5746,19 @@
               </a:defRPr>
             </a:lvl9pPr>
           </a:lstStyle>
-          <a:p/>
+          <a:p>
+            <a:endParaRPr/>
+          </a:p>
         </p:txBody>
       </p:sp>
       <p:sp>
         <p:nvSpPr>
           <p:cNvPr id="45" name="Google Shape;45;p9"/>
-          <p:cNvSpPr txBox="1"/>
+          <p:cNvSpPr txBox="1">
+            <a:spLocks noGrp="1"/>
+          </p:cNvSpPr>
           <p:nvPr>
-            <p:ph idx="1" type="subTitle"/>
+            <p:ph type="subTitle" idx="1"/>
           </p:nvPr>
         </p:nvSpPr>
         <p:spPr>
@@ -5595,7 +5771,7 @@
           </a:prstGeom>
         </p:spPr>
         <p:txBody>
-          <a:bodyPr anchorCtr="0" anchor="t" bIns="91425" lIns="91425" spcFirstLastPara="1" rIns="91425" wrap="square" tIns="91425">
+          <a:bodyPr spcFirstLastPara="1" wrap="square" lIns="91425" tIns="91425" rIns="91425" bIns="91425" anchor="t" anchorCtr="0">
             <a:noAutofit/>
           </a:bodyPr>
           <a:lstStyle>
@@ -5780,15 +5956,19 @@
               </a:defRPr>
             </a:lvl9pPr>
           </a:lstStyle>
-          <a:p/>
+          <a:p>
+            <a:endParaRPr/>
+          </a:p>
         </p:txBody>
       </p:sp>
       <p:sp>
         <p:nvSpPr>
           <p:cNvPr id="46" name="Google Shape;46;p9"/>
-          <p:cNvSpPr txBox="1"/>
+          <p:cNvSpPr txBox="1">
+            <a:spLocks noGrp="1"/>
+          </p:cNvSpPr>
           <p:nvPr>
-            <p:ph idx="2" type="body"/>
+            <p:ph type="body" idx="2"/>
           </p:nvPr>
         </p:nvSpPr>
         <p:spPr>
@@ -5801,11 +5981,11 @@
           </a:prstGeom>
         </p:spPr>
         <p:txBody>
-          <a:bodyPr anchorCtr="0" anchor="ctr" bIns="91425" lIns="91425" spcFirstLastPara="1" rIns="91425" wrap="square" tIns="91425">
+          <a:bodyPr spcFirstLastPara="1" wrap="square" lIns="91425" tIns="91425" rIns="91425" bIns="91425" anchor="ctr" anchorCtr="0">
             <a:noAutofit/>
           </a:bodyPr>
           <a:lstStyle>
-            <a:lvl1pPr indent="-342900" lvl="0" marL="457200">
+            <a:lvl1pPr marL="457200" lvl="0" indent="-342900">
               <a:spcBef>
                 <a:spcPts val="0"/>
               </a:spcBef>
@@ -5823,7 +6003,7 @@
                 </a:solidFill>
               </a:defRPr>
             </a:lvl1pPr>
-            <a:lvl2pPr indent="-317500" lvl="1" marL="914400">
+            <a:lvl2pPr marL="914400" lvl="1" indent="-317500">
               <a:spcBef>
                 <a:spcPts val="1600"/>
               </a:spcBef>
@@ -5841,7 +6021,7 @@
                 </a:solidFill>
               </a:defRPr>
             </a:lvl2pPr>
-            <a:lvl3pPr indent="-317500" lvl="2" marL="1371600">
+            <a:lvl3pPr marL="1371600" lvl="2" indent="-317500">
               <a:spcBef>
                 <a:spcPts val="1600"/>
               </a:spcBef>
@@ -5859,7 +6039,7 @@
                 </a:solidFill>
               </a:defRPr>
             </a:lvl3pPr>
-            <a:lvl4pPr indent="-317500" lvl="3" marL="1828800">
+            <a:lvl4pPr marL="1828800" lvl="3" indent="-317500">
               <a:spcBef>
                 <a:spcPts val="1600"/>
               </a:spcBef>
@@ -5877,7 +6057,7 @@
                 </a:solidFill>
               </a:defRPr>
             </a:lvl4pPr>
-            <a:lvl5pPr indent="-317500" lvl="4" marL="2286000">
+            <a:lvl5pPr marL="2286000" lvl="4" indent="-317500">
               <a:spcBef>
                 <a:spcPts val="1600"/>
               </a:spcBef>
@@ -5895,7 +6075,7 @@
                 </a:solidFill>
               </a:defRPr>
             </a:lvl5pPr>
-            <a:lvl6pPr indent="-317500" lvl="5" marL="2743200">
+            <a:lvl6pPr marL="2743200" lvl="5" indent="-317500">
               <a:spcBef>
                 <a:spcPts val="1600"/>
               </a:spcBef>
@@ -5913,7 +6093,7 @@
                 </a:solidFill>
               </a:defRPr>
             </a:lvl6pPr>
-            <a:lvl7pPr indent="-317500" lvl="6" marL="3200400">
+            <a:lvl7pPr marL="3200400" lvl="6" indent="-317500">
               <a:spcBef>
                 <a:spcPts val="1600"/>
               </a:spcBef>
@@ -5931,7 +6111,7 @@
                 </a:solidFill>
               </a:defRPr>
             </a:lvl7pPr>
-            <a:lvl8pPr indent="-317500" lvl="7" marL="3657600">
+            <a:lvl8pPr marL="3657600" lvl="7" indent="-317500">
               <a:spcBef>
                 <a:spcPts val="1600"/>
               </a:spcBef>
@@ -5949,7 +6129,7 @@
                 </a:solidFill>
               </a:defRPr>
             </a:lvl8pPr>
-            <a:lvl9pPr indent="-317500" lvl="8" marL="4114800">
+            <a:lvl9pPr marL="4114800" lvl="8" indent="-317500">
               <a:spcBef>
                 <a:spcPts val="1600"/>
               </a:spcBef>
@@ -5968,15 +6148,19 @@
               </a:defRPr>
             </a:lvl9pPr>
           </a:lstStyle>
-          <a:p/>
+          <a:p>
+            <a:endParaRPr/>
+          </a:p>
         </p:txBody>
       </p:sp>
       <p:sp>
         <p:nvSpPr>
           <p:cNvPr id="47" name="Google Shape;47;p9"/>
-          <p:cNvSpPr txBox="1"/>
+          <p:cNvSpPr txBox="1">
+            <a:spLocks noGrp="1"/>
+          </p:cNvSpPr>
           <p:nvPr>
-            <p:ph idx="12" type="sldNum"/>
+            <p:ph type="sldNum" idx="12"/>
           </p:nvPr>
         </p:nvSpPr>
         <p:spPr>
@@ -5989,7 +6173,7 @@
           </a:prstGeom>
         </p:spPr>
         <p:txBody>
-          <a:bodyPr anchorCtr="0" anchor="ctr" bIns="91425" lIns="91425" spcFirstLastPara="1" rIns="91425" wrap="square" tIns="91425">
+          <a:bodyPr spcFirstLastPara="1" wrap="square" lIns="91425" tIns="91425" rIns="91425" bIns="91425" anchor="ctr" anchorCtr="0">
             <a:noAutofit/>
           </a:bodyPr>
           <a:lstStyle>
@@ -6067,7 +6251,7 @@
             </a:lvl9pPr>
           </a:lstStyle>
           <a:p>
-            <a:pPr indent="0" lvl="0" marL="0" rtl="0" algn="r">
+            <a:pPr marL="0" lvl="0" indent="0" algn="r" rtl="0">
               <a:spcBef>
                 <a:spcPts val="0"/>
               </a:spcBef>
@@ -6078,7 +6262,7 @@
             </a:pPr>
             <a:fld id="{00000000-1234-1234-1234-123412341234}" type="slidenum">
               <a:rPr lang="pl"/>
-              <a:t>‹#›</a:t>
+              <a:t>‹Nr.›</a:t>
             </a:fld>
             <a:endParaRPr/>
           </a:p>
@@ -6093,11 +6277,11 @@
 </file>
 
 <file path=ppt/slideLayouts/slideLayout9.xml><?xml version="1.0" encoding="utf-8"?>
-<p:sldLayout xmlns:a="http://schemas.openxmlformats.org/drawingml/2006/main" xmlns:r="http://schemas.openxmlformats.org/officeDocument/2006/relationships" xmlns:mc="http://schemas.openxmlformats.org/markup-compatibility/2006" xmlns:mv="urn:schemas-microsoft-com:mac:vml" xmlns:p="http://schemas.openxmlformats.org/presentationml/2006/main" xmlns:c="http://schemas.openxmlformats.org/drawingml/2006/chart" xmlns:dgm="http://schemas.openxmlformats.org/drawingml/2006/diagram" xmlns:o="urn:schemas-microsoft-com:office:office" xmlns:v="urn:schemas-microsoft-com:vml" xmlns:pvml="urn:schemas-microsoft-com:office:powerpoint" xmlns:com="http://schemas.openxmlformats.org/drawingml/2006/compatibility" xmlns:p14="http://schemas.microsoft.com/office/powerpoint/2010/main" xmlns:p15="http://schemas.microsoft.com/office/powerpoint/2012/main" matchingName="Caption">
+<p:sldLayout xmlns:a="http://schemas.openxmlformats.org/drawingml/2006/main" xmlns:r="http://schemas.openxmlformats.org/officeDocument/2006/relationships" xmlns:p="http://schemas.openxmlformats.org/presentationml/2006/main" matchingName="Caption">
   <p:cSld name="CAPTION_ONLY">
     <p:spTree>
       <p:nvGrpSpPr>
-        <p:cNvPr id="48" name="Shape 48"/>
+        <p:cNvPr id="1" name="Shape 48"/>
         <p:cNvGrpSpPr/>
         <p:nvPr/>
       </p:nvGrpSpPr>
@@ -6112,9 +6296,11 @@
       <p:sp>
         <p:nvSpPr>
           <p:cNvPr id="49" name="Google Shape;49;p10"/>
-          <p:cNvSpPr txBox="1"/>
+          <p:cNvSpPr txBox="1">
+            <a:spLocks noGrp="1"/>
+          </p:cNvSpPr>
           <p:nvPr>
-            <p:ph idx="1" type="body"/>
+            <p:ph type="body" idx="1"/>
           </p:nvPr>
         </p:nvSpPr>
         <p:spPr>
@@ -6127,11 +6313,11 @@
           </a:prstGeom>
         </p:spPr>
         <p:txBody>
-          <a:bodyPr anchorCtr="0" anchor="ctr" bIns="91425" lIns="91425" spcFirstLastPara="1" rIns="91425" wrap="square" tIns="91425">
+          <a:bodyPr spcFirstLastPara="1" wrap="square" lIns="91425" tIns="91425" rIns="91425" bIns="91425" anchor="ctr" anchorCtr="0">
             <a:noAutofit/>
           </a:bodyPr>
           <a:lstStyle>
-            <a:lvl1pPr indent="-228600" lvl="0" marL="457200">
+            <a:lvl1pPr marL="457200" lvl="0" indent="-228600">
               <a:lnSpc>
                 <a:spcPct val="100000"/>
               </a:lnSpc>
@@ -6152,15 +6338,19 @@
               </a:defRPr>
             </a:lvl1pPr>
           </a:lstStyle>
-          <a:p/>
+          <a:p>
+            <a:endParaRPr/>
+          </a:p>
         </p:txBody>
       </p:sp>
       <p:sp>
         <p:nvSpPr>
           <p:cNvPr id="50" name="Google Shape;50;p10"/>
-          <p:cNvSpPr txBox="1"/>
+          <p:cNvSpPr txBox="1">
+            <a:spLocks noGrp="1"/>
+          </p:cNvSpPr>
           <p:nvPr>
-            <p:ph idx="12" type="sldNum"/>
+            <p:ph type="sldNum" idx="12"/>
           </p:nvPr>
         </p:nvSpPr>
         <p:spPr>
@@ -6173,7 +6363,7 @@
           </a:prstGeom>
         </p:spPr>
         <p:txBody>
-          <a:bodyPr anchorCtr="0" anchor="ctr" bIns="91425" lIns="91425" spcFirstLastPara="1" rIns="91425" wrap="square" tIns="91425">
+          <a:bodyPr spcFirstLastPara="1" wrap="square" lIns="91425" tIns="91425" rIns="91425" bIns="91425" anchor="ctr" anchorCtr="0">
             <a:noAutofit/>
           </a:bodyPr>
           <a:lstStyle>
@@ -6215,7 +6405,7 @@
             </a:lvl9pPr>
           </a:lstStyle>
           <a:p>
-            <a:pPr indent="0" lvl="0" marL="0" rtl="0" algn="r">
+            <a:pPr marL="0" lvl="0" indent="0" algn="r" rtl="0">
               <a:spcBef>
                 <a:spcPts val="0"/>
               </a:spcBef>
@@ -6226,7 +6416,7 @@
             </a:pPr>
             <a:fld id="{00000000-1234-1234-1234-123412341234}" type="slidenum">
               <a:rPr lang="pl"/>
-              <a:t>‹#›</a:t>
+              <a:t>‹Nr.›</a:t>
             </a:fld>
             <a:endParaRPr/>
           </a:p>
@@ -6241,18 +6431,19 @@
 </file>
 
 <file path=ppt/slideMasters/slideMaster1.xml><?xml version="1.0" encoding="utf-8"?>
-<p:sldMaster xmlns:a="http://schemas.openxmlformats.org/drawingml/2006/main" xmlns:r="http://schemas.openxmlformats.org/officeDocument/2006/relationships" xmlns:mc="http://schemas.openxmlformats.org/markup-compatibility/2006" xmlns:mv="urn:schemas-microsoft-com:mac:vml" xmlns:p="http://schemas.openxmlformats.org/presentationml/2006/main" xmlns:c="http://schemas.openxmlformats.org/drawingml/2006/chart" xmlns:dgm="http://schemas.openxmlformats.org/drawingml/2006/diagram" xmlns:o="urn:schemas-microsoft-com:office:office" xmlns:v="urn:schemas-microsoft-com:vml" xmlns:pvml="urn:schemas-microsoft-com:office:powerpoint" xmlns:com="http://schemas.openxmlformats.org/drawingml/2006/compatibility" xmlns:p14="http://schemas.microsoft.com/office/powerpoint/2010/main" xmlns:p15="http://schemas.microsoft.com/office/powerpoint/2012/main">
+<p:sldMaster xmlns:a="http://schemas.openxmlformats.org/drawingml/2006/main" xmlns:r="http://schemas.openxmlformats.org/officeDocument/2006/relationships" xmlns:p="http://schemas.openxmlformats.org/presentationml/2006/main">
   <p:cSld name="luxe">
     <p:bg>
       <p:bgPr>
         <a:solidFill>
           <a:schemeClr val="lt1"/>
         </a:solidFill>
+        <a:effectLst/>
       </p:bgPr>
     </p:bg>
     <p:spTree>
       <p:nvGrpSpPr>
-        <p:cNvPr id="5" name="Shape 5"/>
+        <p:cNvPr id="1" name="Shape 5"/>
         <p:cNvGrpSpPr/>
         <p:nvPr/>
       </p:nvGrpSpPr>
@@ -6267,7 +6458,9 @@
       <p:sp>
         <p:nvSpPr>
           <p:cNvPr id="6" name="Google Shape;6;p1"/>
-          <p:cNvSpPr txBox="1"/>
+          <p:cNvSpPr txBox="1">
+            <a:spLocks noGrp="1"/>
+          </p:cNvSpPr>
           <p:nvPr>
             <p:ph type="title"/>
           </p:nvPr>
@@ -6286,7 +6479,7 @@
           </a:ln>
         </p:spPr>
         <p:txBody>
-          <a:bodyPr anchorCtr="0" anchor="b" bIns="91425" lIns="91425" spcFirstLastPara="1" rIns="91425" wrap="square" tIns="91425">
+          <a:bodyPr spcFirstLastPara="1" wrap="square" lIns="91425" tIns="91425" rIns="91425" bIns="91425" anchor="b" anchorCtr="0">
             <a:noAutofit/>
           </a:bodyPr>
           <a:lstStyle>
@@ -6498,15 +6691,19 @@
               </a:defRPr>
             </a:lvl9pPr>
           </a:lstStyle>
-          <a:p/>
+          <a:p>
+            <a:endParaRPr/>
+          </a:p>
         </p:txBody>
       </p:sp>
       <p:sp>
         <p:nvSpPr>
           <p:cNvPr id="7" name="Google Shape;7;p1"/>
-          <p:cNvSpPr txBox="1"/>
+          <p:cNvSpPr txBox="1">
+            <a:spLocks noGrp="1"/>
+          </p:cNvSpPr>
           <p:nvPr>
-            <p:ph idx="1" type="body"/>
+            <p:ph type="body" idx="1"/>
           </p:nvPr>
         </p:nvSpPr>
         <p:spPr>
@@ -6523,11 +6720,11 @@
           </a:ln>
         </p:spPr>
         <p:txBody>
-          <a:bodyPr anchorCtr="0" anchor="t" bIns="91425" lIns="91425" spcFirstLastPara="1" rIns="91425" wrap="square" tIns="91425">
+          <a:bodyPr spcFirstLastPara="1" wrap="square" lIns="91425" tIns="91425" rIns="91425" bIns="91425" anchor="t" anchorCtr="0">
             <a:noAutofit/>
           </a:bodyPr>
           <a:lstStyle>
-            <a:lvl1pPr indent="-342900" lvl="0" marL="457200">
+            <a:lvl1pPr marL="457200" lvl="0" indent="-342900">
               <a:lnSpc>
                 <a:spcPct val="115000"/>
               </a:lnSpc>
@@ -6553,7 +6750,7 @@
                 <a:sym typeface="Open Sans"/>
               </a:defRPr>
             </a:lvl1pPr>
-            <a:lvl2pPr indent="-317500" lvl="1" marL="914400">
+            <a:lvl2pPr marL="914400" lvl="1" indent="-317500">
               <a:lnSpc>
                 <a:spcPct val="115000"/>
               </a:lnSpc>
@@ -6579,7 +6776,7 @@
                 <a:sym typeface="Open Sans"/>
               </a:defRPr>
             </a:lvl2pPr>
-            <a:lvl3pPr indent="-317500" lvl="2" marL="1371600">
+            <a:lvl3pPr marL="1371600" lvl="2" indent="-317500">
               <a:lnSpc>
                 <a:spcPct val="115000"/>
               </a:lnSpc>
@@ -6605,7 +6802,7 @@
                 <a:sym typeface="Open Sans"/>
               </a:defRPr>
             </a:lvl3pPr>
-            <a:lvl4pPr indent="-317500" lvl="3" marL="1828800">
+            <a:lvl4pPr marL="1828800" lvl="3" indent="-317500">
               <a:lnSpc>
                 <a:spcPct val="115000"/>
               </a:lnSpc>
@@ -6631,7 +6828,7 @@
                 <a:sym typeface="Open Sans"/>
               </a:defRPr>
             </a:lvl4pPr>
-            <a:lvl5pPr indent="-317500" lvl="4" marL="2286000">
+            <a:lvl5pPr marL="2286000" lvl="4" indent="-317500">
               <a:lnSpc>
                 <a:spcPct val="115000"/>
               </a:lnSpc>
@@ -6657,7 +6854,7 @@
                 <a:sym typeface="Open Sans"/>
               </a:defRPr>
             </a:lvl5pPr>
-            <a:lvl6pPr indent="-317500" lvl="5" marL="2743200">
+            <a:lvl6pPr marL="2743200" lvl="5" indent="-317500">
               <a:lnSpc>
                 <a:spcPct val="115000"/>
               </a:lnSpc>
@@ -6683,7 +6880,7 @@
                 <a:sym typeface="Open Sans"/>
               </a:defRPr>
             </a:lvl6pPr>
-            <a:lvl7pPr indent="-317500" lvl="6" marL="3200400">
+            <a:lvl7pPr marL="3200400" lvl="6" indent="-317500">
               <a:lnSpc>
                 <a:spcPct val="115000"/>
               </a:lnSpc>
@@ -6709,7 +6906,7 @@
                 <a:sym typeface="Open Sans"/>
               </a:defRPr>
             </a:lvl7pPr>
-            <a:lvl8pPr indent="-317500" lvl="7" marL="3657600">
+            <a:lvl8pPr marL="3657600" lvl="7" indent="-317500">
               <a:lnSpc>
                 <a:spcPct val="115000"/>
               </a:lnSpc>
@@ -6735,7 +6932,7 @@
                 <a:sym typeface="Open Sans"/>
               </a:defRPr>
             </a:lvl8pPr>
-            <a:lvl9pPr indent="-317500" lvl="8" marL="4114800">
+            <a:lvl9pPr marL="4114800" lvl="8" indent="-317500">
               <a:lnSpc>
                 <a:spcPct val="115000"/>
               </a:lnSpc>
@@ -6762,15 +6959,19 @@
               </a:defRPr>
             </a:lvl9pPr>
           </a:lstStyle>
-          <a:p/>
+          <a:p>
+            <a:endParaRPr/>
+          </a:p>
         </p:txBody>
       </p:sp>
       <p:sp>
         <p:nvSpPr>
           <p:cNvPr id="8" name="Google Shape;8;p1"/>
-          <p:cNvSpPr txBox="1"/>
+          <p:cNvSpPr txBox="1">
+            <a:spLocks noGrp="1"/>
+          </p:cNvSpPr>
           <p:nvPr>
-            <p:ph idx="12" type="sldNum"/>
+            <p:ph type="sldNum" idx="12"/>
           </p:nvPr>
         </p:nvSpPr>
         <p:spPr>
@@ -6787,7 +6988,7 @@
           </a:ln>
         </p:spPr>
         <p:txBody>
-          <a:bodyPr anchorCtr="0" anchor="ctr" bIns="91425" lIns="91425" spcFirstLastPara="1" rIns="91425" wrap="square" tIns="91425">
+          <a:bodyPr spcFirstLastPara="1" wrap="square" lIns="91425" tIns="91425" rIns="91425" bIns="91425" anchor="ctr" anchorCtr="0">
             <a:noAutofit/>
           </a:bodyPr>
           <a:lstStyle>
@@ -6901,7 +7102,7 @@
             </a:lvl9pPr>
           </a:lstStyle>
           <a:p>
-            <a:pPr indent="0" lvl="0" marL="0" rtl="0" algn="r">
+            <a:pPr marL="0" lvl="0" indent="0" algn="r" rtl="0">
               <a:spcBef>
                 <a:spcPts val="0"/>
               </a:spcBef>
@@ -6912,7 +7113,7 @@
             </a:pPr>
             <a:fld id="{00000000-1234-1234-1234-123412341234}" type="slidenum">
               <a:rPr lang="pl"/>
-              <a:t>‹#›</a:t>
+              <a:t>‹Nr.›</a:t>
             </a:fld>
             <a:endParaRPr/>
           </a:p>
@@ -6920,7 +7121,7 @@
       </p:sp>
     </p:spTree>
   </p:cSld>
-  <p:clrMap accent1="accent1" accent2="accent2" accent3="accent3" accent4="accent4" accent5="accent5" accent6="accent6" bg1="lt1" bg2="dk2" tx1="dk1" tx2="lt2" folHlink="folHlink" hlink="hlink"/>
+  <p:clrMap bg1="lt1" tx1="dk1" bg2="dk2" tx2="lt2" accent1="accent1" accent2="accent2" accent3="accent3" accent4="accent4" accent5="accent5" accent6="accent6" hlink="hlink" folHlink="folHlink"/>
   <p:sldLayoutIdLst>
     <p:sldLayoutId id="2147483648" r:id="rId1"/>
     <p:sldLayoutId id="2147483649" r:id="rId2"/>
@@ -6934,10 +7135,10 @@
     <p:sldLayoutId id="2147483657" r:id="rId10"/>
     <p:sldLayoutId id="2147483658" r:id="rId11"/>
   </p:sldLayoutIdLst>
-  <p:hf dt="0" ftr="0" hdr="0" sldNum="0"/>
+  <p:hf sldNum="0" hdr="0" ftr="0" dt="0"/>
   <p:txStyles>
     <p:titleStyle>
-      <a:defPPr lvl="0" marR="0" rtl="0" algn="l">
+      <a:defPPr marR="0" lvl="0" algn="l" rtl="0">
         <a:lnSpc>
           <a:spcPct val="100000"/>
         </a:lnSpc>
@@ -6948,7 +7149,7 @@
           <a:spcPts val="0"/>
         </a:spcAft>
       </a:defPPr>
-      <a:lvl1pPr lvl="0" marR="0" rtl="0" algn="l">
+      <a:lvl1pPr marR="0" lvl="0" algn="l" rtl="0">
         <a:lnSpc>
           <a:spcPct val="100000"/>
         </a:lnSpc>
@@ -6962,7 +7163,7 @@
           <a:srgbClr val="000000"/>
         </a:buClr>
         <a:buFont typeface="Arial"/>
-        <a:defRPr b="0" i="0" sz="1400" u="none" cap="none" strike="noStrike">
+        <a:defRPr sz="1400" b="0" i="0" u="none" strike="noStrike" cap="none">
           <a:solidFill>
             <a:srgbClr val="000000"/>
           </a:solidFill>
@@ -6972,7 +7173,7 @@
           <a:sym typeface="Arial"/>
         </a:defRPr>
       </a:lvl1pPr>
-      <a:lvl2pPr lvl="1" marR="0" rtl="0" algn="l">
+      <a:lvl2pPr marR="0" lvl="1" algn="l" rtl="0">
         <a:lnSpc>
           <a:spcPct val="100000"/>
         </a:lnSpc>
@@ -6986,7 +7187,7 @@
           <a:srgbClr val="000000"/>
         </a:buClr>
         <a:buFont typeface="Arial"/>
-        <a:defRPr b="0" i="0" sz="1400" u="none" cap="none" strike="noStrike">
+        <a:defRPr sz="1400" b="0" i="0" u="none" strike="noStrike" cap="none">
           <a:solidFill>
             <a:srgbClr val="000000"/>
           </a:solidFill>
@@ -6996,7 +7197,7 @@
           <a:sym typeface="Arial"/>
         </a:defRPr>
       </a:lvl2pPr>
-      <a:lvl3pPr lvl="2" marR="0" rtl="0" algn="l">
+      <a:lvl3pPr marR="0" lvl="2" algn="l" rtl="0">
         <a:lnSpc>
           <a:spcPct val="100000"/>
         </a:lnSpc>
@@ -7010,7 +7211,7 @@
           <a:srgbClr val="000000"/>
         </a:buClr>
         <a:buFont typeface="Arial"/>
-        <a:defRPr b="0" i="0" sz="1400" u="none" cap="none" strike="noStrike">
+        <a:defRPr sz="1400" b="0" i="0" u="none" strike="noStrike" cap="none">
           <a:solidFill>
             <a:srgbClr val="000000"/>
           </a:solidFill>
@@ -7020,7 +7221,7 @@
           <a:sym typeface="Arial"/>
         </a:defRPr>
       </a:lvl3pPr>
-      <a:lvl4pPr lvl="3" marR="0" rtl="0" algn="l">
+      <a:lvl4pPr marR="0" lvl="3" algn="l" rtl="0">
         <a:lnSpc>
           <a:spcPct val="100000"/>
         </a:lnSpc>
@@ -7034,7 +7235,7 @@
           <a:srgbClr val="000000"/>
         </a:buClr>
         <a:buFont typeface="Arial"/>
-        <a:defRPr b="0" i="0" sz="1400" u="none" cap="none" strike="noStrike">
+        <a:defRPr sz="1400" b="0" i="0" u="none" strike="noStrike" cap="none">
           <a:solidFill>
             <a:srgbClr val="000000"/>
           </a:solidFill>
@@ -7044,7 +7245,7 @@
           <a:sym typeface="Arial"/>
         </a:defRPr>
       </a:lvl4pPr>
-      <a:lvl5pPr lvl="4" marR="0" rtl="0" algn="l">
+      <a:lvl5pPr marR="0" lvl="4" algn="l" rtl="0">
         <a:lnSpc>
           <a:spcPct val="100000"/>
         </a:lnSpc>
@@ -7058,7 +7259,7 @@
           <a:srgbClr val="000000"/>
         </a:buClr>
         <a:buFont typeface="Arial"/>
-        <a:defRPr b="0" i="0" sz="1400" u="none" cap="none" strike="noStrike">
+        <a:defRPr sz="1400" b="0" i="0" u="none" strike="noStrike" cap="none">
           <a:solidFill>
             <a:srgbClr val="000000"/>
           </a:solidFill>
@@ -7068,7 +7269,7 @@
           <a:sym typeface="Arial"/>
         </a:defRPr>
       </a:lvl5pPr>
-      <a:lvl6pPr lvl="5" marR="0" rtl="0" algn="l">
+      <a:lvl6pPr marR="0" lvl="5" algn="l" rtl="0">
         <a:lnSpc>
           <a:spcPct val="100000"/>
         </a:lnSpc>
@@ -7082,7 +7283,7 @@
           <a:srgbClr val="000000"/>
         </a:buClr>
         <a:buFont typeface="Arial"/>
-        <a:defRPr b="0" i="0" sz="1400" u="none" cap="none" strike="noStrike">
+        <a:defRPr sz="1400" b="0" i="0" u="none" strike="noStrike" cap="none">
           <a:solidFill>
             <a:srgbClr val="000000"/>
           </a:solidFill>
@@ -7092,7 +7293,7 @@
           <a:sym typeface="Arial"/>
         </a:defRPr>
       </a:lvl6pPr>
-      <a:lvl7pPr lvl="6" marR="0" rtl="0" algn="l">
+      <a:lvl7pPr marR="0" lvl="6" algn="l" rtl="0">
         <a:lnSpc>
           <a:spcPct val="100000"/>
         </a:lnSpc>
@@ -7106,7 +7307,7 @@
           <a:srgbClr val="000000"/>
         </a:buClr>
         <a:buFont typeface="Arial"/>
-        <a:defRPr b="0" i="0" sz="1400" u="none" cap="none" strike="noStrike">
+        <a:defRPr sz="1400" b="0" i="0" u="none" strike="noStrike" cap="none">
           <a:solidFill>
             <a:srgbClr val="000000"/>
           </a:solidFill>
@@ -7116,7 +7317,7 @@
           <a:sym typeface="Arial"/>
         </a:defRPr>
       </a:lvl7pPr>
-      <a:lvl8pPr lvl="7" marR="0" rtl="0" algn="l">
+      <a:lvl8pPr marR="0" lvl="7" algn="l" rtl="0">
         <a:lnSpc>
           <a:spcPct val="100000"/>
         </a:lnSpc>
@@ -7130,7 +7331,7 @@
           <a:srgbClr val="000000"/>
         </a:buClr>
         <a:buFont typeface="Arial"/>
-        <a:defRPr b="0" i="0" sz="1400" u="none" cap="none" strike="noStrike">
+        <a:defRPr sz="1400" b="0" i="0" u="none" strike="noStrike" cap="none">
           <a:solidFill>
             <a:srgbClr val="000000"/>
           </a:solidFill>
@@ -7140,7 +7341,7 @@
           <a:sym typeface="Arial"/>
         </a:defRPr>
       </a:lvl8pPr>
-      <a:lvl9pPr lvl="8" marR="0" rtl="0" algn="l">
+      <a:lvl9pPr marR="0" lvl="8" algn="l" rtl="0">
         <a:lnSpc>
           <a:spcPct val="100000"/>
         </a:lnSpc>
@@ -7154,7 +7355,7 @@
           <a:srgbClr val="000000"/>
         </a:buClr>
         <a:buFont typeface="Arial"/>
-        <a:defRPr b="0" i="0" sz="1400" u="none" cap="none" strike="noStrike">
+        <a:defRPr sz="1400" b="0" i="0" u="none" strike="noStrike" cap="none">
           <a:solidFill>
             <a:srgbClr val="000000"/>
           </a:solidFill>
@@ -7166,7 +7367,7 @@
       </a:lvl9pPr>
     </p:titleStyle>
     <p:bodyStyle>
-      <a:defPPr lvl="0" marR="0" rtl="0" algn="l">
+      <a:defPPr marR="0" lvl="0" algn="l" rtl="0">
         <a:lnSpc>
           <a:spcPct val="100000"/>
         </a:lnSpc>
@@ -7177,7 +7378,7 @@
           <a:spcPts val="0"/>
         </a:spcAft>
       </a:defPPr>
-      <a:lvl1pPr lvl="0" marR="0" rtl="0" algn="l">
+      <a:lvl1pPr marR="0" lvl="0" algn="l" rtl="0">
         <a:lnSpc>
           <a:spcPct val="100000"/>
         </a:lnSpc>
@@ -7191,7 +7392,7 @@
           <a:srgbClr val="000000"/>
         </a:buClr>
         <a:buFont typeface="Arial"/>
-        <a:defRPr b="0" i="0" sz="1400" u="none" cap="none" strike="noStrike">
+        <a:defRPr sz="1400" b="0" i="0" u="none" strike="noStrike" cap="none">
           <a:solidFill>
             <a:srgbClr val="000000"/>
           </a:solidFill>
@@ -7201,7 +7402,7 @@
           <a:sym typeface="Arial"/>
         </a:defRPr>
       </a:lvl1pPr>
-      <a:lvl2pPr lvl="1" marR="0" rtl="0" algn="l">
+      <a:lvl2pPr marR="0" lvl="1" algn="l" rtl="0">
         <a:lnSpc>
           <a:spcPct val="100000"/>
         </a:lnSpc>
@@ -7215,7 +7416,7 @@
           <a:srgbClr val="000000"/>
         </a:buClr>
         <a:buFont typeface="Arial"/>
-        <a:defRPr b="0" i="0" sz="1400" u="none" cap="none" strike="noStrike">
+        <a:defRPr sz="1400" b="0" i="0" u="none" strike="noStrike" cap="none">
           <a:solidFill>
             <a:srgbClr val="000000"/>
           </a:solidFill>
@@ -7225,7 +7426,7 @@
           <a:sym typeface="Arial"/>
         </a:defRPr>
       </a:lvl2pPr>
-      <a:lvl3pPr lvl="2" marR="0" rtl="0" algn="l">
+      <a:lvl3pPr marR="0" lvl="2" algn="l" rtl="0">
         <a:lnSpc>
           <a:spcPct val="100000"/>
         </a:lnSpc>
@@ -7239,7 +7440,7 @@
           <a:srgbClr val="000000"/>
         </a:buClr>
         <a:buFont typeface="Arial"/>
-        <a:defRPr b="0" i="0" sz="1400" u="none" cap="none" strike="noStrike">
+        <a:defRPr sz="1400" b="0" i="0" u="none" strike="noStrike" cap="none">
           <a:solidFill>
             <a:srgbClr val="000000"/>
           </a:solidFill>
@@ -7249,7 +7450,7 @@
           <a:sym typeface="Arial"/>
         </a:defRPr>
       </a:lvl3pPr>
-      <a:lvl4pPr lvl="3" marR="0" rtl="0" algn="l">
+      <a:lvl4pPr marR="0" lvl="3" algn="l" rtl="0">
         <a:lnSpc>
           <a:spcPct val="100000"/>
         </a:lnSpc>
@@ -7263,7 +7464,7 @@
           <a:srgbClr val="000000"/>
         </a:buClr>
         <a:buFont typeface="Arial"/>
-        <a:defRPr b="0" i="0" sz="1400" u="none" cap="none" strike="noStrike">
+        <a:defRPr sz="1400" b="0" i="0" u="none" strike="noStrike" cap="none">
           <a:solidFill>
             <a:srgbClr val="000000"/>
           </a:solidFill>
@@ -7273,7 +7474,7 @@
           <a:sym typeface="Arial"/>
         </a:defRPr>
       </a:lvl4pPr>
-      <a:lvl5pPr lvl="4" marR="0" rtl="0" algn="l">
+      <a:lvl5pPr marR="0" lvl="4" algn="l" rtl="0">
         <a:lnSpc>
           <a:spcPct val="100000"/>
         </a:lnSpc>
@@ -7287,7 +7488,7 @@
           <a:srgbClr val="000000"/>
         </a:buClr>
         <a:buFont typeface="Arial"/>
-        <a:defRPr b="0" i="0" sz="1400" u="none" cap="none" strike="noStrike">
+        <a:defRPr sz="1400" b="0" i="0" u="none" strike="noStrike" cap="none">
           <a:solidFill>
             <a:srgbClr val="000000"/>
           </a:solidFill>
@@ -7297,7 +7498,7 @@
           <a:sym typeface="Arial"/>
         </a:defRPr>
       </a:lvl5pPr>
-      <a:lvl6pPr lvl="5" marR="0" rtl="0" algn="l">
+      <a:lvl6pPr marR="0" lvl="5" algn="l" rtl="0">
         <a:lnSpc>
           <a:spcPct val="100000"/>
         </a:lnSpc>
@@ -7311,7 +7512,7 @@
           <a:srgbClr val="000000"/>
         </a:buClr>
         <a:buFont typeface="Arial"/>
-        <a:defRPr b="0" i="0" sz="1400" u="none" cap="none" strike="noStrike">
+        <a:defRPr sz="1400" b="0" i="0" u="none" strike="noStrike" cap="none">
           <a:solidFill>
             <a:srgbClr val="000000"/>
           </a:solidFill>
@@ -7321,7 +7522,7 @@
           <a:sym typeface="Arial"/>
         </a:defRPr>
       </a:lvl6pPr>
-      <a:lvl7pPr lvl="6" marR="0" rtl="0" algn="l">
+      <a:lvl7pPr marR="0" lvl="6" algn="l" rtl="0">
         <a:lnSpc>
           <a:spcPct val="100000"/>
         </a:lnSpc>
@@ -7335,7 +7536,7 @@
           <a:srgbClr val="000000"/>
         </a:buClr>
         <a:buFont typeface="Arial"/>
-        <a:defRPr b="0" i="0" sz="1400" u="none" cap="none" strike="noStrike">
+        <a:defRPr sz="1400" b="0" i="0" u="none" strike="noStrike" cap="none">
           <a:solidFill>
             <a:srgbClr val="000000"/>
           </a:solidFill>
@@ -7345,7 +7546,7 @@
           <a:sym typeface="Arial"/>
         </a:defRPr>
       </a:lvl7pPr>
-      <a:lvl8pPr lvl="7" marR="0" rtl="0" algn="l">
+      <a:lvl8pPr marR="0" lvl="7" algn="l" rtl="0">
         <a:lnSpc>
           <a:spcPct val="100000"/>
         </a:lnSpc>
@@ -7359,7 +7560,7 @@
           <a:srgbClr val="000000"/>
         </a:buClr>
         <a:buFont typeface="Arial"/>
-        <a:defRPr b="0" i="0" sz="1400" u="none" cap="none" strike="noStrike">
+        <a:defRPr sz="1400" b="0" i="0" u="none" strike="noStrike" cap="none">
           <a:solidFill>
             <a:srgbClr val="000000"/>
           </a:solidFill>
@@ -7369,7 +7570,7 @@
           <a:sym typeface="Arial"/>
         </a:defRPr>
       </a:lvl8pPr>
-      <a:lvl9pPr lvl="8" marR="0" rtl="0" algn="l">
+      <a:lvl9pPr marR="0" lvl="8" algn="l" rtl="0">
         <a:lnSpc>
           <a:spcPct val="100000"/>
         </a:lnSpc>
@@ -7383,7 +7584,7 @@
           <a:srgbClr val="000000"/>
         </a:buClr>
         <a:buFont typeface="Arial"/>
-        <a:defRPr b="0" i="0" sz="1400" u="none" cap="none" strike="noStrike">
+        <a:defRPr sz="1400" b="0" i="0" u="none" strike="noStrike" cap="none">
           <a:solidFill>
             <a:srgbClr val="000000"/>
           </a:solidFill>
@@ -7395,7 +7596,7 @@
       </a:lvl9pPr>
     </p:bodyStyle>
     <p:otherStyle>
-      <a:defPPr lvl="0" marR="0" rtl="0" algn="l">
+      <a:defPPr marR="0" lvl="0" algn="l" rtl="0">
         <a:lnSpc>
           <a:spcPct val="100000"/>
         </a:lnSpc>
@@ -7406,7 +7607,7 @@
           <a:spcPts val="0"/>
         </a:spcAft>
       </a:defPPr>
-      <a:lvl1pPr lvl="0" marR="0" rtl="0" algn="l">
+      <a:lvl1pPr marR="0" lvl="0" algn="l" rtl="0">
         <a:lnSpc>
           <a:spcPct val="100000"/>
         </a:lnSpc>
@@ -7420,7 +7621,7 @@
           <a:srgbClr val="000000"/>
         </a:buClr>
         <a:buFont typeface="Arial"/>
-        <a:defRPr b="0" i="0" sz="1400" u="none" cap="none" strike="noStrike">
+        <a:defRPr sz="1400" b="0" i="0" u="none" strike="noStrike" cap="none">
           <a:solidFill>
             <a:srgbClr val="000000"/>
           </a:solidFill>
@@ -7430,7 +7631,7 @@
           <a:sym typeface="Arial"/>
         </a:defRPr>
       </a:lvl1pPr>
-      <a:lvl2pPr lvl="1" marR="0" rtl="0" algn="l">
+      <a:lvl2pPr marR="0" lvl="1" algn="l" rtl="0">
         <a:lnSpc>
           <a:spcPct val="100000"/>
         </a:lnSpc>
@@ -7444,7 +7645,7 @@
           <a:srgbClr val="000000"/>
         </a:buClr>
         <a:buFont typeface="Arial"/>
-        <a:defRPr b="0" i="0" sz="1400" u="none" cap="none" strike="noStrike">
+        <a:defRPr sz="1400" b="0" i="0" u="none" strike="noStrike" cap="none">
           <a:solidFill>
             <a:srgbClr val="000000"/>
           </a:solidFill>
@@ -7454,7 +7655,7 @@
           <a:sym typeface="Arial"/>
         </a:defRPr>
       </a:lvl2pPr>
-      <a:lvl3pPr lvl="2" marR="0" rtl="0" algn="l">
+      <a:lvl3pPr marR="0" lvl="2" algn="l" rtl="0">
         <a:lnSpc>
           <a:spcPct val="100000"/>
         </a:lnSpc>
@@ -7468,7 +7669,7 @@
           <a:srgbClr val="000000"/>
         </a:buClr>
         <a:buFont typeface="Arial"/>
-        <a:defRPr b="0" i="0" sz="1400" u="none" cap="none" strike="noStrike">
+        <a:defRPr sz="1400" b="0" i="0" u="none" strike="noStrike" cap="none">
           <a:solidFill>
             <a:srgbClr val="000000"/>
           </a:solidFill>
@@ -7478,7 +7679,7 @@
           <a:sym typeface="Arial"/>
         </a:defRPr>
       </a:lvl3pPr>
-      <a:lvl4pPr lvl="3" marR="0" rtl="0" algn="l">
+      <a:lvl4pPr marR="0" lvl="3" algn="l" rtl="0">
         <a:lnSpc>
           <a:spcPct val="100000"/>
         </a:lnSpc>
@@ -7492,7 +7693,7 @@
           <a:srgbClr val="000000"/>
         </a:buClr>
         <a:buFont typeface="Arial"/>
-        <a:defRPr b="0" i="0" sz="1400" u="none" cap="none" strike="noStrike">
+        <a:defRPr sz="1400" b="0" i="0" u="none" strike="noStrike" cap="none">
           <a:solidFill>
             <a:srgbClr val="000000"/>
           </a:solidFill>
@@ -7502,7 +7703,7 @@
           <a:sym typeface="Arial"/>
         </a:defRPr>
       </a:lvl4pPr>
-      <a:lvl5pPr lvl="4" marR="0" rtl="0" algn="l">
+      <a:lvl5pPr marR="0" lvl="4" algn="l" rtl="0">
         <a:lnSpc>
           <a:spcPct val="100000"/>
         </a:lnSpc>
@@ -7516,7 +7717,7 @@
           <a:srgbClr val="000000"/>
         </a:buClr>
         <a:buFont typeface="Arial"/>
-        <a:defRPr b="0" i="0" sz="1400" u="none" cap="none" strike="noStrike">
+        <a:defRPr sz="1400" b="0" i="0" u="none" strike="noStrike" cap="none">
           <a:solidFill>
             <a:srgbClr val="000000"/>
           </a:solidFill>
@@ -7526,7 +7727,7 @@
           <a:sym typeface="Arial"/>
         </a:defRPr>
       </a:lvl5pPr>
-      <a:lvl6pPr lvl="5" marR="0" rtl="0" algn="l">
+      <a:lvl6pPr marR="0" lvl="5" algn="l" rtl="0">
         <a:lnSpc>
           <a:spcPct val="100000"/>
         </a:lnSpc>
@@ -7540,7 +7741,7 @@
           <a:srgbClr val="000000"/>
         </a:buClr>
         <a:buFont typeface="Arial"/>
-        <a:defRPr b="0" i="0" sz="1400" u="none" cap="none" strike="noStrike">
+        <a:defRPr sz="1400" b="0" i="0" u="none" strike="noStrike" cap="none">
           <a:solidFill>
             <a:srgbClr val="000000"/>
           </a:solidFill>
@@ -7550,7 +7751,7 @@
           <a:sym typeface="Arial"/>
         </a:defRPr>
       </a:lvl6pPr>
-      <a:lvl7pPr lvl="6" marR="0" rtl="0" algn="l">
+      <a:lvl7pPr marR="0" lvl="6" algn="l" rtl="0">
         <a:lnSpc>
           <a:spcPct val="100000"/>
         </a:lnSpc>
@@ -7564,7 +7765,7 @@
           <a:srgbClr val="000000"/>
         </a:buClr>
         <a:buFont typeface="Arial"/>
-        <a:defRPr b="0" i="0" sz="1400" u="none" cap="none" strike="noStrike">
+        <a:defRPr sz="1400" b="0" i="0" u="none" strike="noStrike" cap="none">
           <a:solidFill>
             <a:srgbClr val="000000"/>
           </a:solidFill>
@@ -7574,7 +7775,7 @@
           <a:sym typeface="Arial"/>
         </a:defRPr>
       </a:lvl7pPr>
-      <a:lvl8pPr lvl="7" marR="0" rtl="0" algn="l">
+      <a:lvl8pPr marR="0" lvl="7" algn="l" rtl="0">
         <a:lnSpc>
           <a:spcPct val="100000"/>
         </a:lnSpc>
@@ -7588,7 +7789,7 @@
           <a:srgbClr val="000000"/>
         </a:buClr>
         <a:buFont typeface="Arial"/>
-        <a:defRPr b="0" i="0" sz="1400" u="none" cap="none" strike="noStrike">
+        <a:defRPr sz="1400" b="0" i="0" u="none" strike="noStrike" cap="none">
           <a:solidFill>
             <a:srgbClr val="000000"/>
           </a:solidFill>
@@ -7598,7 +7799,7 @@
           <a:sym typeface="Arial"/>
         </a:defRPr>
       </a:lvl8pPr>
-      <a:lvl9pPr lvl="8" marR="0" rtl="0" algn="l">
+      <a:lvl9pPr marR="0" lvl="8" algn="l" rtl="0">
         <a:lnSpc>
           <a:spcPct val="100000"/>
         </a:lnSpc>
@@ -7612,7 +7813,7 @@
           <a:srgbClr val="000000"/>
         </a:buClr>
         <a:buFont typeface="Arial"/>
-        <a:defRPr b="0" i="0" sz="1400" u="none" cap="none" strike="noStrike">
+        <a:defRPr sz="1400" b="0" i="0" u="none" strike="noStrike" cap="none">
           <a:solidFill>
             <a:srgbClr val="000000"/>
           </a:solidFill>
@@ -7628,11 +7829,11 @@
 </file>
 
 <file path=ppt/slides/slide1.xml><?xml version="1.0" encoding="utf-8"?>
-<p:sld xmlns:a="http://schemas.openxmlformats.org/drawingml/2006/main" xmlns:r="http://schemas.openxmlformats.org/officeDocument/2006/relationships" xmlns:mc="http://schemas.openxmlformats.org/markup-compatibility/2006" xmlns:mv="urn:schemas-microsoft-com:mac:vml" xmlns:p="http://schemas.openxmlformats.org/presentationml/2006/main" xmlns:c="http://schemas.openxmlformats.org/drawingml/2006/chart" xmlns:dgm="http://schemas.openxmlformats.org/drawingml/2006/diagram" xmlns:o="urn:schemas-microsoft-com:office:office" xmlns:v="urn:schemas-microsoft-com:vml" xmlns:pvml="urn:schemas-microsoft-com:office:powerpoint" xmlns:com="http://schemas.openxmlformats.org/drawingml/2006/compatibility" xmlns:p14="http://schemas.microsoft.com/office/powerpoint/2010/main" xmlns:p15="http://schemas.microsoft.com/office/powerpoint/2012/main">
+<p:sld xmlns:a="http://schemas.openxmlformats.org/drawingml/2006/main" xmlns:r="http://schemas.openxmlformats.org/officeDocument/2006/relationships" xmlns:p="http://schemas.openxmlformats.org/presentationml/2006/main">
   <p:cSld>
     <p:spTree>
       <p:nvGrpSpPr>
-        <p:cNvPr id="61" name="Shape 61"/>
+        <p:cNvPr id="1" name="Shape 61"/>
         <p:cNvGrpSpPr/>
         <p:nvPr/>
       </p:nvGrpSpPr>
@@ -7647,7 +7848,9 @@
       <p:sp>
         <p:nvSpPr>
           <p:cNvPr id="62" name="Google Shape;62;p13"/>
-          <p:cNvSpPr txBox="1"/>
+          <p:cNvSpPr txBox="1">
+            <a:spLocks noGrp="1"/>
+          </p:cNvSpPr>
           <p:nvPr>
             <p:ph type="ctrTitle"/>
           </p:nvPr>
@@ -7662,12 +7865,12 @@
           </a:prstGeom>
         </p:spPr>
         <p:txBody>
-          <a:bodyPr anchorCtr="0" anchor="b" bIns="91425" lIns="91425" spcFirstLastPara="1" rIns="91425" wrap="square" tIns="91425">
+          <a:bodyPr spcFirstLastPara="1" wrap="square" lIns="91425" tIns="91425" rIns="91425" bIns="91425" anchor="b" anchorCtr="0">
             <a:noAutofit/>
           </a:bodyPr>
           <a:lstStyle/>
           <a:p>
-            <a:pPr indent="0" lvl="0" marL="0" rtl="0" algn="ctr">
+            <a:pPr marL="0" lvl="0" indent="0" algn="ctr" rtl="0">
               <a:spcBef>
                 <a:spcPts val="0"/>
               </a:spcBef>
@@ -7687,9 +7890,11 @@
       <p:sp>
         <p:nvSpPr>
           <p:cNvPr id="63" name="Google Shape;63;p13"/>
-          <p:cNvSpPr txBox="1"/>
+          <p:cNvSpPr txBox="1">
+            <a:spLocks noGrp="1"/>
+          </p:cNvSpPr>
           <p:nvPr>
-            <p:ph idx="1" type="subTitle"/>
+            <p:ph type="subTitle" idx="1"/>
           </p:nvPr>
         </p:nvSpPr>
         <p:spPr>
@@ -7702,12 +7907,12 @@
           </a:prstGeom>
         </p:spPr>
         <p:txBody>
-          <a:bodyPr anchorCtr="0" anchor="t" bIns="91425" lIns="91425" spcFirstLastPara="1" rIns="91425" wrap="square" tIns="91425">
+          <a:bodyPr spcFirstLastPara="1" wrap="square" lIns="91425" tIns="91425" rIns="91425" bIns="91425" anchor="t" anchorCtr="0">
             <a:noAutofit/>
           </a:bodyPr>
           <a:lstStyle/>
           <a:p>
-            <a:pPr indent="0" lvl="0" marL="0" rtl="0" algn="ctr">
+            <a:pPr marL="0" lvl="0" indent="0" algn="ctr" rtl="0">
               <a:spcBef>
                 <a:spcPts val="0"/>
               </a:spcBef>
@@ -7733,11 +7938,172 @@
 </file>
 
 <file path=ppt/slides/slide10.xml><?xml version="1.0" encoding="utf-8"?>
-<p:sld xmlns:a="http://schemas.openxmlformats.org/drawingml/2006/main" xmlns:r="http://schemas.openxmlformats.org/officeDocument/2006/relationships" xmlns:mc="http://schemas.openxmlformats.org/markup-compatibility/2006" xmlns:mv="urn:schemas-microsoft-com:mac:vml" xmlns:p="http://schemas.openxmlformats.org/presentationml/2006/main" xmlns:c="http://schemas.openxmlformats.org/drawingml/2006/chart" xmlns:dgm="http://schemas.openxmlformats.org/drawingml/2006/diagram" xmlns:o="urn:schemas-microsoft-com:office:office" xmlns:v="urn:schemas-microsoft-com:vml" xmlns:pvml="urn:schemas-microsoft-com:office:powerpoint" xmlns:com="http://schemas.openxmlformats.org/drawingml/2006/compatibility" xmlns:p14="http://schemas.microsoft.com/office/powerpoint/2010/main" xmlns:p15="http://schemas.microsoft.com/office/powerpoint/2012/main">
+<p:sld xmlns:a="http://schemas.openxmlformats.org/drawingml/2006/main" xmlns:r="http://schemas.openxmlformats.org/officeDocument/2006/relationships" xmlns:p="http://schemas.openxmlformats.org/presentationml/2006/main">
   <p:cSld>
     <p:spTree>
       <p:nvGrpSpPr>
-        <p:cNvPr id="127" name="Shape 127"/>
+        <p:cNvPr id="1" name="Shape 121"/>
+        <p:cNvGrpSpPr/>
+        <p:nvPr/>
+      </p:nvGrpSpPr>
+      <p:grpSpPr>
+        <a:xfrm>
+          <a:off x="0" y="0"/>
+          <a:ext cx="0" cy="0"/>
+          <a:chOff x="0" y="0"/>
+          <a:chExt cx="0" cy="0"/>
+        </a:xfrm>
+      </p:grpSpPr>
+      <p:sp>
+        <p:nvSpPr>
+          <p:cNvPr id="122" name="Google Shape;122;p21"/>
+          <p:cNvSpPr txBox="1">
+            <a:spLocks noGrp="1"/>
+          </p:cNvSpPr>
+          <p:nvPr>
+            <p:ph type="title"/>
+          </p:nvPr>
+        </p:nvSpPr>
+        <p:spPr>
+          <a:xfrm>
+            <a:off x="311700" y="315925"/>
+            <a:ext cx="8520600" cy="831300"/>
+          </a:xfrm>
+          <a:prstGeom prst="rect">
+            <a:avLst/>
+          </a:prstGeom>
+        </p:spPr>
+        <p:txBody>
+          <a:bodyPr spcFirstLastPara="1" wrap="square" lIns="91425" tIns="91425" rIns="91425" bIns="91425" anchor="b" anchorCtr="0">
+            <a:noAutofit/>
+          </a:bodyPr>
+          <a:lstStyle/>
+          <a:p>
+            <a:pPr marL="0" lvl="0" indent="0" algn="l" rtl="0">
+              <a:spcBef>
+                <a:spcPts val="0"/>
+              </a:spcBef>
+              <a:spcAft>
+                <a:spcPts val="0"/>
+              </a:spcAft>
+              <a:buNone/>
+            </a:pPr>
+            <a:r>
+              <a:rPr lang="pl"/>
+              <a:t>Performance analysis</a:t>
+            </a:r>
+            <a:endParaRPr/>
+          </a:p>
+        </p:txBody>
+      </p:sp>
+      <p:sp>
+        <p:nvSpPr>
+          <p:cNvPr id="123" name="Google Shape;123;p21"/>
+          <p:cNvSpPr txBox="1">
+            <a:spLocks noGrp="1"/>
+          </p:cNvSpPr>
+          <p:nvPr>
+            <p:ph type="body" idx="1"/>
+          </p:nvPr>
+        </p:nvSpPr>
+        <p:spPr>
+          <a:xfrm>
+            <a:off x="311700" y="1225225"/>
+            <a:ext cx="8520600" cy="3354000"/>
+          </a:xfrm>
+          <a:prstGeom prst="rect">
+            <a:avLst/>
+          </a:prstGeom>
+        </p:spPr>
+        <p:txBody>
+          <a:bodyPr spcFirstLastPara="1" wrap="square" lIns="91425" tIns="91425" rIns="91425" bIns="91425" anchor="t" anchorCtr="0">
+            <a:noAutofit/>
+          </a:bodyPr>
+          <a:lstStyle/>
+          <a:p>
+            <a:pPr marL="457200" lvl="0" indent="-342900" algn="l" rtl="0">
+              <a:spcBef>
+                <a:spcPts val="0"/>
+              </a:spcBef>
+              <a:spcAft>
+                <a:spcPts val="0"/>
+              </a:spcAft>
+              <a:buSzPts val="1800"/>
+              <a:buChar char="●"/>
+            </a:pPr>
+            <a:r>
+              <a:rPr lang="pl"/>
+              <a:t>Data and logic are integrated in the Python backend. Computation is done server-side, in Python, can take up to 5 seconds to run a query.</a:t>
+            </a:r>
+            <a:endParaRPr/>
+          </a:p>
+          <a:p>
+            <a:pPr marL="457200" lvl="0" indent="-342900" algn="l" rtl="0">
+              <a:spcBef>
+                <a:spcPts val="0"/>
+              </a:spcBef>
+              <a:spcAft>
+                <a:spcPts val="0"/>
+              </a:spcAft>
+              <a:buSzPts val="1800"/>
+              <a:buChar char="●"/>
+            </a:pPr>
+            <a:r>
+              <a:rPr lang="pl"/>
+              <a:t>Main bottlenecks: data duplication and processing.</a:t>
+            </a:r>
+            <a:endParaRPr/>
+          </a:p>
+          <a:p>
+            <a:pPr marL="457200" lvl="0" indent="-342900" algn="l" rtl="0">
+              <a:spcBef>
+                <a:spcPts val="0"/>
+              </a:spcBef>
+              <a:spcAft>
+                <a:spcPts val="0"/>
+              </a:spcAft>
+              <a:buSzPts val="1800"/>
+              <a:buChar char="●"/>
+            </a:pPr>
+            <a:r>
+              <a:rPr lang="pl"/>
+              <a:t>Decoupling data and computation services would help with scalability.</a:t>
+            </a:r>
+            <a:endParaRPr/>
+          </a:p>
+          <a:p>
+            <a:pPr marL="457200" lvl="0" indent="-342900" algn="l" rtl="0">
+              <a:spcBef>
+                <a:spcPts val="0"/>
+              </a:spcBef>
+              <a:spcAft>
+                <a:spcPts val="0"/>
+              </a:spcAft>
+              <a:buSzPts val="1800"/>
+              <a:buChar char="●"/>
+            </a:pPr>
+            <a:r>
+              <a:rPr lang="pl"/>
+              <a:t>For runtime speedup, we can try caching queries, rewriting the server code in Java, or offloading some computations client-side.</a:t>
+            </a:r>
+            <a:endParaRPr/>
+          </a:p>
+        </p:txBody>
+      </p:sp>
+    </p:spTree>
+  </p:cSld>
+  <p:clrMapOvr>
+    <a:masterClrMapping/>
+  </p:clrMapOvr>
+</p:sld>
+</file>
+
+<file path=ppt/slides/slide11.xml><?xml version="1.0" encoding="utf-8"?>
+<p:sld xmlns:a="http://schemas.openxmlformats.org/drawingml/2006/main" xmlns:r="http://schemas.openxmlformats.org/officeDocument/2006/relationships" xmlns:p="http://schemas.openxmlformats.org/presentationml/2006/main">
+  <p:cSld>
+    <p:spTree>
+      <p:nvGrpSpPr>
+        <p:cNvPr id="1" name="Shape 127"/>
         <p:cNvGrpSpPr/>
         <p:nvPr/>
       </p:nvGrpSpPr>
@@ -7797,12 +8163,12 @@
           </a:ln>
         </p:spPr>
         <p:txBody>
-          <a:bodyPr anchorCtr="0" anchor="t" bIns="91425" lIns="91425" spcFirstLastPara="1" rIns="91425" wrap="square" tIns="91425">
+          <a:bodyPr spcFirstLastPara="1" wrap="square" lIns="91425" tIns="91425" rIns="91425" bIns="91425" anchor="t" anchorCtr="0">
             <a:noAutofit/>
           </a:bodyPr>
           <a:lstStyle/>
           <a:p>
-            <a:pPr indent="0" lvl="0" marL="0" rtl="0" algn="l">
+            <a:pPr marL="0" lvl="0" indent="0" algn="l" rtl="0">
               <a:spcBef>
                 <a:spcPts val="0"/>
               </a:spcBef>
@@ -7840,12 +8206,12 @@
 </p:sld>
 </file>
 
-<file path=ppt/slides/slide11.xml><?xml version="1.0" encoding="utf-8"?>
-<p:sld xmlns:a="http://schemas.openxmlformats.org/drawingml/2006/main" xmlns:r="http://schemas.openxmlformats.org/officeDocument/2006/relationships" xmlns:mc="http://schemas.openxmlformats.org/markup-compatibility/2006" xmlns:mv="urn:schemas-microsoft-com:mac:vml" xmlns:p="http://schemas.openxmlformats.org/presentationml/2006/main" xmlns:c="http://schemas.openxmlformats.org/drawingml/2006/chart" xmlns:dgm="http://schemas.openxmlformats.org/drawingml/2006/diagram" xmlns:o="urn:schemas-microsoft-com:office:office" xmlns:v="urn:schemas-microsoft-com:vml" xmlns:pvml="urn:schemas-microsoft-com:office:powerpoint" xmlns:com="http://schemas.openxmlformats.org/drawingml/2006/compatibility" xmlns:p14="http://schemas.microsoft.com/office/powerpoint/2010/main" xmlns:p15="http://schemas.microsoft.com/office/powerpoint/2012/main">
+<file path=ppt/slides/slide12.xml><?xml version="1.0" encoding="utf-8"?>
+<p:sld xmlns:a="http://schemas.openxmlformats.org/drawingml/2006/main" xmlns:r="http://schemas.openxmlformats.org/officeDocument/2006/relationships" xmlns:p="http://schemas.openxmlformats.org/presentationml/2006/main">
   <p:cSld>
     <p:spTree>
       <p:nvGrpSpPr>
-        <p:cNvPr id="133" name="Shape 133"/>
+        <p:cNvPr id="1" name="Shape 133"/>
         <p:cNvGrpSpPr/>
         <p:nvPr/>
       </p:nvGrpSpPr>
@@ -7877,12 +8243,12 @@
           </a:ln>
         </p:spPr>
         <p:txBody>
-          <a:bodyPr anchorCtr="0" anchor="t" bIns="91425" lIns="91425" spcFirstLastPara="1" rIns="91425" wrap="square" tIns="91425">
+          <a:bodyPr spcFirstLastPara="1" wrap="square" lIns="91425" tIns="91425" rIns="91425" bIns="91425" anchor="t" anchorCtr="0">
             <a:noAutofit/>
           </a:bodyPr>
           <a:lstStyle/>
           <a:p>
-            <a:pPr indent="0" lvl="0" marL="0" rtl="0" algn="l">
+            <a:pPr marL="0" lvl="0" indent="0" algn="l" rtl="0">
               <a:spcBef>
                 <a:spcPts val="0"/>
               </a:spcBef>
@@ -7943,12 +8309,12 @@
 </p:sld>
 </file>
 
-<file path=ppt/slides/slide12.xml><?xml version="1.0" encoding="utf-8"?>
-<p:sld xmlns:a="http://schemas.openxmlformats.org/drawingml/2006/main" xmlns:r="http://schemas.openxmlformats.org/officeDocument/2006/relationships" xmlns:mc="http://schemas.openxmlformats.org/markup-compatibility/2006" xmlns:mv="urn:schemas-microsoft-com:mac:vml" xmlns:p="http://schemas.openxmlformats.org/presentationml/2006/main" xmlns:c="http://schemas.openxmlformats.org/drawingml/2006/chart" xmlns:dgm="http://schemas.openxmlformats.org/drawingml/2006/diagram" xmlns:o="urn:schemas-microsoft-com:office:office" xmlns:v="urn:schemas-microsoft-com:vml" xmlns:pvml="urn:schemas-microsoft-com:office:powerpoint" xmlns:com="http://schemas.openxmlformats.org/drawingml/2006/compatibility" xmlns:p14="http://schemas.microsoft.com/office/powerpoint/2010/main" xmlns:p15="http://schemas.microsoft.com/office/powerpoint/2012/main">
+<file path=ppt/slides/slide13.xml><?xml version="1.0" encoding="utf-8"?>
+<p:sld xmlns:a="http://schemas.openxmlformats.org/drawingml/2006/main" xmlns:r="http://schemas.openxmlformats.org/officeDocument/2006/relationships" xmlns:p="http://schemas.openxmlformats.org/presentationml/2006/main">
   <p:cSld>
     <p:spTree>
       <p:nvGrpSpPr>
-        <p:cNvPr id="139" name="Shape 139"/>
+        <p:cNvPr id="1" name="Shape 139"/>
         <p:cNvGrpSpPr/>
         <p:nvPr/>
       </p:nvGrpSpPr>
@@ -7963,7 +8329,9 @@
       <p:sp>
         <p:nvSpPr>
           <p:cNvPr id="140" name="Google Shape;140;p24"/>
-          <p:cNvSpPr txBox="1"/>
+          <p:cNvSpPr txBox="1">
+            <a:spLocks noGrp="1"/>
+          </p:cNvSpPr>
           <p:nvPr>
             <p:ph type="title"/>
           </p:nvPr>
@@ -7978,12 +8346,12 @@
           </a:prstGeom>
         </p:spPr>
         <p:txBody>
-          <a:bodyPr anchorCtr="0" anchor="b" bIns="91425" lIns="91425" spcFirstLastPara="1" rIns="91425" wrap="square" tIns="91425">
+          <a:bodyPr spcFirstLastPara="1" wrap="square" lIns="91425" tIns="91425" rIns="91425" bIns="91425" anchor="b" anchorCtr="0">
             <a:noAutofit/>
           </a:bodyPr>
           <a:lstStyle/>
           <a:p>
-            <a:pPr indent="0" lvl="0" marL="0" rtl="0" algn="l">
+            <a:pPr marL="0" lvl="0" indent="0" algn="l" rtl="0">
               <a:spcBef>
                 <a:spcPts val="0"/>
               </a:spcBef>
@@ -8003,9 +8371,11 @@
       <p:sp>
         <p:nvSpPr>
           <p:cNvPr id="141" name="Google Shape;141;p24"/>
-          <p:cNvSpPr txBox="1"/>
+          <p:cNvSpPr txBox="1">
+            <a:spLocks noGrp="1"/>
+          </p:cNvSpPr>
           <p:nvPr>
-            <p:ph idx="1" type="body"/>
+            <p:ph type="body" idx="1"/>
           </p:nvPr>
         </p:nvSpPr>
         <p:spPr>
@@ -8018,12 +8388,12 @@
           </a:prstGeom>
         </p:spPr>
         <p:txBody>
-          <a:bodyPr anchorCtr="0" anchor="t" bIns="91425" lIns="91425" spcFirstLastPara="1" rIns="91425" wrap="square" tIns="91425">
+          <a:bodyPr spcFirstLastPara="1" wrap="square" lIns="91425" tIns="91425" rIns="91425" bIns="91425" anchor="t" anchorCtr="0">
             <a:noAutofit/>
           </a:bodyPr>
           <a:lstStyle/>
           <a:p>
-            <a:pPr indent="-342900" lvl="0" marL="457200" rtl="0" algn="l">
+            <a:pPr marL="457200" lvl="0" indent="-342900" algn="l" rtl="0">
               <a:spcBef>
                 <a:spcPts val="0"/>
               </a:spcBef>
@@ -8040,7 +8410,7 @@
             <a:endParaRPr/>
           </a:p>
           <a:p>
-            <a:pPr indent="-342900" lvl="0" marL="457200" rtl="0" algn="l">
+            <a:pPr marL="457200" lvl="0" indent="-342900" algn="l" rtl="0">
               <a:spcBef>
                 <a:spcPts val="0"/>
               </a:spcBef>
@@ -8057,7 +8427,7 @@
             <a:endParaRPr/>
           </a:p>
           <a:p>
-            <a:pPr indent="-342900" lvl="0" marL="457200" rtl="0" algn="l">
+            <a:pPr marL="457200" lvl="0" indent="-342900" algn="l" rtl="0">
               <a:spcBef>
                 <a:spcPts val="0"/>
               </a:spcBef>
@@ -8074,7 +8444,7 @@
             <a:endParaRPr/>
           </a:p>
           <a:p>
-            <a:pPr indent="-342900" lvl="0" marL="457200" rtl="0" algn="l">
+            <a:pPr marL="457200" lvl="0" indent="-342900" algn="l" rtl="0">
               <a:spcBef>
                 <a:spcPts val="0"/>
               </a:spcBef>
@@ -8091,7 +8461,7 @@
             <a:endParaRPr/>
           </a:p>
           <a:p>
-            <a:pPr indent="-342900" lvl="0" marL="457200" rtl="0" algn="l">
+            <a:pPr marL="457200" lvl="0" indent="-342900" algn="l" rtl="0">
               <a:spcBef>
                 <a:spcPts val="0"/>
               </a:spcBef>
@@ -8117,12 +8487,12 @@
 </p:sld>
 </file>
 
-<file path=ppt/slides/slide13.xml><?xml version="1.0" encoding="utf-8"?>
-<p:sld xmlns:a="http://schemas.openxmlformats.org/drawingml/2006/main" xmlns:r="http://schemas.openxmlformats.org/officeDocument/2006/relationships" xmlns:mc="http://schemas.openxmlformats.org/markup-compatibility/2006" xmlns:mv="urn:schemas-microsoft-com:mac:vml" xmlns:p="http://schemas.openxmlformats.org/presentationml/2006/main" xmlns:c="http://schemas.openxmlformats.org/drawingml/2006/chart" xmlns:dgm="http://schemas.openxmlformats.org/drawingml/2006/diagram" xmlns:o="urn:schemas-microsoft-com:office:office" xmlns:v="urn:schemas-microsoft-com:vml" xmlns:pvml="urn:schemas-microsoft-com:office:powerpoint" xmlns:com="http://schemas.openxmlformats.org/drawingml/2006/compatibility" xmlns:p14="http://schemas.microsoft.com/office/powerpoint/2010/main" xmlns:p15="http://schemas.microsoft.com/office/powerpoint/2012/main">
+<file path=ppt/slides/slide14.xml><?xml version="1.0" encoding="utf-8"?>
+<p:sld xmlns:a="http://schemas.openxmlformats.org/drawingml/2006/main" xmlns:r="http://schemas.openxmlformats.org/officeDocument/2006/relationships" xmlns:p="http://schemas.openxmlformats.org/presentationml/2006/main">
   <p:cSld>
     <p:spTree>
       <p:nvGrpSpPr>
-        <p:cNvPr id="145" name="Shape 145"/>
+        <p:cNvPr id="1" name="Shape 145"/>
         <p:cNvGrpSpPr/>
         <p:nvPr/>
       </p:nvGrpSpPr>
@@ -8137,7 +8507,9 @@
       <p:sp>
         <p:nvSpPr>
           <p:cNvPr id="146" name="Google Shape;146;p25"/>
-          <p:cNvSpPr txBox="1"/>
+          <p:cNvSpPr txBox="1">
+            <a:spLocks noGrp="1"/>
+          </p:cNvSpPr>
           <p:nvPr>
             <p:ph type="title"/>
           </p:nvPr>
@@ -8152,12 +8524,12 @@
           </a:prstGeom>
         </p:spPr>
         <p:txBody>
-          <a:bodyPr anchorCtr="0" anchor="b" bIns="91425" lIns="91425" spcFirstLastPara="1" rIns="91425" wrap="square" tIns="91425">
+          <a:bodyPr spcFirstLastPara="1" wrap="square" lIns="91425" tIns="91425" rIns="91425" bIns="91425" anchor="b" anchorCtr="0">
             <a:noAutofit/>
           </a:bodyPr>
           <a:lstStyle/>
           <a:p>
-            <a:pPr indent="0" lvl="0" marL="0" rtl="0" algn="l">
+            <a:pPr marL="0" lvl="0" indent="0" algn="l" rtl="0">
               <a:spcBef>
                 <a:spcPts val="0"/>
               </a:spcBef>
@@ -8177,9 +8549,11 @@
       <p:sp>
         <p:nvSpPr>
           <p:cNvPr id="147" name="Google Shape;147;p25"/>
-          <p:cNvSpPr txBox="1"/>
+          <p:cNvSpPr txBox="1">
+            <a:spLocks noGrp="1"/>
+          </p:cNvSpPr>
           <p:nvPr>
-            <p:ph idx="1" type="body"/>
+            <p:ph type="body" idx="1"/>
           </p:nvPr>
         </p:nvSpPr>
         <p:spPr>
@@ -8192,12 +8566,12 @@
           </a:prstGeom>
         </p:spPr>
         <p:txBody>
-          <a:bodyPr anchorCtr="0" anchor="t" bIns="91425" lIns="91425" spcFirstLastPara="1" rIns="91425" wrap="square" tIns="91425">
+          <a:bodyPr spcFirstLastPara="1" wrap="square" lIns="91425" tIns="91425" rIns="91425" bIns="91425" anchor="t" anchorCtr="0">
             <a:noAutofit/>
           </a:bodyPr>
           <a:lstStyle/>
           <a:p>
-            <a:pPr indent="-342900" lvl="0" marL="457200" rtl="0" algn="l">
+            <a:pPr marL="457200" lvl="0" indent="-342900" algn="l" rtl="0">
               <a:spcBef>
                 <a:spcPts val="0"/>
               </a:spcBef>
@@ -8214,7 +8588,7 @@
             <a:endParaRPr/>
           </a:p>
           <a:p>
-            <a:pPr indent="-342900" lvl="0" marL="457200" rtl="0" algn="l">
+            <a:pPr marL="457200" lvl="0" indent="-342900" algn="l" rtl="0">
               <a:spcBef>
                 <a:spcPts val="0"/>
               </a:spcBef>
@@ -8231,7 +8605,7 @@
             <a:endParaRPr/>
           </a:p>
           <a:p>
-            <a:pPr indent="-342900" lvl="0" marL="457200" rtl="0" algn="l">
+            <a:pPr marL="457200" lvl="0" indent="-342900" algn="l" rtl="0">
               <a:spcBef>
                 <a:spcPts val="0"/>
               </a:spcBef>
@@ -8257,12 +8631,12 @@
 </p:sld>
 </file>
 
-<file path=ppt/slides/slide14.xml><?xml version="1.0" encoding="utf-8"?>
-<p:sld xmlns:a="http://schemas.openxmlformats.org/drawingml/2006/main" xmlns:r="http://schemas.openxmlformats.org/officeDocument/2006/relationships" xmlns:mc="http://schemas.openxmlformats.org/markup-compatibility/2006" xmlns:mv="urn:schemas-microsoft-com:mac:vml" xmlns:p="http://schemas.openxmlformats.org/presentationml/2006/main" xmlns:c="http://schemas.openxmlformats.org/drawingml/2006/chart" xmlns:dgm="http://schemas.openxmlformats.org/drawingml/2006/diagram" xmlns:o="urn:schemas-microsoft-com:office:office" xmlns:v="urn:schemas-microsoft-com:vml" xmlns:pvml="urn:schemas-microsoft-com:office:powerpoint" xmlns:com="http://schemas.openxmlformats.org/drawingml/2006/compatibility" xmlns:p14="http://schemas.microsoft.com/office/powerpoint/2010/main" xmlns:p15="http://schemas.microsoft.com/office/powerpoint/2012/main">
+<file path=ppt/slides/slide15.xml><?xml version="1.0" encoding="utf-8"?>
+<p:sld xmlns:a="http://schemas.openxmlformats.org/drawingml/2006/main" xmlns:r="http://schemas.openxmlformats.org/officeDocument/2006/relationships" xmlns:p="http://schemas.openxmlformats.org/presentationml/2006/main">
   <p:cSld>
     <p:spTree>
       <p:nvGrpSpPr>
-        <p:cNvPr id="151" name="Shape 151"/>
+        <p:cNvPr id="1" name="Shape 151"/>
         <p:cNvGrpSpPr/>
         <p:nvPr/>
       </p:nvGrpSpPr>
@@ -8277,7 +8651,9 @@
       <p:sp>
         <p:nvSpPr>
           <p:cNvPr id="152" name="Google Shape;152;p26"/>
-          <p:cNvSpPr txBox="1"/>
+          <p:cNvSpPr txBox="1">
+            <a:spLocks noGrp="1"/>
+          </p:cNvSpPr>
           <p:nvPr>
             <p:ph type="title"/>
           </p:nvPr>
@@ -8292,12 +8668,12 @@
           </a:prstGeom>
         </p:spPr>
         <p:txBody>
-          <a:bodyPr anchorCtr="0" anchor="b" bIns="91425" lIns="91425" spcFirstLastPara="1" rIns="91425" wrap="square" tIns="91425">
+          <a:bodyPr spcFirstLastPara="1" wrap="square" lIns="91425" tIns="91425" rIns="91425" bIns="91425" anchor="b" anchorCtr="0">
             <a:noAutofit/>
           </a:bodyPr>
           <a:lstStyle/>
           <a:p>
-            <a:pPr indent="0" lvl="0" marL="0" rtl="0" algn="l">
+            <a:pPr marL="0" lvl="0" indent="0" algn="l" rtl="0">
               <a:spcBef>
                 <a:spcPts val="0"/>
               </a:spcBef>
@@ -8317,9 +8693,11 @@
       <p:sp>
         <p:nvSpPr>
           <p:cNvPr id="153" name="Google Shape;153;p26"/>
-          <p:cNvSpPr txBox="1"/>
+          <p:cNvSpPr txBox="1">
+            <a:spLocks noGrp="1"/>
+          </p:cNvSpPr>
           <p:nvPr>
-            <p:ph idx="1" type="body"/>
+            <p:ph type="body" idx="1"/>
           </p:nvPr>
         </p:nvSpPr>
         <p:spPr>
@@ -8332,12 +8710,12 @@
           </a:prstGeom>
         </p:spPr>
         <p:txBody>
-          <a:bodyPr anchorCtr="0" anchor="t" bIns="91425" lIns="91425" spcFirstLastPara="1" rIns="91425" wrap="square" tIns="91425">
+          <a:bodyPr spcFirstLastPara="1" wrap="square" lIns="91425" tIns="91425" rIns="91425" bIns="91425" anchor="t" anchorCtr="0">
             <a:noAutofit/>
           </a:bodyPr>
           <a:lstStyle/>
           <a:p>
-            <a:pPr indent="-342900" lvl="0" marL="457200" rtl="0" algn="l">
+            <a:pPr marL="457200" lvl="0" indent="-342900" algn="l" rtl="0">
               <a:spcBef>
                 <a:spcPts val="0"/>
               </a:spcBef>
@@ -8354,7 +8732,7 @@
             <a:endParaRPr/>
           </a:p>
           <a:p>
-            <a:pPr indent="-342900" lvl="0" marL="457200" rtl="0" algn="l">
+            <a:pPr marL="457200" lvl="0" indent="-342900" algn="l" rtl="0">
               <a:spcBef>
                 <a:spcPts val="0"/>
               </a:spcBef>
@@ -8371,7 +8749,7 @@
             <a:endParaRPr/>
           </a:p>
           <a:p>
-            <a:pPr indent="-342900" lvl="0" marL="457200" rtl="0" algn="l">
+            <a:pPr marL="457200" lvl="0" indent="-342900" algn="l" rtl="0">
               <a:spcBef>
                 <a:spcPts val="0"/>
               </a:spcBef>
@@ -8388,7 +8766,7 @@
             <a:endParaRPr/>
           </a:p>
           <a:p>
-            <a:pPr indent="-342900" lvl="0" marL="457200" rtl="0" algn="l">
+            <a:pPr marL="457200" lvl="0" indent="-342900" algn="l" rtl="0">
               <a:spcBef>
                 <a:spcPts val="0"/>
               </a:spcBef>
@@ -8405,7 +8783,7 @@
             <a:endParaRPr/>
           </a:p>
           <a:p>
-            <a:pPr indent="-342900" lvl="0" marL="457200" rtl="0" algn="l">
+            <a:pPr marL="457200" lvl="0" indent="-342900" algn="l" rtl="0">
               <a:spcBef>
                 <a:spcPts val="0"/>
               </a:spcBef>
@@ -8431,12 +8809,12 @@
 </p:sld>
 </file>
 
-<file path=ppt/slides/slide15.xml><?xml version="1.0" encoding="utf-8"?>
-<p:sld xmlns:a="http://schemas.openxmlformats.org/drawingml/2006/main" xmlns:r="http://schemas.openxmlformats.org/officeDocument/2006/relationships" xmlns:mc="http://schemas.openxmlformats.org/markup-compatibility/2006" xmlns:mv="urn:schemas-microsoft-com:mac:vml" xmlns:p="http://schemas.openxmlformats.org/presentationml/2006/main" xmlns:c="http://schemas.openxmlformats.org/drawingml/2006/chart" xmlns:dgm="http://schemas.openxmlformats.org/drawingml/2006/diagram" xmlns:o="urn:schemas-microsoft-com:office:office" xmlns:v="urn:schemas-microsoft-com:vml" xmlns:pvml="urn:schemas-microsoft-com:office:powerpoint" xmlns:com="http://schemas.openxmlformats.org/drawingml/2006/compatibility" xmlns:p14="http://schemas.microsoft.com/office/powerpoint/2010/main" xmlns:p15="http://schemas.microsoft.com/office/powerpoint/2012/main">
+<file path=ppt/slides/slide16.xml><?xml version="1.0" encoding="utf-8"?>
+<p:sld xmlns:a="http://schemas.openxmlformats.org/drawingml/2006/main" xmlns:r="http://schemas.openxmlformats.org/officeDocument/2006/relationships" xmlns:p="http://schemas.openxmlformats.org/presentationml/2006/main">
   <p:cSld>
     <p:spTree>
       <p:nvGrpSpPr>
-        <p:cNvPr id="157" name="Shape 157"/>
+        <p:cNvPr id="1" name=""/>
         <p:cNvGrpSpPr/>
         <p:nvPr/>
       </p:nvGrpSpPr>
@@ -8450,45 +8828,44 @@
       </p:grpSpPr>
       <p:sp>
         <p:nvSpPr>
-          <p:cNvPr id="158" name="Google Shape;158;p27"/>
-          <p:cNvSpPr txBox="1"/>
+          <p:cNvPr id="2" name="Titel 1">
+            <a:extLst>
+              <a:ext uri="{FF2B5EF4-FFF2-40B4-BE49-F238E27FC236}">
+                <a16:creationId xmlns:a16="http://schemas.microsoft.com/office/drawing/2014/main" id="{82A70888-245A-4E2B-ABD2-127F5050B6D2}"/>
+              </a:ext>
+            </a:extLst>
+          </p:cNvPr>
+          <p:cNvSpPr>
+            <a:spLocks noGrp="1"/>
+          </p:cNvSpPr>
           <p:nvPr>
             <p:ph type="title"/>
           </p:nvPr>
         </p:nvSpPr>
         <p:spPr>
           <a:xfrm>
-            <a:off x="773700" y="1806450"/>
-            <a:ext cx="7596600" cy="1530600"/>
+            <a:off x="311700" y="315925"/>
+            <a:ext cx="8520600" cy="2565498"/>
           </a:xfrm>
-          <a:prstGeom prst="rect">
-            <a:avLst/>
-          </a:prstGeom>
         </p:spPr>
         <p:txBody>
-          <a:bodyPr anchorCtr="0" anchor="ctr" bIns="91425" lIns="91425" spcFirstLastPara="1" rIns="91425" wrap="square" tIns="91425">
-            <a:noAutofit/>
-          </a:bodyPr>
+          <a:bodyPr/>
           <a:lstStyle/>
           <a:p>
-            <a:pPr indent="0" lvl="0" marL="0" rtl="0" algn="ctr">
-              <a:spcBef>
-                <a:spcPts val="0"/>
-              </a:spcBef>
-              <a:spcAft>
-                <a:spcPts val="0"/>
-              </a:spcAft>
-              <a:buNone/>
-            </a:pPr>
             <a:r>
-              <a:rPr lang="pl"/>
-              <a:t>Demo</a:t>
+              <a:rPr lang="de-DE" dirty="0"/>
+              <a:t>			Thanks for listening!</a:t>
             </a:r>
-            <a:endParaRPr/>
+            <a:endParaRPr lang="en-DE" dirty="0"/>
           </a:p>
         </p:txBody>
       </p:sp>
     </p:spTree>
+    <p:extLst>
+      <p:ext uri="{BB962C8B-B14F-4D97-AF65-F5344CB8AC3E}">
+        <p14:creationId xmlns:p14="http://schemas.microsoft.com/office/powerpoint/2010/main" val="88051380"/>
+      </p:ext>
+    </p:extLst>
   </p:cSld>
   <p:clrMapOvr>
     <a:masterClrMapping/>
@@ -8497,11 +8874,11 @@
 </file>
 
 <file path=ppt/slides/slide2.xml><?xml version="1.0" encoding="utf-8"?>
-<p:sld xmlns:a="http://schemas.openxmlformats.org/drawingml/2006/main" xmlns:r="http://schemas.openxmlformats.org/officeDocument/2006/relationships" xmlns:mc="http://schemas.openxmlformats.org/markup-compatibility/2006" xmlns:mv="urn:schemas-microsoft-com:mac:vml" xmlns:p="http://schemas.openxmlformats.org/presentationml/2006/main" xmlns:c="http://schemas.openxmlformats.org/drawingml/2006/chart" xmlns:dgm="http://schemas.openxmlformats.org/drawingml/2006/diagram" xmlns:o="urn:schemas-microsoft-com:office:office" xmlns:v="urn:schemas-microsoft-com:vml" xmlns:pvml="urn:schemas-microsoft-com:office:powerpoint" xmlns:com="http://schemas.openxmlformats.org/drawingml/2006/compatibility" xmlns:p14="http://schemas.microsoft.com/office/powerpoint/2010/main" xmlns:p15="http://schemas.microsoft.com/office/powerpoint/2012/main">
+<p:sld xmlns:a="http://schemas.openxmlformats.org/drawingml/2006/main" xmlns:r="http://schemas.openxmlformats.org/officeDocument/2006/relationships" xmlns:p="http://schemas.openxmlformats.org/presentationml/2006/main">
   <p:cSld>
     <p:spTree>
       <p:nvGrpSpPr>
-        <p:cNvPr id="67" name="Shape 67"/>
+        <p:cNvPr id="1" name="Shape 67"/>
         <p:cNvGrpSpPr/>
         <p:nvPr/>
       </p:nvGrpSpPr>
@@ -8516,7 +8893,9 @@
       <p:sp>
         <p:nvSpPr>
           <p:cNvPr id="68" name="Google Shape;68;p14"/>
-          <p:cNvSpPr txBox="1"/>
+          <p:cNvSpPr txBox="1">
+            <a:spLocks noGrp="1"/>
+          </p:cNvSpPr>
           <p:nvPr>
             <p:ph type="title"/>
           </p:nvPr>
@@ -8531,12 +8910,12 @@
           </a:prstGeom>
         </p:spPr>
         <p:txBody>
-          <a:bodyPr anchorCtr="0" anchor="b" bIns="91425" lIns="91425" spcFirstLastPara="1" rIns="91425" wrap="square" tIns="91425">
+          <a:bodyPr spcFirstLastPara="1" wrap="square" lIns="91425" tIns="91425" rIns="91425" bIns="91425" anchor="b" anchorCtr="0">
             <a:noAutofit/>
           </a:bodyPr>
           <a:lstStyle/>
           <a:p>
-            <a:pPr indent="0" lvl="0" marL="0" rtl="0" algn="l">
+            <a:pPr marL="0" lvl="0" indent="0" algn="l" rtl="0">
               <a:spcBef>
                 <a:spcPts val="0"/>
               </a:spcBef>
@@ -8591,7 +8970,7 @@
           <a:blip r:embed="rId4">
             <a:alphaModFix/>
           </a:blip>
-          <a:srcRect b="8469" l="8029" r="0" t="-8470"/>
+          <a:srcRect l="8029" t="-8470" b="8469"/>
           <a:stretch/>
         </p:blipFill>
         <p:spPr>
@@ -8674,7 +9053,7 @@
           <a:blip r:embed="rId7">
             <a:alphaModFix/>
           </a:blip>
-          <a:srcRect b="35953" l="0" r="0" t="29895"/>
+          <a:srcRect t="29895" b="35953"/>
           <a:stretch/>
         </p:blipFill>
         <p:spPr>
@@ -8701,7 +9080,7 @@
           <a:blip r:embed="rId8">
             <a:alphaModFix/>
           </a:blip>
-          <a:srcRect b="12792" l="19076" r="21363" t="12048"/>
+          <a:srcRect l="19076" t="12048" r="21363" b="12792"/>
           <a:stretch/>
         </p:blipFill>
         <p:spPr>
@@ -8783,11 +9162,11 @@
 </file>
 
 <file path=ppt/slides/slide3.xml><?xml version="1.0" encoding="utf-8"?>
-<p:sld xmlns:a="http://schemas.openxmlformats.org/drawingml/2006/main" xmlns:r="http://schemas.openxmlformats.org/officeDocument/2006/relationships" xmlns:mc="http://schemas.openxmlformats.org/markup-compatibility/2006" xmlns:mv="urn:schemas-microsoft-com:mac:vml" xmlns:p="http://schemas.openxmlformats.org/presentationml/2006/main" xmlns:c="http://schemas.openxmlformats.org/drawingml/2006/chart" xmlns:dgm="http://schemas.openxmlformats.org/drawingml/2006/diagram" xmlns:o="urn:schemas-microsoft-com:office:office" xmlns:v="urn:schemas-microsoft-com:vml" xmlns:pvml="urn:schemas-microsoft-com:office:powerpoint" xmlns:com="http://schemas.openxmlformats.org/drawingml/2006/compatibility" xmlns:p14="http://schemas.microsoft.com/office/powerpoint/2010/main" xmlns:p15="http://schemas.microsoft.com/office/powerpoint/2012/main">
+<p:sld xmlns:a="http://schemas.openxmlformats.org/drawingml/2006/main" xmlns:r="http://schemas.openxmlformats.org/officeDocument/2006/relationships" xmlns:p="http://schemas.openxmlformats.org/presentationml/2006/main">
   <p:cSld>
     <p:spTree>
       <p:nvGrpSpPr>
-        <p:cNvPr id="80" name="Shape 80"/>
+        <p:cNvPr id="1" name="Shape 80"/>
         <p:cNvGrpSpPr/>
         <p:nvPr/>
       </p:nvGrpSpPr>
@@ -8802,7 +9181,9 @@
       <p:sp>
         <p:nvSpPr>
           <p:cNvPr id="81" name="Google Shape;81;p15"/>
-          <p:cNvSpPr txBox="1"/>
+          <p:cNvSpPr txBox="1">
+            <a:spLocks noGrp="1"/>
+          </p:cNvSpPr>
           <p:nvPr>
             <p:ph type="title"/>
           </p:nvPr>
@@ -8817,12 +9198,12 @@
           </a:prstGeom>
         </p:spPr>
         <p:txBody>
-          <a:bodyPr anchorCtr="0" anchor="b" bIns="91425" lIns="91425" spcFirstLastPara="1" rIns="91425" wrap="square" tIns="91425">
+          <a:bodyPr spcFirstLastPara="1" wrap="square" lIns="91425" tIns="91425" rIns="91425" bIns="91425" anchor="b" anchorCtr="0">
             <a:noAutofit/>
           </a:bodyPr>
           <a:lstStyle/>
           <a:p>
-            <a:pPr indent="0" lvl="0" marL="0" rtl="0" algn="l">
+            <a:pPr marL="0" lvl="0" indent="0" algn="l" rtl="0">
               <a:spcBef>
                 <a:spcPts val="0"/>
               </a:spcBef>
@@ -8877,7 +9258,7 @@
           <a:blip r:embed="rId4">
             <a:alphaModFix/>
           </a:blip>
-          <a:srcRect b="0" l="8029" r="0" t="0"/>
+          <a:srcRect l="8029"/>
           <a:stretch/>
         </p:blipFill>
         <p:spPr>
@@ -8932,7 +9313,7 @@
           <a:blip r:embed="rId6">
             <a:alphaModFix/>
           </a:blip>
-          <a:srcRect b="35953" l="0" r="0" t="29895"/>
+          <a:srcRect t="29895" b="35953"/>
           <a:stretch/>
         </p:blipFill>
         <p:spPr>
@@ -8959,7 +9340,7 @@
           <a:blip r:embed="rId7">
             <a:alphaModFix/>
           </a:blip>
-          <a:srcRect b="12792" l="19076" r="21363" t="12048"/>
+          <a:srcRect l="19076" t="12048" r="21363" b="12792"/>
           <a:stretch/>
         </p:blipFill>
         <p:spPr>
@@ -9013,11 +9394,78 @@
 </file>
 
 <file path=ppt/slides/slide4.xml><?xml version="1.0" encoding="utf-8"?>
-<p:sld xmlns:a="http://schemas.openxmlformats.org/drawingml/2006/main" xmlns:r="http://schemas.openxmlformats.org/officeDocument/2006/relationships" xmlns:mc="http://schemas.openxmlformats.org/markup-compatibility/2006" xmlns:mv="urn:schemas-microsoft-com:mac:vml" xmlns:p="http://schemas.openxmlformats.org/presentationml/2006/main" xmlns:c="http://schemas.openxmlformats.org/drawingml/2006/chart" xmlns:dgm="http://schemas.openxmlformats.org/drawingml/2006/diagram" xmlns:o="urn:schemas-microsoft-com:office:office" xmlns:v="urn:schemas-microsoft-com:vml" xmlns:pvml="urn:schemas-microsoft-com:office:powerpoint" xmlns:com="http://schemas.openxmlformats.org/drawingml/2006/compatibility" xmlns:p14="http://schemas.microsoft.com/office/powerpoint/2010/main" xmlns:p15="http://schemas.microsoft.com/office/powerpoint/2012/main">
+<p:sld xmlns:a="http://schemas.openxmlformats.org/drawingml/2006/main" xmlns:r="http://schemas.openxmlformats.org/officeDocument/2006/relationships" xmlns:p="http://schemas.openxmlformats.org/presentationml/2006/main">
   <p:cSld>
     <p:spTree>
       <p:nvGrpSpPr>
-        <p:cNvPr id="91" name="Shape 91"/>
+        <p:cNvPr id="1" name="Shape 157"/>
+        <p:cNvGrpSpPr/>
+        <p:nvPr/>
+      </p:nvGrpSpPr>
+      <p:grpSpPr>
+        <a:xfrm>
+          <a:off x="0" y="0"/>
+          <a:ext cx="0" cy="0"/>
+          <a:chOff x="0" y="0"/>
+          <a:chExt cx="0" cy="0"/>
+        </a:xfrm>
+      </p:grpSpPr>
+      <p:sp>
+        <p:nvSpPr>
+          <p:cNvPr id="158" name="Google Shape;158;p27"/>
+          <p:cNvSpPr txBox="1">
+            <a:spLocks noGrp="1"/>
+          </p:cNvSpPr>
+          <p:nvPr>
+            <p:ph type="title"/>
+          </p:nvPr>
+        </p:nvSpPr>
+        <p:spPr>
+          <a:xfrm>
+            <a:off x="773700" y="1806450"/>
+            <a:ext cx="7596600" cy="1530600"/>
+          </a:xfrm>
+          <a:prstGeom prst="rect">
+            <a:avLst/>
+          </a:prstGeom>
+        </p:spPr>
+        <p:txBody>
+          <a:bodyPr spcFirstLastPara="1" wrap="square" lIns="91425" tIns="91425" rIns="91425" bIns="91425" anchor="ctr" anchorCtr="0">
+            <a:noAutofit/>
+          </a:bodyPr>
+          <a:lstStyle/>
+          <a:p>
+            <a:pPr marL="0" lvl="0" indent="0" algn="ctr" rtl="0">
+              <a:spcBef>
+                <a:spcPts val="0"/>
+              </a:spcBef>
+              <a:spcAft>
+                <a:spcPts val="0"/>
+              </a:spcAft>
+              <a:buNone/>
+            </a:pPr>
+            <a:r>
+              <a:rPr lang="pl"/>
+              <a:t>Demo</a:t>
+            </a:r>
+            <a:endParaRPr/>
+          </a:p>
+        </p:txBody>
+      </p:sp>
+    </p:spTree>
+  </p:cSld>
+  <p:clrMapOvr>
+    <a:masterClrMapping/>
+  </p:clrMapOvr>
+</p:sld>
+</file>
+
+<file path=ppt/slides/slide5.xml><?xml version="1.0" encoding="utf-8"?>
+<p:sld xmlns:a="http://schemas.openxmlformats.org/drawingml/2006/main" xmlns:r="http://schemas.openxmlformats.org/officeDocument/2006/relationships" xmlns:p="http://schemas.openxmlformats.org/presentationml/2006/main">
+  <p:cSld>
+    <p:spTree>
+      <p:nvGrpSpPr>
+        <p:cNvPr id="1" name="Shape 91"/>
         <p:cNvGrpSpPr/>
         <p:nvPr/>
       </p:nvGrpSpPr>
@@ -9032,7 +9480,9 @@
       <p:sp>
         <p:nvSpPr>
           <p:cNvPr id="92" name="Google Shape;92;p16"/>
-          <p:cNvSpPr txBox="1"/>
+          <p:cNvSpPr txBox="1">
+            <a:spLocks noGrp="1"/>
+          </p:cNvSpPr>
           <p:nvPr>
             <p:ph type="title"/>
           </p:nvPr>
@@ -9047,12 +9497,12 @@
           </a:prstGeom>
         </p:spPr>
         <p:txBody>
-          <a:bodyPr anchorCtr="0" anchor="b" bIns="91425" lIns="91425" spcFirstLastPara="1" rIns="91425" wrap="square" tIns="91425">
+          <a:bodyPr spcFirstLastPara="1" wrap="square" lIns="91425" tIns="91425" rIns="91425" bIns="91425" anchor="b" anchorCtr="0">
             <a:noAutofit/>
           </a:bodyPr>
           <a:lstStyle/>
           <a:p>
-            <a:pPr indent="0" lvl="0" marL="0" rtl="0" algn="l">
+            <a:pPr marL="0" lvl="0" indent="0" algn="l" rtl="0">
               <a:spcBef>
                 <a:spcPts val="0"/>
               </a:spcBef>
@@ -9105,12 +9555,12 @@
 </p:sld>
 </file>
 
-<file path=ppt/slides/slide5.xml><?xml version="1.0" encoding="utf-8"?>
-<p:sld xmlns:a="http://schemas.openxmlformats.org/drawingml/2006/main" xmlns:r="http://schemas.openxmlformats.org/officeDocument/2006/relationships" xmlns:mc="http://schemas.openxmlformats.org/markup-compatibility/2006" xmlns:mv="urn:schemas-microsoft-com:mac:vml" xmlns:p="http://schemas.openxmlformats.org/presentationml/2006/main" xmlns:c="http://schemas.openxmlformats.org/drawingml/2006/chart" xmlns:dgm="http://schemas.openxmlformats.org/drawingml/2006/diagram" xmlns:o="urn:schemas-microsoft-com:office:office" xmlns:v="urn:schemas-microsoft-com:vml" xmlns:pvml="urn:schemas-microsoft-com:office:powerpoint" xmlns:com="http://schemas.openxmlformats.org/drawingml/2006/compatibility" xmlns:p14="http://schemas.microsoft.com/office/powerpoint/2010/main" xmlns:p15="http://schemas.microsoft.com/office/powerpoint/2012/main">
+<file path=ppt/slides/slide6.xml><?xml version="1.0" encoding="utf-8"?>
+<p:sld xmlns:a="http://schemas.openxmlformats.org/drawingml/2006/main" xmlns:r="http://schemas.openxmlformats.org/officeDocument/2006/relationships" xmlns:p="http://schemas.openxmlformats.org/presentationml/2006/main">
   <p:cSld>
     <p:spTree>
       <p:nvGrpSpPr>
-        <p:cNvPr id="97" name="Shape 97"/>
+        <p:cNvPr id="1" name="Shape 97"/>
         <p:cNvGrpSpPr/>
         <p:nvPr/>
       </p:nvGrpSpPr>
@@ -9125,7 +9575,9 @@
       <p:sp>
         <p:nvSpPr>
           <p:cNvPr id="98" name="Google Shape;98;p17"/>
-          <p:cNvSpPr txBox="1"/>
+          <p:cNvSpPr txBox="1">
+            <a:spLocks noGrp="1"/>
+          </p:cNvSpPr>
           <p:nvPr>
             <p:ph type="title"/>
           </p:nvPr>
@@ -9140,12 +9592,12 @@
           </a:prstGeom>
         </p:spPr>
         <p:txBody>
-          <a:bodyPr anchorCtr="0" anchor="b" bIns="91425" lIns="91425" spcFirstLastPara="1" rIns="91425" wrap="square" tIns="91425">
+          <a:bodyPr spcFirstLastPara="1" wrap="square" lIns="91425" tIns="91425" rIns="91425" bIns="91425" anchor="b" anchorCtr="0">
             <a:noAutofit/>
           </a:bodyPr>
           <a:lstStyle/>
           <a:p>
-            <a:pPr indent="0" lvl="0" marL="0" rtl="0" algn="l">
+            <a:pPr marL="0" lvl="0" indent="0" algn="l" rtl="0">
               <a:spcBef>
                 <a:spcPts val="0"/>
               </a:spcBef>
@@ -9170,7 +9622,7 @@
         </p:nvGraphicFramePr>
         <p:xfrm>
           <a:off x="661900" y="1147225"/>
-          <a:ext cx="3000000" cy="3000000"/>
+          <a:ext cx="8170425" cy="2849650"/>
         </p:xfrm>
         <a:graphic>
           <a:graphicData uri="http://schemas.openxmlformats.org/drawingml/2006/table">
@@ -9180,9 +9632,27 @@
                 <a:tableStyleId>{FEF60803-AEE4-4C1E-9D77-56E64EF0ABCA}</a:tableStyleId>
               </a:tblPr>
               <a:tblGrid>
-                <a:gridCol w="2723475"/>
-                <a:gridCol w="2723475"/>
-                <a:gridCol w="2723475"/>
+                <a:gridCol w="2723475">
+                  <a:extLst>
+                    <a:ext uri="{9D8B030D-6E8A-4147-A177-3AD203B41FA5}">
+                      <a16:colId xmlns:a16="http://schemas.microsoft.com/office/drawing/2014/main" val="20000"/>
+                    </a:ext>
+                  </a:extLst>
+                </a:gridCol>
+                <a:gridCol w="2723475">
+                  <a:extLst>
+                    <a:ext uri="{9D8B030D-6E8A-4147-A177-3AD203B41FA5}">
+                      <a16:colId xmlns:a16="http://schemas.microsoft.com/office/drawing/2014/main" val="20001"/>
+                    </a:ext>
+                  </a:extLst>
+                </a:gridCol>
+                <a:gridCol w="2723475">
+                  <a:extLst>
+                    <a:ext uri="{9D8B030D-6E8A-4147-A177-3AD203B41FA5}">
+                      <a16:colId xmlns:a16="http://schemas.microsoft.com/office/drawing/2014/main" val="20002"/>
+                    </a:ext>
+                  </a:extLst>
+                </a:gridCol>
               </a:tblGrid>
               <a:tr h="688975">
                 <a:tc>
@@ -9190,7 +9660,7 @@
                     <a:bodyPr/>
                     <a:lstStyle/>
                     <a:p>
-                      <a:pPr indent="0" lvl="0" marL="0" rtl="0" algn="l">
+                      <a:pPr marL="0" lvl="0" indent="0" algn="l" rtl="0">
                         <a:spcBef>
                           <a:spcPts val="0"/>
                         </a:spcBef>
@@ -9206,14 +9676,14 @@
                       <a:endParaRPr/>
                     </a:p>
                   </a:txBody>
-                  <a:tcPr marT="91425" marB="91425" marR="91425" marL="91425"/>
+                  <a:tcPr marL="91425" marR="91425" marT="91425" marB="91425"/>
                 </a:tc>
                 <a:tc>
                   <a:txBody>
                     <a:bodyPr/>
                     <a:lstStyle/>
                     <a:p>
-                      <a:pPr indent="0" lvl="0" marL="0" rtl="0" algn="l">
+                      <a:pPr marL="0" lvl="0" indent="0" algn="l" rtl="0">
                         <a:spcBef>
                           <a:spcPts val="0"/>
                         </a:spcBef>
@@ -9229,14 +9699,14 @@
                       <a:endParaRPr/>
                     </a:p>
                   </a:txBody>
-                  <a:tcPr marT="91425" marB="91425" marR="91425" marL="91425"/>
+                  <a:tcPr marL="91425" marR="91425" marT="91425" marB="91425"/>
                 </a:tc>
                 <a:tc>
                   <a:txBody>
                     <a:bodyPr/>
                     <a:lstStyle/>
                     <a:p>
-                      <a:pPr indent="0" lvl="0" marL="0" rtl="0" algn="l">
+                      <a:pPr marL="0" lvl="0" indent="0" algn="l" rtl="0">
                         <a:spcBef>
                           <a:spcPts val="0"/>
                         </a:spcBef>
@@ -9252,8 +9722,13 @@
                       <a:endParaRPr/>
                     </a:p>
                   </a:txBody>
-                  <a:tcPr marT="91425" marB="91425" marR="91425" marL="91425"/>
+                  <a:tcPr marL="91425" marR="91425" marT="91425" marB="91425"/>
                 </a:tc>
+                <a:extLst>
+                  <a:ext uri="{0D108BD9-81ED-4DB2-BD59-A6C34878D82A}">
+                    <a16:rowId xmlns:a16="http://schemas.microsoft.com/office/drawing/2014/main" val="10000"/>
+                  </a:ext>
+                </a:extLst>
               </a:tr>
               <a:tr h="2160675">
                 <a:tc>
@@ -9261,7 +9736,7 @@
                     <a:bodyPr/>
                     <a:lstStyle/>
                     <a:p>
-                      <a:pPr indent="0" lvl="0" marL="0" rtl="0" algn="l">
+                      <a:pPr marL="0" lvl="0" indent="0" algn="l" rtl="0">
                         <a:spcBef>
                           <a:spcPts val="0"/>
                         </a:spcBef>
@@ -9272,16 +9747,12 @@
                       </a:pPr>
                       <a:r>
                         <a:rPr lang="pl"/>
-                        <a:t>- </a:t>
-                      </a:r>
-                      <a:r>
-                        <a:rPr lang="pl"/>
-                        <a:t>Form design and integration</a:t>
+                        <a:t>- Form design and integration</a:t>
                       </a:r>
                       <a:endParaRPr/>
                     </a:p>
                     <a:p>
-                      <a:pPr indent="0" lvl="0" marL="0" rtl="0" algn="l">
+                      <a:pPr marL="0" lvl="0" indent="0" algn="l" rtl="0">
                         <a:spcBef>
                           <a:spcPts val="0"/>
                         </a:spcBef>
@@ -9297,7 +9768,7 @@
                       <a:endParaRPr/>
                     </a:p>
                     <a:p>
-                      <a:pPr indent="0" lvl="0" marL="0" rtl="0" algn="l">
+                      <a:pPr marL="0" lvl="0" indent="0" algn="l" rtl="0">
                         <a:spcBef>
                           <a:spcPts val="0"/>
                         </a:spcBef>
@@ -9313,7 +9784,7 @@
                       <a:endParaRPr/>
                     </a:p>
                     <a:p>
-                      <a:pPr indent="0" lvl="0" marL="0" rtl="0" algn="l">
+                      <a:pPr marL="0" lvl="0" indent="0" algn="l" rtl="0">
                         <a:spcBef>
                           <a:spcPts val="0"/>
                         </a:spcBef>
@@ -9329,14 +9800,14 @@
                       <a:endParaRPr/>
                     </a:p>
                   </a:txBody>
-                  <a:tcPr marT="91425" marB="91425" marR="91425" marL="91425"/>
+                  <a:tcPr marL="91425" marR="91425" marT="91425" marB="91425"/>
                 </a:tc>
                 <a:tc>
                   <a:txBody>
                     <a:bodyPr/>
                     <a:lstStyle/>
                     <a:p>
-                      <a:pPr indent="0" lvl="0" marL="0" rtl="0" algn="l">
+                      <a:pPr marL="0" lvl="0" indent="0" algn="l" rtl="0">
                         <a:spcBef>
                           <a:spcPts val="0"/>
                         </a:spcBef>
@@ -9352,7 +9823,7 @@
                       <a:endParaRPr/>
                     </a:p>
                     <a:p>
-                      <a:pPr indent="0" lvl="0" marL="0" rtl="0" algn="l">
+                      <a:pPr marL="0" lvl="0" indent="0" algn="l" rtl="0">
                         <a:spcBef>
                           <a:spcPts val="0"/>
                         </a:spcBef>
@@ -9368,7 +9839,7 @@
                       <a:endParaRPr/>
                     </a:p>
                     <a:p>
-                      <a:pPr indent="0" lvl="0" marL="0" rtl="0" algn="l">
+                      <a:pPr marL="0" lvl="0" indent="0" algn="l" rtl="0">
                         <a:spcBef>
                           <a:spcPts val="0"/>
                         </a:spcBef>
@@ -9384,14 +9855,14 @@
                       <a:endParaRPr/>
                     </a:p>
                   </a:txBody>
-                  <a:tcPr marT="91425" marB="91425" marR="91425" marL="91425"/>
+                  <a:tcPr marL="91425" marR="91425" marT="91425" marB="91425"/>
                 </a:tc>
                 <a:tc>
                   <a:txBody>
                     <a:bodyPr/>
                     <a:lstStyle/>
                     <a:p>
-                      <a:pPr indent="0" lvl="0" marL="0" rtl="0" algn="l">
+                      <a:pPr marL="0" lvl="0" indent="0" algn="l" rtl="0">
                         <a:spcBef>
                           <a:spcPts val="0"/>
                         </a:spcBef>
@@ -9407,7 +9878,7 @@
                       <a:endParaRPr/>
                     </a:p>
                     <a:p>
-                      <a:pPr indent="0" lvl="0" marL="0" rtl="0" algn="l">
+                      <a:pPr marL="0" lvl="0" indent="0" algn="l" rtl="0">
                         <a:spcBef>
                           <a:spcPts val="0"/>
                         </a:spcBef>
@@ -9431,8 +9902,13 @@
                       <a:endParaRPr/>
                     </a:p>
                   </a:txBody>
-                  <a:tcPr marT="91425" marB="91425" marR="91425" marL="91425"/>
+                  <a:tcPr marL="91425" marR="91425" marT="91425" marB="91425"/>
                 </a:tc>
+                <a:extLst>
+                  <a:ext uri="{0D108BD9-81ED-4DB2-BD59-A6C34878D82A}">
+                    <a16:rowId xmlns:a16="http://schemas.microsoft.com/office/drawing/2014/main" val="10001"/>
+                  </a:ext>
+                </a:extLst>
               </a:tr>
             </a:tbl>
           </a:graphicData>
@@ -9446,12 +9922,12 @@
 </p:sld>
 </file>
 
-<file path=ppt/slides/slide6.xml><?xml version="1.0" encoding="utf-8"?>
-<p:sld xmlns:a="http://schemas.openxmlformats.org/drawingml/2006/main" xmlns:r="http://schemas.openxmlformats.org/officeDocument/2006/relationships" xmlns:mc="http://schemas.openxmlformats.org/markup-compatibility/2006" xmlns:mv="urn:schemas-microsoft-com:mac:vml" xmlns:p="http://schemas.openxmlformats.org/presentationml/2006/main" xmlns:c="http://schemas.openxmlformats.org/drawingml/2006/chart" xmlns:dgm="http://schemas.openxmlformats.org/drawingml/2006/diagram" xmlns:o="urn:schemas-microsoft-com:office:office" xmlns:v="urn:schemas-microsoft-com:vml" xmlns:pvml="urn:schemas-microsoft-com:office:powerpoint" xmlns:com="http://schemas.openxmlformats.org/drawingml/2006/compatibility" xmlns:p14="http://schemas.microsoft.com/office/powerpoint/2010/main" xmlns:p15="http://schemas.microsoft.com/office/powerpoint/2012/main">
+<file path=ppt/slides/slide7.xml><?xml version="1.0" encoding="utf-8"?>
+<p:sld xmlns:a="http://schemas.openxmlformats.org/drawingml/2006/main" xmlns:r="http://schemas.openxmlformats.org/officeDocument/2006/relationships" xmlns:p="http://schemas.openxmlformats.org/presentationml/2006/main">
   <p:cSld>
     <p:spTree>
       <p:nvGrpSpPr>
-        <p:cNvPr id="103" name="Shape 103"/>
+        <p:cNvPr id="1" name="Shape 103"/>
         <p:cNvGrpSpPr/>
         <p:nvPr/>
       </p:nvGrpSpPr>
@@ -9466,7 +9942,9 @@
       <p:sp>
         <p:nvSpPr>
           <p:cNvPr id="104" name="Google Shape;104;p18"/>
-          <p:cNvSpPr txBox="1"/>
+          <p:cNvSpPr txBox="1">
+            <a:spLocks noGrp="1"/>
+          </p:cNvSpPr>
           <p:nvPr>
             <p:ph type="title"/>
           </p:nvPr>
@@ -9481,12 +9959,12 @@
           </a:prstGeom>
         </p:spPr>
         <p:txBody>
-          <a:bodyPr anchorCtr="0" anchor="b" bIns="91425" lIns="91425" spcFirstLastPara="1" rIns="91425" wrap="square" tIns="91425">
+          <a:bodyPr spcFirstLastPara="1" wrap="square" lIns="91425" tIns="91425" rIns="91425" bIns="91425" anchor="b" anchorCtr="0">
             <a:noAutofit/>
           </a:bodyPr>
           <a:lstStyle/>
           <a:p>
-            <a:pPr indent="0" lvl="0" marL="0" rtl="0" algn="l">
+            <a:pPr marL="0" lvl="0" indent="0" algn="l" rtl="0">
               <a:spcBef>
                 <a:spcPts val="0"/>
               </a:spcBef>
@@ -9506,9 +9984,11 @@
       <p:sp>
         <p:nvSpPr>
           <p:cNvPr id="105" name="Google Shape;105;p18"/>
-          <p:cNvSpPr txBox="1"/>
+          <p:cNvSpPr txBox="1">
+            <a:spLocks noGrp="1"/>
+          </p:cNvSpPr>
           <p:nvPr>
-            <p:ph idx="1" type="body"/>
+            <p:ph type="body" idx="1"/>
           </p:nvPr>
         </p:nvSpPr>
         <p:spPr>
@@ -9521,12 +10001,12 @@
           </a:prstGeom>
         </p:spPr>
         <p:txBody>
-          <a:bodyPr anchorCtr="0" anchor="t" bIns="91425" lIns="91425" spcFirstLastPara="1" rIns="91425" wrap="square" tIns="91425">
+          <a:bodyPr spcFirstLastPara="1" wrap="square" lIns="91425" tIns="91425" rIns="91425" bIns="91425" anchor="t" anchorCtr="0">
             <a:noAutofit/>
           </a:bodyPr>
           <a:lstStyle/>
           <a:p>
-            <a:pPr indent="-342900" lvl="0" marL="457200" rtl="0" algn="l">
+            <a:pPr marL="457200" lvl="0" indent="-342900" algn="l" rtl="0">
               <a:spcBef>
                 <a:spcPts val="0"/>
               </a:spcBef>
@@ -9543,7 +10023,7 @@
             <a:endParaRPr/>
           </a:p>
           <a:p>
-            <a:pPr indent="-342900" lvl="0" marL="457200" rtl="0" algn="l">
+            <a:pPr marL="457200" lvl="0" indent="-342900" algn="l" rtl="0">
               <a:spcBef>
                 <a:spcPts val="0"/>
               </a:spcBef>
@@ -9560,7 +10040,7 @@
             <a:endParaRPr/>
           </a:p>
           <a:p>
-            <a:pPr indent="-342900" lvl="0" marL="457200" rtl="0" algn="l">
+            <a:pPr marL="457200" lvl="0" indent="-342900" algn="l" rtl="0">
               <a:spcBef>
                 <a:spcPts val="0"/>
               </a:spcBef>
@@ -9577,7 +10057,7 @@
             <a:endParaRPr/>
           </a:p>
           <a:p>
-            <a:pPr indent="-342900" lvl="0" marL="457200" rtl="0" algn="l">
+            <a:pPr marL="457200" lvl="0" indent="-342900" algn="l" rtl="0">
               <a:spcBef>
                 <a:spcPts val="0"/>
               </a:spcBef>
@@ -9594,7 +10074,7 @@
             <a:endParaRPr/>
           </a:p>
           <a:p>
-            <a:pPr indent="-342900" lvl="0" marL="457200" rtl="0" algn="l">
+            <a:pPr marL="457200" lvl="0" indent="-342900" algn="l" rtl="0">
               <a:spcBef>
                 <a:spcPts val="0"/>
               </a:spcBef>
@@ -9611,7 +10091,7 @@
             <a:endParaRPr/>
           </a:p>
           <a:p>
-            <a:pPr indent="-342900" lvl="0" marL="457200" rtl="0" algn="l">
+            <a:pPr marL="457200" lvl="0" indent="-342900" algn="l" rtl="0">
               <a:spcBef>
                 <a:spcPts val="0"/>
               </a:spcBef>
@@ -9637,12 +10117,12 @@
 </p:sld>
 </file>
 
-<file path=ppt/slides/slide7.xml><?xml version="1.0" encoding="utf-8"?>
-<p:sld xmlns:a="http://schemas.openxmlformats.org/drawingml/2006/main" xmlns:r="http://schemas.openxmlformats.org/officeDocument/2006/relationships" xmlns:mc="http://schemas.openxmlformats.org/markup-compatibility/2006" xmlns:mv="urn:schemas-microsoft-com:mac:vml" xmlns:p="http://schemas.openxmlformats.org/presentationml/2006/main" xmlns:c="http://schemas.openxmlformats.org/drawingml/2006/chart" xmlns:dgm="http://schemas.openxmlformats.org/drawingml/2006/diagram" xmlns:o="urn:schemas-microsoft-com:office:office" xmlns:v="urn:schemas-microsoft-com:vml" xmlns:pvml="urn:schemas-microsoft-com:office:powerpoint" xmlns:com="http://schemas.openxmlformats.org/drawingml/2006/compatibility" xmlns:p14="http://schemas.microsoft.com/office/powerpoint/2010/main" xmlns:p15="http://schemas.microsoft.com/office/powerpoint/2012/main">
+<file path=ppt/slides/slide8.xml><?xml version="1.0" encoding="utf-8"?>
+<p:sld xmlns:a="http://schemas.openxmlformats.org/drawingml/2006/main" xmlns:r="http://schemas.openxmlformats.org/officeDocument/2006/relationships" xmlns:p="http://schemas.openxmlformats.org/presentationml/2006/main">
   <p:cSld>
     <p:spTree>
       <p:nvGrpSpPr>
-        <p:cNvPr id="109" name="Shape 109"/>
+        <p:cNvPr id="1" name="Shape 109"/>
         <p:cNvGrpSpPr/>
         <p:nvPr/>
       </p:nvGrpSpPr>
@@ -9657,7 +10137,9 @@
       <p:sp>
         <p:nvSpPr>
           <p:cNvPr id="110" name="Google Shape;110;p19"/>
-          <p:cNvSpPr txBox="1"/>
+          <p:cNvSpPr txBox="1">
+            <a:spLocks noGrp="1"/>
+          </p:cNvSpPr>
           <p:nvPr>
             <p:ph type="title"/>
           </p:nvPr>
@@ -9672,12 +10154,12 @@
           </a:prstGeom>
         </p:spPr>
         <p:txBody>
-          <a:bodyPr anchorCtr="0" anchor="b" bIns="91425" lIns="91425" spcFirstLastPara="1" rIns="91425" wrap="square" tIns="91425">
+          <a:bodyPr spcFirstLastPara="1" wrap="square" lIns="91425" tIns="91425" rIns="91425" bIns="91425" anchor="b" anchorCtr="0">
             <a:noAutofit/>
           </a:bodyPr>
           <a:lstStyle/>
           <a:p>
-            <a:pPr indent="0" lvl="0" marL="0" rtl="0" algn="l">
+            <a:pPr marL="0" lvl="0" indent="0" algn="l" rtl="0">
               <a:spcBef>
                 <a:spcPts val="0"/>
               </a:spcBef>
@@ -9697,9 +10179,11 @@
       <p:sp>
         <p:nvSpPr>
           <p:cNvPr id="111" name="Google Shape;111;p19"/>
-          <p:cNvSpPr txBox="1"/>
+          <p:cNvSpPr txBox="1">
+            <a:spLocks noGrp="1"/>
+          </p:cNvSpPr>
           <p:nvPr>
-            <p:ph idx="1" type="body"/>
+            <p:ph type="body" idx="1"/>
           </p:nvPr>
         </p:nvSpPr>
         <p:spPr>
@@ -9712,12 +10196,12 @@
           </a:prstGeom>
         </p:spPr>
         <p:txBody>
-          <a:bodyPr anchorCtr="0" anchor="t" bIns="91425" lIns="91425" spcFirstLastPara="1" rIns="91425" wrap="square" tIns="91425">
+          <a:bodyPr spcFirstLastPara="1" wrap="square" lIns="91425" tIns="91425" rIns="91425" bIns="91425" anchor="t" anchorCtr="0">
             <a:noAutofit/>
           </a:bodyPr>
           <a:lstStyle/>
           <a:p>
-            <a:pPr indent="0" lvl="0" marL="0" rtl="0" algn="l">
+            <a:pPr marL="0" lvl="0" indent="0" algn="l" rtl="0">
               <a:lnSpc>
                 <a:spcPct val="90000"/>
               </a:lnSpc>
@@ -9735,21 +10219,21 @@
               <a:buNone/>
             </a:pPr>
             <a:r>
-              <a:rPr b="1" lang="pl" sz="2400">
+              <a:rPr lang="pl" sz="2400" b="1" dirty="0">
                 <a:solidFill>
                   <a:schemeClr val="dk1"/>
                 </a:solidFill>
               </a:rPr>
               <a:t>Frameworks:</a:t>
             </a:r>
-            <a:endParaRPr b="1" sz="2400">
+            <a:endParaRPr sz="2400" b="1" dirty="0">
               <a:solidFill>
                 <a:schemeClr val="dk1"/>
               </a:solidFill>
             </a:endParaRPr>
           </a:p>
           <a:p>
-            <a:pPr indent="0" lvl="0" marL="0" rtl="0" algn="l">
+            <a:pPr marL="0" lvl="0" indent="0" algn="l" rtl="0">
               <a:lnSpc>
                 <a:spcPct val="90000"/>
               </a:lnSpc>
@@ -9767,21 +10251,21 @@
               <a:buNone/>
             </a:pPr>
             <a:r>
-              <a:rPr lang="pl" sz="2400">
+              <a:rPr lang="pl" sz="2400" dirty="0">
                 <a:solidFill>
                   <a:schemeClr val="dk1"/>
                 </a:solidFill>
               </a:rPr>
               <a:t>Django</a:t>
             </a:r>
-            <a:endParaRPr sz="2400">
+            <a:endParaRPr sz="2400" dirty="0">
               <a:solidFill>
                 <a:schemeClr val="dk1"/>
               </a:solidFill>
             </a:endParaRPr>
           </a:p>
           <a:p>
-            <a:pPr indent="0" lvl="0" marL="0" rtl="0" algn="l">
+            <a:pPr marL="0" lvl="0" indent="0" algn="l" rtl="0">
               <a:lnSpc>
                 <a:spcPct val="90000"/>
               </a:lnSpc>
@@ -9799,21 +10283,21 @@
               <a:buNone/>
             </a:pPr>
             <a:r>
-              <a:rPr b="1" lang="pl" sz="2400">
+              <a:rPr lang="pl" sz="2400" b="1" dirty="0">
                 <a:solidFill>
                   <a:schemeClr val="dk1"/>
                 </a:solidFill>
               </a:rPr>
               <a:t>Components:</a:t>
             </a:r>
-            <a:endParaRPr b="1" sz="2400">
+            <a:endParaRPr sz="2400" b="1" dirty="0">
               <a:solidFill>
                 <a:schemeClr val="dk1"/>
               </a:solidFill>
             </a:endParaRPr>
           </a:p>
           <a:p>
-            <a:pPr indent="0" lvl="0" marL="0" rtl="0" algn="l">
+            <a:pPr marL="0" lvl="0" indent="0" algn="l" rtl="0">
               <a:lnSpc>
                 <a:spcPct val="90000"/>
               </a:lnSpc>
@@ -9831,21 +10315,21 @@
               <a:buNone/>
             </a:pPr>
             <a:r>
-              <a:rPr lang="pl" sz="2400">
+              <a:rPr lang="pl" sz="2400" dirty="0">
                 <a:solidFill>
                   <a:schemeClr val="dk1"/>
                 </a:solidFill>
               </a:rPr>
               <a:t>HTML, CSS, JavaScript, jQuery, AJAX, plotly, ChartJS</a:t>
             </a:r>
-            <a:endParaRPr sz="2400">
+            <a:endParaRPr sz="2400" dirty="0">
               <a:solidFill>
                 <a:schemeClr val="dk1"/>
               </a:solidFill>
             </a:endParaRPr>
           </a:p>
           <a:p>
-            <a:pPr indent="0" lvl="0" marL="0" rtl="0" algn="l">
+            <a:pPr marL="0" lvl="0" indent="0" algn="l" rtl="0">
               <a:lnSpc>
                 <a:spcPct val="90000"/>
               </a:lnSpc>
@@ -9863,21 +10347,21 @@
               <a:buNone/>
             </a:pPr>
             <a:r>
-              <a:rPr b="1" lang="pl" sz="2400">
+              <a:rPr lang="pl" sz="2400" b="1" dirty="0">
                 <a:solidFill>
                   <a:schemeClr val="dk1"/>
                 </a:solidFill>
               </a:rPr>
               <a:t>Tools:</a:t>
             </a:r>
-            <a:endParaRPr b="1" sz="2400">
+            <a:endParaRPr sz="2400" b="1" dirty="0">
               <a:solidFill>
                 <a:schemeClr val="dk1"/>
               </a:solidFill>
             </a:endParaRPr>
           </a:p>
           <a:p>
-            <a:pPr indent="0" lvl="0" marL="0" rtl="0" algn="l">
+            <a:pPr marL="0" lvl="0" indent="0" algn="l" rtl="0">
               <a:lnSpc>
                 <a:spcPct val="90000"/>
               </a:lnSpc>
@@ -9895,7 +10379,7 @@
               <a:buNone/>
             </a:pPr>
             <a:r>
-              <a:rPr lang="pl" sz="2400">
+              <a:rPr lang="pl" sz="2400" dirty="0">
                 <a:solidFill>
                   <a:schemeClr val="dk1"/>
                 </a:solidFill>
@@ -9903,17 +10387,17 @@
               <a:t>PyCharm, npm, </a:t>
             </a:r>
             <a:r>
-              <a:rPr lang="pl" sz="2400"/>
+              <a:rPr lang="pl" sz="2400" dirty="0"/>
               <a:t>SQLite 3</a:t>
             </a:r>
-            <a:endParaRPr sz="2400">
+            <a:endParaRPr sz="2400" dirty="0">
               <a:solidFill>
                 <a:schemeClr val="dk1"/>
               </a:solidFill>
             </a:endParaRPr>
           </a:p>
           <a:p>
-            <a:pPr indent="0" lvl="0" marL="0" rtl="0" algn="l">
+            <a:pPr marL="0" lvl="0" indent="0" algn="l" rtl="0">
               <a:spcBef>
                 <a:spcPts val="0"/>
               </a:spcBef>
@@ -9922,10 +10406,7 @@
               </a:spcAft>
               <a:buNone/>
             </a:pPr>
-            <a:r>
-              <a:t/>
-            </a:r>
-            <a:endParaRPr/>
+            <a:endParaRPr dirty="0"/>
           </a:p>
         </p:txBody>
       </p:sp>
@@ -9937,12 +10418,12 @@
 </p:sld>
 </file>
 
-<file path=ppt/slides/slide8.xml><?xml version="1.0" encoding="utf-8"?>
-<p:sld xmlns:a="http://schemas.openxmlformats.org/drawingml/2006/main" xmlns:r="http://schemas.openxmlformats.org/officeDocument/2006/relationships" xmlns:mc="http://schemas.openxmlformats.org/markup-compatibility/2006" xmlns:mv="urn:schemas-microsoft-com:mac:vml" xmlns:p="http://schemas.openxmlformats.org/presentationml/2006/main" xmlns:c="http://schemas.openxmlformats.org/drawingml/2006/chart" xmlns:dgm="http://schemas.openxmlformats.org/drawingml/2006/diagram" xmlns:o="urn:schemas-microsoft-com:office:office" xmlns:v="urn:schemas-microsoft-com:vml" xmlns:pvml="urn:schemas-microsoft-com:office:powerpoint" xmlns:com="http://schemas.openxmlformats.org/drawingml/2006/compatibility" xmlns:p14="http://schemas.microsoft.com/office/powerpoint/2010/main" xmlns:p15="http://schemas.microsoft.com/office/powerpoint/2012/main">
+<file path=ppt/slides/slide9.xml><?xml version="1.0" encoding="utf-8"?>
+<p:sld xmlns:a="http://schemas.openxmlformats.org/drawingml/2006/main" xmlns:r="http://schemas.openxmlformats.org/officeDocument/2006/relationships" xmlns:p="http://schemas.openxmlformats.org/presentationml/2006/main">
   <p:cSld>
     <p:spTree>
       <p:nvGrpSpPr>
-        <p:cNvPr id="115" name="Shape 115"/>
+        <p:cNvPr id="1" name="Shape 115"/>
         <p:cNvGrpSpPr/>
         <p:nvPr/>
       </p:nvGrpSpPr>
@@ -9957,7 +10438,9 @@
       <p:sp>
         <p:nvSpPr>
           <p:cNvPr id="116" name="Google Shape;116;p20"/>
-          <p:cNvSpPr txBox="1"/>
+          <p:cNvSpPr txBox="1">
+            <a:spLocks noGrp="1"/>
+          </p:cNvSpPr>
           <p:nvPr>
             <p:ph type="title"/>
           </p:nvPr>
@@ -9972,12 +10455,12 @@
           </a:prstGeom>
         </p:spPr>
         <p:txBody>
-          <a:bodyPr anchorCtr="0" anchor="b" bIns="91425" lIns="91425" spcFirstLastPara="1" rIns="91425" wrap="square" tIns="91425">
+          <a:bodyPr spcFirstLastPara="1" wrap="square" lIns="91425" tIns="91425" rIns="91425" bIns="91425" anchor="b" anchorCtr="0">
             <a:noAutofit/>
           </a:bodyPr>
           <a:lstStyle/>
           <a:p>
-            <a:pPr indent="0" lvl="0" marL="0" rtl="0" algn="l">
+            <a:pPr marL="0" lvl="0" indent="0" algn="l" rtl="0">
               <a:spcBef>
                 <a:spcPts val="0"/>
               </a:spcBef>
@@ -9998,11 +10481,17 @@
         <p:nvGraphicFramePr>
           <p:cNvPr id="117" name="Google Shape;117;p20"/>
           <p:cNvGraphicFramePr/>
-          <p:nvPr/>
+          <p:nvPr>
+            <p:extLst>
+              <p:ext uri="{D42A27DB-BD31-4B8C-83A1-F6EECF244321}">
+                <p14:modId xmlns:p14="http://schemas.microsoft.com/office/powerpoint/2010/main" val="2528459896"/>
+              </p:ext>
+            </p:extLst>
+          </p:nvPr>
         </p:nvGraphicFramePr>
         <p:xfrm>
-          <a:off x="202513" y="1147225"/>
-          <a:ext cx="3000000" cy="3000000"/>
+          <a:off x="202512" y="1147225"/>
+          <a:ext cx="8629787" cy="4177805"/>
         </p:xfrm>
         <a:graphic>
           <a:graphicData uri="http://schemas.openxmlformats.org/drawingml/2006/table">
@@ -10012,17 +10501,35 @@
                 <a:tableStyleId>{FEF60803-AEE4-4C1E-9D77-56E64EF0ABCA}</a:tableStyleId>
               </a:tblPr>
               <a:tblGrid>
-                <a:gridCol w="1542075"/>
-                <a:gridCol w="4138325"/>
-                <a:gridCol w="2840200"/>
+                <a:gridCol w="1561836">
+                  <a:extLst>
+                    <a:ext uri="{9D8B030D-6E8A-4147-A177-3AD203B41FA5}">
+                      <a16:colId xmlns:a16="http://schemas.microsoft.com/office/drawing/2014/main" val="20000"/>
+                    </a:ext>
+                  </a:extLst>
+                </a:gridCol>
+                <a:gridCol w="3617460">
+                  <a:extLst>
+                    <a:ext uri="{9D8B030D-6E8A-4147-A177-3AD203B41FA5}">
+                      <a16:colId xmlns:a16="http://schemas.microsoft.com/office/drawing/2014/main" val="20001"/>
+                    </a:ext>
+                  </a:extLst>
+                </a:gridCol>
+                <a:gridCol w="3450491">
+                  <a:extLst>
+                    <a:ext uri="{9D8B030D-6E8A-4147-A177-3AD203B41FA5}">
+                      <a16:colId xmlns:a16="http://schemas.microsoft.com/office/drawing/2014/main" val="20002"/>
+                    </a:ext>
+                  </a:extLst>
+                </a:gridCol>
               </a:tblGrid>
-              <a:tr h="360575">
+              <a:tr h="366712">
                 <a:tc>
                   <a:txBody>
                     <a:bodyPr/>
                     <a:lstStyle/>
                     <a:p>
-                      <a:pPr indent="0" lvl="0" marL="0" rtl="0" algn="l">
+                      <a:pPr marL="0" lvl="0" indent="0" algn="l" rtl="0">
                         <a:spcBef>
                           <a:spcPts val="0"/>
                         </a:spcBef>
@@ -10032,20 +10539,20 @@
                         <a:buNone/>
                       </a:pPr>
                       <a:r>
-                        <a:rPr b="1" lang="pl"/>
+                        <a:rPr lang="pl" b="1"/>
                         <a:t>Technology</a:t>
                       </a:r>
                       <a:endParaRPr b="1"/>
                     </a:p>
                   </a:txBody>
-                  <a:tcPr marT="91425" marB="91425" marR="91425" marL="91425"/>
+                  <a:tcPr marL="91425" marR="91425" marT="91425" marB="91425"/>
                 </a:tc>
                 <a:tc>
                   <a:txBody>
                     <a:bodyPr/>
                     <a:lstStyle/>
                     <a:p>
-                      <a:pPr indent="0" lvl="0" marL="0" rtl="0" algn="l">
+                      <a:pPr marL="0" lvl="0" indent="0" algn="l" rtl="0">
                         <a:spcBef>
                           <a:spcPts val="0"/>
                         </a:spcBef>
@@ -10055,20 +10562,20 @@
                         <a:buNone/>
                       </a:pPr>
                       <a:r>
-                        <a:rPr b="1" lang="pl"/>
+                        <a:rPr lang="pl" b="1"/>
                         <a:t>Pros</a:t>
                       </a:r>
                       <a:endParaRPr b="1"/>
                     </a:p>
                   </a:txBody>
-                  <a:tcPr marT="91425" marB="91425" marR="91425" marL="91425"/>
+                  <a:tcPr marL="91425" marR="91425" marT="91425" marB="91425"/>
                 </a:tc>
                 <a:tc>
                   <a:txBody>
                     <a:bodyPr/>
                     <a:lstStyle/>
                     <a:p>
-                      <a:pPr indent="0" lvl="0" marL="0" rtl="0" algn="l">
+                      <a:pPr marL="0" lvl="0" indent="0" algn="l" rtl="0">
                         <a:spcBef>
                           <a:spcPts val="0"/>
                         </a:spcBef>
@@ -10078,22 +10585,27 @@
                         <a:buNone/>
                       </a:pPr>
                       <a:r>
-                        <a:rPr b="1" lang="pl"/>
+                        <a:rPr lang="pl" b="1" dirty="0"/>
                         <a:t>Cons</a:t>
                       </a:r>
-                      <a:endParaRPr b="1"/>
+                      <a:endParaRPr b="1" dirty="0"/>
                     </a:p>
                   </a:txBody>
-                  <a:tcPr marT="91425" marB="91425" marR="91425" marL="91425"/>
+                  <a:tcPr marL="91425" marR="91425" marT="91425" marB="91425"/>
                 </a:tc>
+                <a:extLst>
+                  <a:ext uri="{0D108BD9-81ED-4DB2-BD59-A6C34878D82A}">
+                    <a16:rowId xmlns:a16="http://schemas.microsoft.com/office/drawing/2014/main" val="10000"/>
+                  </a:ext>
+                </a:extLst>
               </a:tr>
-              <a:tr h="745700">
+              <a:tr h="1156614">
                 <a:tc>
                   <a:txBody>
                     <a:bodyPr/>
                     <a:lstStyle/>
                     <a:p>
-                      <a:pPr indent="0" lvl="0" marL="0" rtl="0" algn="l">
+                      <a:pPr marL="0" lvl="0" indent="0" algn="l" rtl="0">
                         <a:spcBef>
                           <a:spcPts val="0"/>
                         </a:spcBef>
@@ -10109,14 +10621,14 @@
                       <a:endParaRPr/>
                     </a:p>
                   </a:txBody>
-                  <a:tcPr marT="91425" marB="91425" marR="91425" marL="91425"/>
+                  <a:tcPr marL="91425" marR="91425" marT="91425" marB="91425"/>
                 </a:tc>
                 <a:tc>
                   <a:txBody>
                     <a:bodyPr/>
                     <a:lstStyle/>
                     <a:p>
-                      <a:pPr indent="0" lvl="0" marL="0" rtl="0" algn="l">
+                      <a:pPr marL="0" lvl="0" indent="0" algn="l" rtl="0">
                         <a:spcBef>
                           <a:spcPts val="0"/>
                         </a:spcBef>
@@ -10126,17 +10638,32 @@
                         <a:buNone/>
                       </a:pPr>
                       <a:r>
-                        <a:rPr lang="pl"/>
-                        <a:t>- </a:t>
+                        <a:rPr lang="pl" dirty="0"/>
+                        <a:t>- Prescriptive solution for all our needs</a:t>
                       </a:r>
-                      <a:r>
-                        <a:rPr lang="pl"/>
-                        <a:t>Prescriptive solution for all our needs</a:t>
-                      </a:r>
-                      <a:endParaRPr/>
+                      <a:endParaRPr dirty="0"/>
                     </a:p>
                     <a:p>
-                      <a:pPr indent="0" lvl="0" marL="0" rtl="0" algn="l">
+                      <a:pPr marL="0" lvl="0" indent="0" algn="l" rtl="0">
+                        <a:spcBef>
+                          <a:spcPts val="0"/>
+                        </a:spcBef>
+                        <a:spcAft>
+                          <a:spcPts val="0"/>
+                        </a:spcAft>
+                        <a:buNone/>
+                      </a:pPr>
+                      <a:endParaRPr dirty="0"/>
+                    </a:p>
+                  </a:txBody>
+                  <a:tcPr marL="91425" marR="91425" marT="91425" marB="91425"/>
+                </a:tc>
+                <a:tc>
+                  <a:txBody>
+                    <a:bodyPr/>
+                    <a:lstStyle/>
+                    <a:p>
+                      <a:pPr marL="0" lvl="0" indent="0" algn="l" rtl="0">
                         <a:spcBef>
                           <a:spcPts val="0"/>
                         </a:spcBef>
@@ -10146,20 +10673,13 @@
                         <a:buNone/>
                       </a:pPr>
                       <a:r>
-                        <a:rPr lang="pl"/>
-                        <a:t>- Require deeper understanding of web development </a:t>
+                        <a:rPr lang="pl" dirty="0"/>
+                        <a:t>- Inflexible at times</a:t>
                       </a:r>
-                      <a:endParaRPr/>
+                      <a:endParaRPr dirty="0"/>
                     </a:p>
-                  </a:txBody>
-                  <a:tcPr marT="91425" marB="91425" marR="91425" marL="91425"/>
-                </a:tc>
-                <a:tc>
-                  <a:txBody>
-                    <a:bodyPr/>
-                    <a:lstStyle/>
                     <a:p>
-                      <a:pPr indent="0" lvl="0" marL="0" rtl="0" algn="l">
+                      <a:pPr marL="0" lvl="0" indent="0" algn="l" rtl="0">
                         <a:spcBef>
                           <a:spcPts val="0"/>
                         </a:spcBef>
@@ -10169,17 +10689,13 @@
                         <a:buNone/>
                       </a:pPr>
                       <a:r>
-                        <a:rPr lang="pl"/>
-                        <a:t>- </a:t>
+                        <a:rPr lang="pl" dirty="0"/>
+                        <a:t>- Hard to integrate with modern </a:t>
                       </a:r>
-                      <a:r>
-                        <a:rPr lang="pl"/>
-                        <a:t>Inflexible at times</a:t>
-                      </a:r>
-                      <a:endParaRPr/>
+                      <a:endParaRPr dirty="0"/>
                     </a:p>
                     <a:p>
-                      <a:pPr indent="0" lvl="0" marL="0" rtl="0" algn="l">
+                      <a:pPr marL="0" lvl="0" indent="0" algn="l" rtl="0">
                         <a:spcBef>
                           <a:spcPts val="0"/>
                         </a:spcBef>
@@ -10189,13 +10705,13 @@
                         <a:buNone/>
                       </a:pPr>
                       <a:r>
-                        <a:rPr lang="pl"/>
-                        <a:t>- Hard to integrate with modern </a:t>
+                        <a:rPr lang="pl" dirty="0"/>
+                        <a:t>  front end frameworks</a:t>
                       </a:r>
-                      <a:endParaRPr/>
+                      <a:endParaRPr lang="de-DE" dirty="0"/>
                     </a:p>
                     <a:p>
-                      <a:pPr indent="0" lvl="0" marL="0" rtl="0" algn="l">
+                      <a:pPr marL="0" lvl="0" indent="0" algn="l" rtl="0">
                         <a:spcBef>
                           <a:spcPts val="0"/>
                         </a:spcBef>
@@ -10205,22 +10721,27 @@
                         <a:buNone/>
                       </a:pPr>
                       <a:r>
-                        <a:rPr lang="pl"/>
-                        <a:t>  front end frameworks</a:t>
+                        <a:rPr lang="pl" dirty="0"/>
+                        <a:t>- Require deeper understanding of web development </a:t>
                       </a:r>
-                      <a:endParaRPr/>
+                      <a:endParaRPr dirty="0"/>
                     </a:p>
                   </a:txBody>
-                  <a:tcPr marT="91425" marB="91425" marR="91425" marL="91425"/>
+                  <a:tcPr marL="91425" marR="91425" marT="91425" marB="91425"/>
                 </a:tc>
+                <a:extLst>
+                  <a:ext uri="{0D108BD9-81ED-4DB2-BD59-A6C34878D82A}">
+                    <a16:rowId xmlns:a16="http://schemas.microsoft.com/office/drawing/2014/main" val="10001"/>
+                  </a:ext>
+                </a:extLst>
               </a:tr>
-              <a:tr h="938250">
+              <a:tr h="868397">
                 <a:tc>
                   <a:txBody>
                     <a:bodyPr/>
                     <a:lstStyle/>
                     <a:p>
-                      <a:pPr indent="0" lvl="0" marL="0" rtl="0" algn="l">
+                      <a:pPr marL="0" lvl="0" indent="0" algn="l" rtl="0">
                         <a:spcBef>
                           <a:spcPts val="0"/>
                         </a:spcBef>
@@ -10236,14 +10757,14 @@
                       <a:endParaRPr/>
                     </a:p>
                   </a:txBody>
-                  <a:tcPr marT="91425" marB="91425" marR="91425" marL="91425"/>
+                  <a:tcPr marL="91425" marR="91425" marT="91425" marB="91425"/>
                 </a:tc>
                 <a:tc>
                   <a:txBody>
                     <a:bodyPr/>
                     <a:lstStyle/>
                     <a:p>
-                      <a:pPr indent="0" lvl="0" marL="0" rtl="0" algn="l">
+                      <a:pPr marL="0" lvl="0" indent="0" algn="l" rtl="0">
                         <a:spcBef>
                           <a:spcPts val="0"/>
                         </a:spcBef>
@@ -10253,17 +10774,13 @@
                         <a:buNone/>
                       </a:pPr>
                       <a:r>
-                        <a:rPr lang="pl"/>
-                        <a:t>- L</a:t>
+                        <a:rPr lang="pl" dirty="0"/>
+                        <a:t>- Lightweight, integrated with Django</a:t>
                       </a:r>
-                      <a:r>
-                        <a:rPr lang="pl"/>
-                        <a:t>ightweight, integrated with Django</a:t>
-                      </a:r>
-                      <a:endParaRPr/>
+                      <a:endParaRPr dirty="0"/>
                     </a:p>
                     <a:p>
-                      <a:pPr indent="0" lvl="0" marL="0" rtl="0" algn="l">
+                      <a:pPr marL="0" lvl="0" indent="0" algn="l" rtl="0">
                         <a:spcBef>
                           <a:spcPts val="0"/>
                         </a:spcBef>
@@ -10273,20 +10790,20 @@
                         <a:buNone/>
                       </a:pPr>
                       <a:r>
-                        <a:rPr lang="pl"/>
+                        <a:rPr lang="pl" dirty="0"/>
                         <a:t>- Easy to use</a:t>
                       </a:r>
-                      <a:endParaRPr/>
+                      <a:endParaRPr dirty="0"/>
                     </a:p>
                   </a:txBody>
-                  <a:tcPr marT="91425" marB="91425" marR="91425" marL="91425"/>
+                  <a:tcPr marL="91425" marR="91425" marT="91425" marB="91425"/>
                 </a:tc>
                 <a:tc>
                   <a:txBody>
                     <a:bodyPr/>
                     <a:lstStyle/>
                     <a:p>
-                      <a:pPr indent="0" lvl="0" marL="0" rtl="0" algn="l">
+                      <a:pPr marL="0" lvl="0" indent="0" algn="l" rtl="0">
                         <a:spcBef>
                           <a:spcPts val="0"/>
                         </a:spcBef>
@@ -10296,17 +10813,13 @@
                         <a:buNone/>
                       </a:pPr>
                       <a:r>
-                        <a:rPr lang="pl"/>
-                        <a:t>- H</a:t>
+                        <a:rPr lang="pl" dirty="0"/>
+                        <a:t>- Huge pain to migrate off to something; to scale; </a:t>
                       </a:r>
-                      <a:r>
-                        <a:rPr lang="pl"/>
-                        <a:t>uge pain to migrate off to something; to scale; </a:t>
-                      </a:r>
-                      <a:endParaRPr/>
+                      <a:endParaRPr dirty="0"/>
                     </a:p>
                     <a:p>
-                      <a:pPr indent="0" lvl="0" marL="0" rtl="0" algn="l">
+                      <a:pPr marL="0" lvl="0" indent="0" algn="l" rtl="0">
                         <a:spcBef>
                           <a:spcPts val="0"/>
                         </a:spcBef>
@@ -10316,22 +10829,27 @@
                         <a:buNone/>
                       </a:pPr>
                       <a:r>
-                        <a:rPr lang="pl"/>
+                        <a:rPr lang="pl" dirty="0"/>
                         <a:t>- Some SQL commands not supported</a:t>
                       </a:r>
-                      <a:endParaRPr/>
+                      <a:endParaRPr dirty="0"/>
                     </a:p>
                   </a:txBody>
-                  <a:tcPr marT="91425" marB="91425" marR="91425" marL="91425"/>
+                  <a:tcPr marL="91425" marR="91425" marT="91425" marB="91425"/>
                 </a:tc>
+                <a:extLst>
+                  <a:ext uri="{0D108BD9-81ED-4DB2-BD59-A6C34878D82A}">
+                    <a16:rowId xmlns:a16="http://schemas.microsoft.com/office/drawing/2014/main" val="10002"/>
+                  </a:ext>
+                </a:extLst>
               </a:tr>
-              <a:tr h="360575">
+              <a:tr h="366712">
                 <a:tc>
                   <a:txBody>
                     <a:bodyPr/>
                     <a:lstStyle/>
                     <a:p>
-                      <a:pPr indent="0" lvl="0" marL="0" rtl="0" algn="l">
+                      <a:pPr marL="0" lvl="0" indent="0" algn="l" rtl="0">
                         <a:spcBef>
                           <a:spcPts val="0"/>
                         </a:spcBef>
@@ -10347,14 +10865,14 @@
                       <a:endParaRPr/>
                     </a:p>
                   </a:txBody>
-                  <a:tcPr marT="91425" marB="91425" marR="91425" marL="91425"/>
+                  <a:tcPr marL="91425" marR="91425" marT="91425" marB="91425"/>
                 </a:tc>
                 <a:tc>
                   <a:txBody>
                     <a:bodyPr/>
                     <a:lstStyle/>
                     <a:p>
-                      <a:pPr indent="0" lvl="0" marL="0" rtl="0" algn="l">
+                      <a:pPr marL="0" lvl="0" indent="0" algn="l" rtl="0">
                         <a:spcBef>
                           <a:spcPts val="0"/>
                         </a:spcBef>
@@ -10370,14 +10888,14 @@
                       <a:endParaRPr/>
                     </a:p>
                   </a:txBody>
-                  <a:tcPr marT="91425" marB="91425" marR="91425" marL="91425"/>
+                  <a:tcPr marL="91425" marR="91425" marT="91425" marB="91425"/>
                 </a:tc>
                 <a:tc>
                   <a:txBody>
                     <a:bodyPr/>
                     <a:lstStyle/>
                     <a:p>
-                      <a:pPr indent="0" lvl="0" marL="0" rtl="0" algn="l">
+                      <a:pPr marL="0" lvl="0" indent="0" algn="l" rtl="0">
                         <a:spcBef>
                           <a:spcPts val="0"/>
                         </a:spcBef>
@@ -10387,22 +10905,27 @@
                         <a:buNone/>
                       </a:pPr>
                       <a:r>
-                        <a:rPr lang="pl"/>
+                        <a:rPr lang="pl" dirty="0"/>
                         <a:t>- Poor Django integration</a:t>
                       </a:r>
-                      <a:endParaRPr/>
+                      <a:endParaRPr dirty="0"/>
                     </a:p>
                   </a:txBody>
-                  <a:tcPr marT="91425" marB="91425" marR="91425" marL="91425"/>
+                  <a:tcPr marL="91425" marR="91425" marT="91425" marB="91425"/>
                 </a:tc>
+                <a:extLst>
+                  <a:ext uri="{0D108BD9-81ED-4DB2-BD59-A6C34878D82A}">
+                    <a16:rowId xmlns:a16="http://schemas.microsoft.com/office/drawing/2014/main" val="10003"/>
+                  </a:ext>
+                </a:extLst>
               </a:tr>
-              <a:tr h="360575">
+              <a:tr h="366712">
                 <a:tc>
                   <a:txBody>
                     <a:bodyPr/>
                     <a:lstStyle/>
                     <a:p>
-                      <a:pPr indent="0" lvl="0" marL="0" rtl="0" algn="l">
+                      <a:pPr marL="0" lvl="0" indent="0" algn="l" rtl="0">
                         <a:spcBef>
                           <a:spcPts val="0"/>
                         </a:spcBef>
@@ -10418,14 +10941,14 @@
                       <a:endParaRPr/>
                     </a:p>
                   </a:txBody>
-                  <a:tcPr marT="91425" marB="91425" marR="91425" marL="91425"/>
+                  <a:tcPr marL="91425" marR="91425" marT="91425" marB="91425"/>
                 </a:tc>
                 <a:tc>
                   <a:txBody>
                     <a:bodyPr/>
                     <a:lstStyle/>
                     <a:p>
-                      <a:pPr indent="0" lvl="0" marL="0" rtl="0" algn="l">
+                      <a:pPr marL="0" lvl="0" indent="0" algn="l" rtl="0">
                         <a:spcBef>
                           <a:spcPts val="0"/>
                         </a:spcBef>
@@ -10441,14 +10964,14 @@
                       <a:endParaRPr/>
                     </a:p>
                   </a:txBody>
-                  <a:tcPr marT="91425" marB="91425" marR="91425" marL="91425"/>
+                  <a:tcPr marL="91425" marR="91425" marT="91425" marB="91425"/>
                 </a:tc>
                 <a:tc>
                   <a:txBody>
                     <a:bodyPr/>
                     <a:lstStyle/>
                     <a:p>
-                      <a:pPr indent="0" lvl="0" marL="0" rtl="0" algn="l">
+                      <a:pPr marL="0" lvl="0" indent="0" algn="l" rtl="0">
                         <a:spcBef>
                           <a:spcPts val="0"/>
                         </a:spcBef>
@@ -10458,22 +10981,27 @@
                         <a:buNone/>
                       </a:pPr>
                       <a:r>
-                        <a:rPr lang="pl"/>
+                        <a:rPr lang="pl" dirty="0"/>
                         <a:t>- Not too customizable</a:t>
                       </a:r>
-                      <a:endParaRPr/>
+                      <a:endParaRPr dirty="0"/>
                     </a:p>
                   </a:txBody>
-                  <a:tcPr marT="91425" marB="91425" marR="91425" marL="91425"/>
+                  <a:tcPr marL="91425" marR="91425" marT="91425" marB="91425"/>
                 </a:tc>
+                <a:extLst>
+                  <a:ext uri="{0D108BD9-81ED-4DB2-BD59-A6C34878D82A}">
+                    <a16:rowId xmlns:a16="http://schemas.microsoft.com/office/drawing/2014/main" val="10004"/>
+                  </a:ext>
+                </a:extLst>
               </a:tr>
-              <a:tr h="941200">
+              <a:tr h="871128">
                 <a:tc>
                   <a:txBody>
                     <a:bodyPr/>
                     <a:lstStyle/>
                     <a:p>
-                      <a:pPr indent="0" lvl="0" marL="0" rtl="0" algn="l">
+                      <a:pPr marL="0" lvl="0" indent="0" algn="l" rtl="0">
                         <a:spcBef>
                           <a:spcPts val="0"/>
                         </a:spcBef>
@@ -10489,14 +11017,14 @@
                       <a:endParaRPr/>
                     </a:p>
                   </a:txBody>
-                  <a:tcPr marT="91425" marB="91425" marR="91425" marL="91425"/>
+                  <a:tcPr marL="91425" marR="91425" marT="91425" marB="91425"/>
                 </a:tc>
                 <a:tc>
                   <a:txBody>
                     <a:bodyPr/>
                     <a:lstStyle/>
                     <a:p>
-                      <a:pPr indent="0" lvl="0" marL="0" rtl="0" algn="l">
+                      <a:pPr marL="0" lvl="0" indent="0" algn="l" rtl="0">
                         <a:spcBef>
                           <a:spcPts val="0"/>
                         </a:spcBef>
@@ -10512,14 +11040,14 @@
                       <a:endParaRPr/>
                     </a:p>
                   </a:txBody>
-                  <a:tcPr marT="91425" marB="91425" marR="91425" marL="91425"/>
+                  <a:tcPr marL="91425" marR="91425" marT="91425" marB="91425"/>
                 </a:tc>
                 <a:tc>
                   <a:txBody>
                     <a:bodyPr/>
                     <a:lstStyle/>
                     <a:p>
-                      <a:pPr indent="0" lvl="0" marL="0" rtl="0" algn="l">
+                      <a:pPr marL="0" lvl="0" indent="0" algn="l" rtl="0">
                         <a:spcBef>
                           <a:spcPts val="0"/>
                         </a:spcBef>
@@ -10529,14 +11057,19 @@
                         <a:buNone/>
                       </a:pPr>
                       <a:r>
-                        <a:rPr lang="pl"/>
+                        <a:rPr lang="pl" dirty="0"/>
                         <a:t>- Overlapping functionality with Django</a:t>
                       </a:r>
-                      <a:endParaRPr/>
+                      <a:endParaRPr dirty="0"/>
                     </a:p>
                   </a:txBody>
-                  <a:tcPr marT="91425" marB="91425" marR="91425" marL="91425"/>
+                  <a:tcPr marL="91425" marR="91425" marT="91425" marB="91425"/>
                 </a:tc>
+                <a:extLst>
+                  <a:ext uri="{0D108BD9-81ED-4DB2-BD59-A6C34878D82A}">
+                    <a16:rowId xmlns:a16="http://schemas.microsoft.com/office/drawing/2014/main" val="10005"/>
+                  </a:ext>
+                </a:extLst>
               </a:tr>
             </a:tbl>
           </a:graphicData>
@@ -10550,165 +11083,289 @@
 </p:sld>
 </file>
 
-<file path=ppt/slides/slide9.xml><?xml version="1.0" encoding="utf-8"?>
-<p:sld xmlns:a="http://schemas.openxmlformats.org/drawingml/2006/main" xmlns:r="http://schemas.openxmlformats.org/officeDocument/2006/relationships" xmlns:mc="http://schemas.openxmlformats.org/markup-compatibility/2006" xmlns:mv="urn:schemas-microsoft-com:mac:vml" xmlns:p="http://schemas.openxmlformats.org/presentationml/2006/main" xmlns:c="http://schemas.openxmlformats.org/drawingml/2006/chart" xmlns:dgm="http://schemas.openxmlformats.org/drawingml/2006/diagram" xmlns:o="urn:schemas-microsoft-com:office:office" xmlns:v="urn:schemas-microsoft-com:vml" xmlns:pvml="urn:schemas-microsoft-com:office:powerpoint" xmlns:com="http://schemas.openxmlformats.org/drawingml/2006/compatibility" xmlns:p14="http://schemas.microsoft.com/office/powerpoint/2010/main" xmlns:p15="http://schemas.microsoft.com/office/powerpoint/2012/main">
-  <p:cSld>
-    <p:spTree>
-      <p:nvGrpSpPr>
-        <p:cNvPr id="121" name="Shape 121"/>
-        <p:cNvGrpSpPr/>
-        <p:nvPr/>
-      </p:nvGrpSpPr>
-      <p:grpSpPr>
-        <a:xfrm>
-          <a:off x="0" y="0"/>
-          <a:ext cx="0" cy="0"/>
-          <a:chOff x="0" y="0"/>
-          <a:chExt cx="0" cy="0"/>
-        </a:xfrm>
-      </p:grpSpPr>
-      <p:sp>
-        <p:nvSpPr>
-          <p:cNvPr id="122" name="Google Shape;122;p21"/>
-          <p:cNvSpPr txBox="1"/>
-          <p:nvPr>
-            <p:ph type="title"/>
-          </p:nvPr>
-        </p:nvSpPr>
-        <p:spPr>
-          <a:xfrm>
-            <a:off x="311700" y="315925"/>
-            <a:ext cx="8520600" cy="831300"/>
-          </a:xfrm>
-          <a:prstGeom prst="rect">
-            <a:avLst/>
-          </a:prstGeom>
-        </p:spPr>
-        <p:txBody>
-          <a:bodyPr anchorCtr="0" anchor="b" bIns="91425" lIns="91425" spcFirstLastPara="1" rIns="91425" wrap="square" tIns="91425">
-            <a:noAutofit/>
-          </a:bodyPr>
-          <a:lstStyle/>
-          <a:p>
-            <a:pPr indent="0" lvl="0" marL="0" rtl="0" algn="l">
-              <a:spcBef>
-                <a:spcPts val="0"/>
-              </a:spcBef>
-              <a:spcAft>
-                <a:spcPts val="0"/>
-              </a:spcAft>
-              <a:buNone/>
-            </a:pPr>
-            <a:r>
-              <a:rPr lang="pl"/>
-              <a:t>Performance analysis</a:t>
-            </a:r>
-            <a:endParaRPr/>
-          </a:p>
-        </p:txBody>
-      </p:sp>
-      <p:sp>
-        <p:nvSpPr>
-          <p:cNvPr id="123" name="Google Shape;123;p21"/>
-          <p:cNvSpPr txBox="1"/>
-          <p:nvPr>
-            <p:ph idx="1" type="body"/>
-          </p:nvPr>
-        </p:nvSpPr>
-        <p:spPr>
-          <a:xfrm>
-            <a:off x="311700" y="1225225"/>
-            <a:ext cx="8520600" cy="3354000"/>
-          </a:xfrm>
-          <a:prstGeom prst="rect">
-            <a:avLst/>
-          </a:prstGeom>
-        </p:spPr>
-        <p:txBody>
-          <a:bodyPr anchorCtr="0" anchor="t" bIns="91425" lIns="91425" spcFirstLastPara="1" rIns="91425" wrap="square" tIns="91425">
-            <a:noAutofit/>
-          </a:bodyPr>
-          <a:lstStyle/>
-          <a:p>
-            <a:pPr indent="-342900" lvl="0" marL="457200" rtl="0" algn="l">
-              <a:spcBef>
-                <a:spcPts val="0"/>
-              </a:spcBef>
-              <a:spcAft>
-                <a:spcPts val="0"/>
-              </a:spcAft>
-              <a:buSzPts val="1800"/>
-              <a:buChar char="●"/>
-            </a:pPr>
-            <a:r>
-              <a:rPr lang="pl"/>
-              <a:t>Data and logic are integrated in the Python backend. Computation is done server-side, in Python, can take up to 5 seconds to run a query.</a:t>
-            </a:r>
-            <a:endParaRPr/>
-          </a:p>
-          <a:p>
-            <a:pPr indent="-342900" lvl="0" marL="457200" rtl="0" algn="l">
-              <a:spcBef>
-                <a:spcPts val="0"/>
-              </a:spcBef>
-              <a:spcAft>
-                <a:spcPts val="0"/>
-              </a:spcAft>
-              <a:buSzPts val="1800"/>
-              <a:buChar char="●"/>
-            </a:pPr>
-            <a:r>
-              <a:rPr lang="pl"/>
-              <a:t>Main bottlenecks: data duplication and processing.</a:t>
-            </a:r>
-            <a:endParaRPr/>
-          </a:p>
-          <a:p>
-            <a:pPr indent="-342900" lvl="0" marL="457200" rtl="0" algn="l">
-              <a:spcBef>
-                <a:spcPts val="0"/>
-              </a:spcBef>
-              <a:spcAft>
-                <a:spcPts val="0"/>
-              </a:spcAft>
-              <a:buSzPts val="1800"/>
-              <a:buChar char="●"/>
-            </a:pPr>
-            <a:r>
-              <a:rPr lang="pl"/>
-              <a:t>Decoupling data and computation services would help with scalability.</a:t>
-            </a:r>
-            <a:endParaRPr/>
-          </a:p>
-          <a:p>
-            <a:pPr indent="-342900" lvl="0" marL="457200" rtl="0" algn="l">
-              <a:spcBef>
-                <a:spcPts val="0"/>
-              </a:spcBef>
-              <a:spcAft>
-                <a:spcPts val="0"/>
-              </a:spcAft>
-              <a:buSzPts val="1800"/>
-              <a:buChar char="●"/>
-            </a:pPr>
-            <a:r>
-              <a:rPr lang="pl"/>
-              <a:t>For runtime speedup, we can try caching queries, rewriting the server code in Java, or offloading some computations client-side.</a:t>
-            </a:r>
-            <a:endParaRPr/>
-          </a:p>
-        </p:txBody>
-      </p:sp>
-    </p:spTree>
-  </p:cSld>
-  <p:clrMapOvr>
-    <a:masterClrMapping/>
-  </p:clrMapOvr>
-</p:sld>
+<file path=ppt/theme/theme1.xml><?xml version="1.0" encoding="utf-8"?>
+<a:theme xmlns:a="http://schemas.openxmlformats.org/drawingml/2006/main" name="Luxe">
+  <a:themeElements>
+    <a:clrScheme name="Luxe">
+      <a:dk1>
+        <a:srgbClr val="000000"/>
+      </a:dk1>
+      <a:lt1>
+        <a:srgbClr val="FFFFFF"/>
+      </a:lt1>
+      <a:dk2>
+        <a:srgbClr val="B7B7B7"/>
+      </a:dk2>
+      <a:lt2>
+        <a:srgbClr val="CCA677"/>
+      </a:lt2>
+      <a:accent1>
+        <a:srgbClr val="5D4037"/>
+      </a:accent1>
+      <a:accent2>
+        <a:srgbClr val="455A64"/>
+      </a:accent2>
+      <a:accent3>
+        <a:srgbClr val="607D8B"/>
+      </a:accent3>
+      <a:accent4>
+        <a:srgbClr val="78909C"/>
+      </a:accent4>
+      <a:accent5>
+        <a:srgbClr val="57BB8A"/>
+      </a:accent5>
+      <a:accent6>
+        <a:srgbClr val="DCE755"/>
+      </a:accent6>
+      <a:hlink>
+        <a:srgbClr val="57BB8A"/>
+      </a:hlink>
+      <a:folHlink>
+        <a:srgbClr val="57BB8A"/>
+      </a:folHlink>
+    </a:clrScheme>
+    <a:fontScheme name="Office">
+      <a:majorFont>
+        <a:latin typeface="Arial"/>
+        <a:ea typeface=""/>
+        <a:cs typeface=""/>
+        <a:font script="Jpan" typeface="ＭＳ Ｐゴシック"/>
+        <a:font script="Hang" typeface="맑은 고딕"/>
+        <a:font script="Hans" typeface="宋体"/>
+        <a:font script="Hant" typeface="新細明體"/>
+        <a:font script="Arab" typeface="Times New Roman"/>
+        <a:font script="Hebr" typeface="Times New Roman"/>
+        <a:font script="Thai" typeface="Angsana New"/>
+        <a:font script="Ethi" typeface="Nyala"/>
+        <a:font script="Beng" typeface="Vrinda"/>
+        <a:font script="Gujr" typeface="Shruti"/>
+        <a:font script="Khmr" typeface="MoolBoran"/>
+        <a:font script="Knda" typeface="Tunga"/>
+        <a:font script="Guru" typeface="Raavi"/>
+        <a:font script="Cans" typeface="Euphemia"/>
+        <a:font script="Cher" typeface="Plantagenet Cherokee"/>
+        <a:font script="Yiii" typeface="Microsoft Yi Baiti"/>
+        <a:font script="Tibt" typeface="Microsoft Himalaya"/>
+        <a:font script="Thaa" typeface="MV Boli"/>
+        <a:font script="Deva" typeface="Mangal"/>
+        <a:font script="Telu" typeface="Gautami"/>
+        <a:font script="Taml" typeface="Latha"/>
+        <a:font script="Syrc" typeface="Estrangelo Edessa"/>
+        <a:font script="Orya" typeface="Kalinga"/>
+        <a:font script="Mlym" typeface="Kartika"/>
+        <a:font script="Laoo" typeface="DokChampa"/>
+        <a:font script="Sinh" typeface="Iskoola Pota"/>
+        <a:font script="Mong" typeface="Mongolian Baiti"/>
+        <a:font script="Viet" typeface="Times New Roman"/>
+        <a:font script="Uigh" typeface="Microsoft Uighur"/>
+        <a:font script="Geor" typeface="Sylfaen"/>
+      </a:majorFont>
+      <a:minorFont>
+        <a:latin typeface="Arial"/>
+        <a:ea typeface=""/>
+        <a:cs typeface=""/>
+        <a:font script="Jpan" typeface="ＭＳ Ｐゴシック"/>
+        <a:font script="Hang" typeface="맑은 고딕"/>
+        <a:font script="Hans" typeface="宋体"/>
+        <a:font script="Hant" typeface="新細明體"/>
+        <a:font script="Arab" typeface="Arial"/>
+        <a:font script="Hebr" typeface="Arial"/>
+        <a:font script="Thai" typeface="Cordia New"/>
+        <a:font script="Ethi" typeface="Nyala"/>
+        <a:font script="Beng" typeface="Vrinda"/>
+        <a:font script="Gujr" typeface="Shruti"/>
+        <a:font script="Khmr" typeface="DaunPenh"/>
+        <a:font script="Knda" typeface="Tunga"/>
+        <a:font script="Guru" typeface="Raavi"/>
+        <a:font script="Cans" typeface="Euphemia"/>
+        <a:font script="Cher" typeface="Plantagenet Cherokee"/>
+        <a:font script="Yiii" typeface="Microsoft Yi Baiti"/>
+        <a:font script="Tibt" typeface="Microsoft Himalaya"/>
+        <a:font script="Thaa" typeface="MV Boli"/>
+        <a:font script="Deva" typeface="Mangal"/>
+        <a:font script="Telu" typeface="Gautami"/>
+        <a:font script="Taml" typeface="Latha"/>
+        <a:font script="Syrc" typeface="Estrangelo Edessa"/>
+        <a:font script="Orya" typeface="Kalinga"/>
+        <a:font script="Mlym" typeface="Kartika"/>
+        <a:font script="Laoo" typeface="DokChampa"/>
+        <a:font script="Sinh" typeface="Iskoola Pota"/>
+        <a:font script="Mong" typeface="Mongolian Baiti"/>
+        <a:font script="Viet" typeface="Arial"/>
+        <a:font script="Uigh" typeface="Microsoft Uighur"/>
+        <a:font script="Geor" typeface="Sylfaen"/>
+      </a:minorFont>
+    </a:fontScheme>
+    <a:fmtScheme name="Office">
+      <a:fillStyleLst>
+        <a:solidFill>
+          <a:schemeClr val="phClr"/>
+        </a:solidFill>
+        <a:gradFill rotWithShape="1">
+          <a:gsLst>
+            <a:gs pos="0">
+              <a:schemeClr val="phClr">
+                <a:tint val="50000"/>
+                <a:satMod val="300000"/>
+              </a:schemeClr>
+            </a:gs>
+            <a:gs pos="35000">
+              <a:schemeClr val="phClr">
+                <a:tint val="37000"/>
+                <a:satMod val="300000"/>
+              </a:schemeClr>
+            </a:gs>
+            <a:gs pos="100000">
+              <a:schemeClr val="phClr">
+                <a:tint val="15000"/>
+                <a:satMod val="350000"/>
+              </a:schemeClr>
+            </a:gs>
+          </a:gsLst>
+          <a:lin ang="16200000" scaled="1"/>
+        </a:gradFill>
+        <a:gradFill rotWithShape="1">
+          <a:gsLst>
+            <a:gs pos="0">
+              <a:schemeClr val="phClr">
+                <a:tint val="100000"/>
+                <a:shade val="100000"/>
+                <a:satMod val="130000"/>
+              </a:schemeClr>
+            </a:gs>
+            <a:gs pos="100000">
+              <a:schemeClr val="phClr">
+                <a:tint val="50000"/>
+                <a:shade val="100000"/>
+                <a:satMod val="350000"/>
+              </a:schemeClr>
+            </a:gs>
+          </a:gsLst>
+          <a:lin ang="16200000" scaled="0"/>
+        </a:gradFill>
+      </a:fillStyleLst>
+      <a:lnStyleLst>
+        <a:ln w="9525" cap="flat" cmpd="sng" algn="ctr">
+          <a:solidFill>
+            <a:schemeClr val="phClr">
+              <a:shade val="95000"/>
+              <a:satMod val="105000"/>
+            </a:schemeClr>
+          </a:solidFill>
+          <a:prstDash val="solid"/>
+        </a:ln>
+        <a:ln w="25400" cap="flat" cmpd="sng" algn="ctr">
+          <a:solidFill>
+            <a:schemeClr val="phClr"/>
+          </a:solidFill>
+          <a:prstDash val="solid"/>
+        </a:ln>
+        <a:ln w="38100" cap="flat" cmpd="sng" algn="ctr">
+          <a:solidFill>
+            <a:schemeClr val="phClr"/>
+          </a:solidFill>
+          <a:prstDash val="solid"/>
+        </a:ln>
+      </a:lnStyleLst>
+      <a:effectStyleLst>
+        <a:effectStyle>
+          <a:effectLst>
+            <a:outerShdw blurRad="40000" dist="20000" dir="5400000" rotWithShape="0">
+              <a:srgbClr val="000000">
+                <a:alpha val="38000"/>
+              </a:srgbClr>
+            </a:outerShdw>
+          </a:effectLst>
+        </a:effectStyle>
+        <a:effectStyle>
+          <a:effectLst>
+            <a:outerShdw blurRad="40000" dist="23000" dir="5400000" rotWithShape="0">
+              <a:srgbClr val="000000">
+                <a:alpha val="35000"/>
+              </a:srgbClr>
+            </a:outerShdw>
+          </a:effectLst>
+        </a:effectStyle>
+        <a:effectStyle>
+          <a:effectLst>
+            <a:outerShdw blurRad="40000" dist="23000" dir="5400000" rotWithShape="0">
+              <a:srgbClr val="000000">
+                <a:alpha val="35000"/>
+              </a:srgbClr>
+            </a:outerShdw>
+          </a:effectLst>
+          <a:scene3d>
+            <a:camera prst="orthographicFront">
+              <a:rot lat="0" lon="0" rev="0"/>
+            </a:camera>
+            <a:lightRig rig="threePt" dir="t">
+              <a:rot lat="0" lon="0" rev="1200000"/>
+            </a:lightRig>
+          </a:scene3d>
+          <a:sp3d>
+            <a:bevelT w="63500" h="25400"/>
+          </a:sp3d>
+        </a:effectStyle>
+      </a:effectStyleLst>
+      <a:bgFillStyleLst>
+        <a:solidFill>
+          <a:schemeClr val="phClr"/>
+        </a:solidFill>
+        <a:gradFill rotWithShape="1">
+          <a:gsLst>
+            <a:gs pos="0">
+              <a:schemeClr val="phClr">
+                <a:tint val="40000"/>
+                <a:satMod val="350000"/>
+              </a:schemeClr>
+            </a:gs>
+            <a:gs pos="40000">
+              <a:schemeClr val="phClr">
+                <a:tint val="45000"/>
+                <a:shade val="99000"/>
+                <a:satMod val="350000"/>
+              </a:schemeClr>
+            </a:gs>
+            <a:gs pos="100000">
+              <a:schemeClr val="phClr">
+                <a:shade val="20000"/>
+                <a:satMod val="255000"/>
+              </a:schemeClr>
+            </a:gs>
+          </a:gsLst>
+          <a:path path="circle">
+            <a:fillToRect l="50000" t="-80000" r="50000" b="180000"/>
+          </a:path>
+        </a:gradFill>
+        <a:gradFill rotWithShape="1">
+          <a:gsLst>
+            <a:gs pos="0">
+              <a:schemeClr val="phClr">
+                <a:tint val="80000"/>
+                <a:satMod val="300000"/>
+              </a:schemeClr>
+            </a:gs>
+            <a:gs pos="100000">
+              <a:schemeClr val="phClr">
+                <a:shade val="30000"/>
+                <a:satMod val="200000"/>
+              </a:schemeClr>
+            </a:gs>
+          </a:gsLst>
+          <a:path path="circle">
+            <a:fillToRect l="50000" t="50000" r="50000" b="50000"/>
+          </a:path>
+        </a:gradFill>
+      </a:bgFillStyleLst>
+    </a:fmtScheme>
+  </a:themeElements>
+  <a:objectDefaults/>
+  <a:extraClrSchemeLst/>
+</a:theme>
 </file>
 
-<file path=ppt/theme/theme1.xml><?xml version="1.0" encoding="utf-8"?>
-<a:theme xmlns:a="http://schemas.openxmlformats.org/drawingml/2006/main" xmlns:r="http://schemas.openxmlformats.org/officeDocument/2006/relationships">
+<file path=ppt/theme/theme2.xml><?xml version="1.0" encoding="utf-8"?>
+<a:theme xmlns:a="http://schemas.openxmlformats.org/drawingml/2006/main">
   <a:themeElements>
     <a:clrScheme name="Default">
       <a:dk1>
@@ -10983,284 +11640,7 @@
       </a:bgFillStyleLst>
     </a:fmtScheme>
   </a:themeElements>
-</a:theme>
-</file>
-
-<file path=ppt/theme/theme2.xml><?xml version="1.0" encoding="utf-8"?>
-<a:theme xmlns:a="http://schemas.openxmlformats.org/drawingml/2006/main" xmlns:r="http://schemas.openxmlformats.org/officeDocument/2006/relationships" name="Luxe">
-  <a:themeElements>
-    <a:clrScheme name="Luxe">
-      <a:dk1>
-        <a:srgbClr val="000000"/>
-      </a:dk1>
-      <a:lt1>
-        <a:srgbClr val="FFFFFF"/>
-      </a:lt1>
-      <a:dk2>
-        <a:srgbClr val="B7B7B7"/>
-      </a:dk2>
-      <a:lt2>
-        <a:srgbClr val="CCA677"/>
-      </a:lt2>
-      <a:accent1>
-        <a:srgbClr val="5D4037"/>
-      </a:accent1>
-      <a:accent2>
-        <a:srgbClr val="455A64"/>
-      </a:accent2>
-      <a:accent3>
-        <a:srgbClr val="607D8B"/>
-      </a:accent3>
-      <a:accent4>
-        <a:srgbClr val="78909C"/>
-      </a:accent4>
-      <a:accent5>
-        <a:srgbClr val="57BB8A"/>
-      </a:accent5>
-      <a:accent6>
-        <a:srgbClr val="DCE755"/>
-      </a:accent6>
-      <a:hlink>
-        <a:srgbClr val="57BB8A"/>
-      </a:hlink>
-      <a:folHlink>
-        <a:srgbClr val="57BB8A"/>
-      </a:folHlink>
-    </a:clrScheme>
-    <a:fontScheme name="Office">
-      <a:majorFont>
-        <a:latin typeface="Arial"/>
-        <a:ea typeface=""/>
-        <a:cs typeface=""/>
-        <a:font script="Jpan" typeface="ＭＳ Ｐゴシック"/>
-        <a:font script="Hang" typeface="맑은 고딕"/>
-        <a:font script="Hans" typeface="宋体"/>
-        <a:font script="Hant" typeface="新細明體"/>
-        <a:font script="Arab" typeface="Times New Roman"/>
-        <a:font script="Hebr" typeface="Times New Roman"/>
-        <a:font script="Thai" typeface="Angsana New"/>
-        <a:font script="Ethi" typeface="Nyala"/>
-        <a:font script="Beng" typeface="Vrinda"/>
-        <a:font script="Gujr" typeface="Shruti"/>
-        <a:font script="Khmr" typeface="MoolBoran"/>
-        <a:font script="Knda" typeface="Tunga"/>
-        <a:font script="Guru" typeface="Raavi"/>
-        <a:font script="Cans" typeface="Euphemia"/>
-        <a:font script="Cher" typeface="Plantagenet Cherokee"/>
-        <a:font script="Yiii" typeface="Microsoft Yi Baiti"/>
-        <a:font script="Tibt" typeface="Microsoft Himalaya"/>
-        <a:font script="Thaa" typeface="MV Boli"/>
-        <a:font script="Deva" typeface="Mangal"/>
-        <a:font script="Telu" typeface="Gautami"/>
-        <a:font script="Taml" typeface="Latha"/>
-        <a:font script="Syrc" typeface="Estrangelo Edessa"/>
-        <a:font script="Orya" typeface="Kalinga"/>
-        <a:font script="Mlym" typeface="Kartika"/>
-        <a:font script="Laoo" typeface="DokChampa"/>
-        <a:font script="Sinh" typeface="Iskoola Pota"/>
-        <a:font script="Mong" typeface="Mongolian Baiti"/>
-        <a:font script="Viet" typeface="Times New Roman"/>
-        <a:font script="Uigh" typeface="Microsoft Uighur"/>
-        <a:font script="Geor" typeface="Sylfaen"/>
-      </a:majorFont>
-      <a:minorFont>
-        <a:latin typeface="Arial"/>
-        <a:ea typeface=""/>
-        <a:cs typeface=""/>
-        <a:font script="Jpan" typeface="ＭＳ Ｐゴシック"/>
-        <a:font script="Hang" typeface="맑은 고딕"/>
-        <a:font script="Hans" typeface="宋体"/>
-        <a:font script="Hant" typeface="新細明體"/>
-        <a:font script="Arab" typeface="Arial"/>
-        <a:font script="Hebr" typeface="Arial"/>
-        <a:font script="Thai" typeface="Cordia New"/>
-        <a:font script="Ethi" typeface="Nyala"/>
-        <a:font script="Beng" typeface="Vrinda"/>
-        <a:font script="Gujr" typeface="Shruti"/>
-        <a:font script="Khmr" typeface="DaunPenh"/>
-        <a:font script="Knda" typeface="Tunga"/>
-        <a:font script="Guru" typeface="Raavi"/>
-        <a:font script="Cans" typeface="Euphemia"/>
-        <a:font script="Cher" typeface="Plantagenet Cherokee"/>
-        <a:font script="Yiii" typeface="Microsoft Yi Baiti"/>
-        <a:font script="Tibt" typeface="Microsoft Himalaya"/>
-        <a:font script="Thaa" typeface="MV Boli"/>
-        <a:font script="Deva" typeface="Mangal"/>
-        <a:font script="Telu" typeface="Gautami"/>
-        <a:font script="Taml" typeface="Latha"/>
-        <a:font script="Syrc" typeface="Estrangelo Edessa"/>
-        <a:font script="Orya" typeface="Kalinga"/>
-        <a:font script="Mlym" typeface="Kartika"/>
-        <a:font script="Laoo" typeface="DokChampa"/>
-        <a:font script="Sinh" typeface="Iskoola Pota"/>
-        <a:font script="Mong" typeface="Mongolian Baiti"/>
-        <a:font script="Viet" typeface="Arial"/>
-        <a:font script="Uigh" typeface="Microsoft Uighur"/>
-        <a:font script="Geor" typeface="Sylfaen"/>
-      </a:minorFont>
-    </a:fontScheme>
-    <a:fmtScheme name="Office">
-      <a:fillStyleLst>
-        <a:solidFill>
-          <a:schemeClr val="phClr"/>
-        </a:solidFill>
-        <a:gradFill rotWithShape="1">
-          <a:gsLst>
-            <a:gs pos="0">
-              <a:schemeClr val="phClr">
-                <a:tint val="50000"/>
-                <a:satMod val="300000"/>
-              </a:schemeClr>
-            </a:gs>
-            <a:gs pos="35000">
-              <a:schemeClr val="phClr">
-                <a:tint val="37000"/>
-                <a:satMod val="300000"/>
-              </a:schemeClr>
-            </a:gs>
-            <a:gs pos="100000">
-              <a:schemeClr val="phClr">
-                <a:tint val="15000"/>
-                <a:satMod val="350000"/>
-              </a:schemeClr>
-            </a:gs>
-          </a:gsLst>
-          <a:lin ang="16200000" scaled="1"/>
-        </a:gradFill>
-        <a:gradFill rotWithShape="1">
-          <a:gsLst>
-            <a:gs pos="0">
-              <a:schemeClr val="phClr">
-                <a:tint val="100000"/>
-                <a:shade val="100000"/>
-                <a:satMod val="130000"/>
-              </a:schemeClr>
-            </a:gs>
-            <a:gs pos="100000">
-              <a:schemeClr val="phClr">
-                <a:tint val="50000"/>
-                <a:shade val="100000"/>
-                <a:satMod val="350000"/>
-              </a:schemeClr>
-            </a:gs>
-          </a:gsLst>
-          <a:lin ang="16200000" scaled="0"/>
-        </a:gradFill>
-      </a:fillStyleLst>
-      <a:lnStyleLst>
-        <a:ln w="9525" cap="flat" cmpd="sng" algn="ctr">
-          <a:solidFill>
-            <a:schemeClr val="phClr">
-              <a:shade val="95000"/>
-              <a:satMod val="105000"/>
-            </a:schemeClr>
-          </a:solidFill>
-          <a:prstDash val="solid"/>
-        </a:ln>
-        <a:ln w="25400" cap="flat" cmpd="sng" algn="ctr">
-          <a:solidFill>
-            <a:schemeClr val="phClr"/>
-          </a:solidFill>
-          <a:prstDash val="solid"/>
-        </a:ln>
-        <a:ln w="38100" cap="flat" cmpd="sng" algn="ctr">
-          <a:solidFill>
-            <a:schemeClr val="phClr"/>
-          </a:solidFill>
-          <a:prstDash val="solid"/>
-        </a:ln>
-      </a:lnStyleLst>
-      <a:effectStyleLst>
-        <a:effectStyle>
-          <a:effectLst>
-            <a:outerShdw blurRad="40000" dist="20000" dir="5400000" rotWithShape="0">
-              <a:srgbClr val="000000">
-                <a:alpha val="38000"/>
-              </a:srgbClr>
-            </a:outerShdw>
-          </a:effectLst>
-        </a:effectStyle>
-        <a:effectStyle>
-          <a:effectLst>
-            <a:outerShdw blurRad="40000" dist="23000" dir="5400000" rotWithShape="0">
-              <a:srgbClr val="000000">
-                <a:alpha val="35000"/>
-              </a:srgbClr>
-            </a:outerShdw>
-          </a:effectLst>
-        </a:effectStyle>
-        <a:effectStyle>
-          <a:effectLst>
-            <a:outerShdw blurRad="40000" dist="23000" dir="5400000" rotWithShape="0">
-              <a:srgbClr val="000000">
-                <a:alpha val="35000"/>
-              </a:srgbClr>
-            </a:outerShdw>
-          </a:effectLst>
-          <a:scene3d>
-            <a:camera prst="orthographicFront">
-              <a:rot lat="0" lon="0" rev="0"/>
-            </a:camera>
-            <a:lightRig rig="threePt" dir="t">
-              <a:rot lat="0" lon="0" rev="1200000"/>
-            </a:lightRig>
-          </a:scene3d>
-          <a:sp3d>
-            <a:bevelT w="63500" h="25400"/>
-          </a:sp3d>
-        </a:effectStyle>
-      </a:effectStyleLst>
-      <a:bgFillStyleLst>
-        <a:solidFill>
-          <a:schemeClr val="phClr"/>
-        </a:solidFill>
-        <a:gradFill rotWithShape="1">
-          <a:gsLst>
-            <a:gs pos="0">
-              <a:schemeClr val="phClr">
-                <a:tint val="40000"/>
-                <a:satMod val="350000"/>
-              </a:schemeClr>
-            </a:gs>
-            <a:gs pos="40000">
-              <a:schemeClr val="phClr">
-                <a:tint val="45000"/>
-                <a:shade val="99000"/>
-                <a:satMod val="350000"/>
-              </a:schemeClr>
-            </a:gs>
-            <a:gs pos="100000">
-              <a:schemeClr val="phClr">
-                <a:shade val="20000"/>
-                <a:satMod val="255000"/>
-              </a:schemeClr>
-            </a:gs>
-          </a:gsLst>
-          <a:path path="circle">
-            <a:fillToRect l="50000" t="-80000" r="50000" b="180000"/>
-          </a:path>
-        </a:gradFill>
-        <a:gradFill rotWithShape="1">
-          <a:gsLst>
-            <a:gs pos="0">
-              <a:schemeClr val="phClr">
-                <a:tint val="80000"/>
-                <a:satMod val="300000"/>
-              </a:schemeClr>
-            </a:gs>
-            <a:gs pos="100000">
-              <a:schemeClr val="phClr">
-                <a:shade val="30000"/>
-                <a:satMod val="200000"/>
-              </a:schemeClr>
-            </a:gs>
-          </a:gsLst>
-          <a:path path="circle">
-            <a:fillToRect l="50000" t="50000" r="50000" b="50000"/>
-          </a:path>
-        </a:gradFill>
-      </a:bgFillStyleLst>
-    </a:fmtScheme>
-  </a:themeElements>
+  <a:objectDefaults/>
+  <a:extraClrSchemeLst/>
 </a:theme>
 </file>